--- a/Technical-Support/Assignments/Oral-Presentation/cybersecurity-training.pptx
+++ b/Technical-Support/Assignments/Oral-Presentation/cybersecurity-training.pptx
@@ -2,10 +2,21 @@
 <file path=ppt/presentation.xml><?xml version="1.0" encoding="utf-8"?>
 <p:presentation xmlns:a="http://schemas.openxmlformats.org/drawingml/2006/main" xmlns:r="http://schemas.openxmlformats.org/officeDocument/2006/relationships" xmlns:p="http://schemas.openxmlformats.org/presentationml/2006/main" saveSubsetFonts="1">
   <p:sldMasterIdLst>
-    <p:sldMasterId id="2147483648" r:id="rId1"/>
+    <p:sldMasterId id="2147483660" r:id="rId1"/>
   </p:sldMasterIdLst>
   <p:sldIdLst>
     <p:sldId id="256" r:id="rId2"/>
+    <p:sldId id="257" r:id="rId3"/>
+    <p:sldId id="258" r:id="rId4"/>
+    <p:sldId id="259" r:id="rId5"/>
+    <p:sldId id="260" r:id="rId6"/>
+    <p:sldId id="261" r:id="rId7"/>
+    <p:sldId id="262" r:id="rId8"/>
+    <p:sldId id="263" r:id="rId9"/>
+    <p:sldId id="264" r:id="rId10"/>
+    <p:sldId id="265" r:id="rId11"/>
+    <p:sldId id="266" r:id="rId12"/>
+    <p:sldId id="267" r:id="rId13"/>
   </p:sldIdLst>
   <p:sldSz cx="12192000" cy="6858000"/>
   <p:notesSz cx="6858000" cy="9144000"/>
@@ -13,7 +24,7 @@
     <a:defPPr>
       <a:defRPr lang="en-US"/>
     </a:defPPr>
-    <a:lvl1pPr marL="0" algn="l" defTabSz="914400" rtl="0" eaLnBrk="1" latinLnBrk="0" hangingPunct="1">
+    <a:lvl1pPr marL="0" algn="l" defTabSz="457200" rtl="0" eaLnBrk="1" latinLnBrk="0" hangingPunct="1">
       <a:defRPr sz="1800" kern="1200">
         <a:solidFill>
           <a:schemeClr val="tx1"/>
@@ -23,7 +34,7 @@
         <a:cs typeface="+mn-cs"/>
       </a:defRPr>
     </a:lvl1pPr>
-    <a:lvl2pPr marL="457200" algn="l" defTabSz="914400" rtl="0" eaLnBrk="1" latinLnBrk="0" hangingPunct="1">
+    <a:lvl2pPr marL="457200" algn="l" defTabSz="457200" rtl="0" eaLnBrk="1" latinLnBrk="0" hangingPunct="1">
       <a:defRPr sz="1800" kern="1200">
         <a:solidFill>
           <a:schemeClr val="tx1"/>
@@ -33,7 +44,7 @@
         <a:cs typeface="+mn-cs"/>
       </a:defRPr>
     </a:lvl2pPr>
-    <a:lvl3pPr marL="914400" algn="l" defTabSz="914400" rtl="0" eaLnBrk="1" latinLnBrk="0" hangingPunct="1">
+    <a:lvl3pPr marL="914400" algn="l" defTabSz="457200" rtl="0" eaLnBrk="1" latinLnBrk="0" hangingPunct="1">
       <a:defRPr sz="1800" kern="1200">
         <a:solidFill>
           <a:schemeClr val="tx1"/>
@@ -43,7 +54,7 @@
         <a:cs typeface="+mn-cs"/>
       </a:defRPr>
     </a:lvl3pPr>
-    <a:lvl4pPr marL="1371600" algn="l" defTabSz="914400" rtl="0" eaLnBrk="1" latinLnBrk="0" hangingPunct="1">
+    <a:lvl4pPr marL="1371600" algn="l" defTabSz="457200" rtl="0" eaLnBrk="1" latinLnBrk="0" hangingPunct="1">
       <a:defRPr sz="1800" kern="1200">
         <a:solidFill>
           <a:schemeClr val="tx1"/>
@@ -53,7 +64,7 @@
         <a:cs typeface="+mn-cs"/>
       </a:defRPr>
     </a:lvl4pPr>
-    <a:lvl5pPr marL="1828800" algn="l" defTabSz="914400" rtl="0" eaLnBrk="1" latinLnBrk="0" hangingPunct="1">
+    <a:lvl5pPr marL="1828800" algn="l" defTabSz="457200" rtl="0" eaLnBrk="1" latinLnBrk="0" hangingPunct="1">
       <a:defRPr sz="1800" kern="1200">
         <a:solidFill>
           <a:schemeClr val="tx1"/>
@@ -63,7 +74,7 @@
         <a:cs typeface="+mn-cs"/>
       </a:defRPr>
     </a:lvl5pPr>
-    <a:lvl6pPr marL="2286000" algn="l" defTabSz="914400" rtl="0" eaLnBrk="1" latinLnBrk="0" hangingPunct="1">
+    <a:lvl6pPr marL="2286000" algn="l" defTabSz="457200" rtl="0" eaLnBrk="1" latinLnBrk="0" hangingPunct="1">
       <a:defRPr sz="1800" kern="1200">
         <a:solidFill>
           <a:schemeClr val="tx1"/>
@@ -73,7 +84,7 @@
         <a:cs typeface="+mn-cs"/>
       </a:defRPr>
     </a:lvl6pPr>
-    <a:lvl7pPr marL="2743200" algn="l" defTabSz="914400" rtl="0" eaLnBrk="1" latinLnBrk="0" hangingPunct="1">
+    <a:lvl7pPr marL="2743200" algn="l" defTabSz="457200" rtl="0" eaLnBrk="1" latinLnBrk="0" hangingPunct="1">
       <a:defRPr sz="1800" kern="1200">
         <a:solidFill>
           <a:schemeClr val="tx1"/>
@@ -83,7 +94,7 @@
         <a:cs typeface="+mn-cs"/>
       </a:defRPr>
     </a:lvl7pPr>
-    <a:lvl8pPr marL="3200400" algn="l" defTabSz="914400" rtl="0" eaLnBrk="1" latinLnBrk="0" hangingPunct="1">
+    <a:lvl8pPr marL="3200400" algn="l" defTabSz="457200" rtl="0" eaLnBrk="1" latinLnBrk="0" hangingPunct="1">
       <a:defRPr sz="1800" kern="1200">
         <a:solidFill>
           <a:schemeClr val="tx1"/>
@@ -93,7 +104,7 @@
         <a:cs typeface="+mn-cs"/>
       </a:defRPr>
     </a:lvl8pPr>
-    <a:lvl9pPr marL="3657600" algn="l" defTabSz="914400" rtl="0" eaLnBrk="1" latinLnBrk="0" hangingPunct="1">
+    <a:lvl9pPr marL="3657600" algn="l" defTabSz="457200" rtl="0" eaLnBrk="1" latinLnBrk="0" hangingPunct="1">
       <a:defRPr sz="1800" kern="1200">
         <a:solidFill>
           <a:schemeClr val="tx1"/>
@@ -104,11 +115,16 @@
       </a:defRPr>
     </a:lvl9pPr>
   </p:defaultTextStyle>
+  <p:extLst>
+    <p:ext uri="{EFAFB233-063F-42B5-8137-9DF3F51BA10A}">
+      <p15:sldGuideLst xmlns:p15="http://schemas.microsoft.com/office/powerpoint/2012/main"/>
+    </p:ext>
+  </p:extLst>
 </p:presentation>
 </file>
 
 <file path=ppt/slideLayouts/slideLayout1.xml><?xml version="1.0" encoding="utf-8"?>
-<p:sldLayout xmlns:a="http://schemas.openxmlformats.org/drawingml/2006/main" xmlns:r="http://schemas.openxmlformats.org/officeDocument/2006/relationships" xmlns:p="http://schemas.openxmlformats.org/presentationml/2006/main" type="title" preserve="1">
+<p:sldLayout xmlns:a="http://schemas.openxmlformats.org/drawingml/2006/main" xmlns:r="http://schemas.openxmlformats.org/officeDocument/2006/relationships" xmlns:p="http://schemas.openxmlformats.org/presentationml/2006/main" showMasterSp="0" type="title" preserve="1">
   <p:cSld name="Title Slide">
     <p:spTree>
       <p:nvGrpSpPr>
@@ -124,6 +140,536 @@
           <a:chExt cx="0" cy="0"/>
         </a:xfrm>
       </p:grpSpPr>
+      <p:grpSp>
+        <p:nvGrpSpPr>
+          <p:cNvPr id="7" name="Group 6"/>
+          <p:cNvGrpSpPr/>
+          <p:nvPr/>
+        </p:nvGrpSpPr>
+        <p:grpSpPr>
+          <a:xfrm>
+            <a:off x="0" y="-8467"/>
+            <a:ext cx="12192000" cy="6866467"/>
+            <a:chOff x="0" y="-8467"/>
+            <a:chExt cx="12192000" cy="6866467"/>
+          </a:xfrm>
+        </p:grpSpPr>
+        <p:cxnSp>
+          <p:nvCxnSpPr>
+            <p:cNvPr id="32" name="Straight Connector 31"/>
+            <p:cNvCxnSpPr/>
+            <p:nvPr/>
+          </p:nvCxnSpPr>
+          <p:spPr>
+            <a:xfrm>
+              <a:off x="9371012" y="0"/>
+              <a:ext cx="1219200" cy="6858000"/>
+            </a:xfrm>
+            <a:prstGeom prst="line">
+              <a:avLst/>
+            </a:prstGeom>
+            <a:ln w="9525">
+              <a:solidFill>
+                <a:schemeClr val="bg1">
+                  <a:lumMod val="75000"/>
+                </a:schemeClr>
+              </a:solidFill>
+            </a:ln>
+          </p:spPr>
+          <p:style>
+            <a:lnRef idx="2">
+              <a:schemeClr val="accent1"/>
+            </a:lnRef>
+            <a:fillRef idx="0">
+              <a:schemeClr val="accent1"/>
+            </a:fillRef>
+            <a:effectRef idx="1">
+              <a:schemeClr val="accent1"/>
+            </a:effectRef>
+            <a:fontRef idx="minor">
+              <a:schemeClr val="tx1"/>
+            </a:fontRef>
+          </p:style>
+        </p:cxnSp>
+        <p:cxnSp>
+          <p:nvCxnSpPr>
+            <p:cNvPr id="21" name="Straight Connector 20"/>
+            <p:cNvCxnSpPr/>
+            <p:nvPr/>
+          </p:nvCxnSpPr>
+          <p:spPr>
+            <a:xfrm flipH="1">
+              <a:off x="7425267" y="3681413"/>
+              <a:ext cx="4763558" cy="3176587"/>
+            </a:xfrm>
+            <a:prstGeom prst="line">
+              <a:avLst/>
+            </a:prstGeom>
+            <a:ln w="9525">
+              <a:solidFill>
+                <a:schemeClr val="bg1">
+                  <a:lumMod val="85000"/>
+                </a:schemeClr>
+              </a:solidFill>
+            </a:ln>
+          </p:spPr>
+          <p:style>
+            <a:lnRef idx="2">
+              <a:schemeClr val="accent1"/>
+            </a:lnRef>
+            <a:fillRef idx="0">
+              <a:schemeClr val="accent1"/>
+            </a:fillRef>
+            <a:effectRef idx="1">
+              <a:schemeClr val="accent1"/>
+            </a:effectRef>
+            <a:fontRef idx="minor">
+              <a:schemeClr val="tx1"/>
+            </a:fontRef>
+          </p:style>
+        </p:cxnSp>
+        <p:sp>
+          <p:nvSpPr>
+            <p:cNvPr id="24" name="Rectangle 23"/>
+            <p:cNvSpPr/>
+            <p:nvPr/>
+          </p:nvSpPr>
+          <p:spPr>
+            <a:xfrm>
+              <a:off x="9181476" y="-8467"/>
+              <a:ext cx="3007349" cy="6866467"/>
+            </a:xfrm>
+            <a:custGeom>
+              <a:avLst/>
+              <a:gdLst/>
+              <a:ahLst/>
+              <a:cxnLst/>
+              <a:rect l="l" t="t" r="r" b="b"/>
+              <a:pathLst>
+                <a:path w="3007349" h="6866467">
+                  <a:moveTo>
+                    <a:pt x="2045532" y="0"/>
+                  </a:moveTo>
+                  <a:lnTo>
+                    <a:pt x="3007349" y="0"/>
+                  </a:lnTo>
+                  <a:lnTo>
+                    <a:pt x="3007349" y="6866467"/>
+                  </a:lnTo>
+                  <a:lnTo>
+                    <a:pt x="0" y="6866467"/>
+                  </a:lnTo>
+                  <a:lnTo>
+                    <a:pt x="2045532" y="0"/>
+                  </a:lnTo>
+                  <a:close/>
+                </a:path>
+              </a:pathLst>
+            </a:custGeom>
+            <a:solidFill>
+              <a:schemeClr val="accent1">
+                <a:alpha val="30000"/>
+              </a:schemeClr>
+            </a:solidFill>
+            <a:ln>
+              <a:noFill/>
+            </a:ln>
+            <a:effectLst/>
+          </p:spPr>
+          <p:style>
+            <a:lnRef idx="1">
+              <a:schemeClr val="accent1"/>
+            </a:lnRef>
+            <a:fillRef idx="3">
+              <a:schemeClr val="accent1"/>
+            </a:fillRef>
+            <a:effectRef idx="2">
+              <a:schemeClr val="accent1"/>
+            </a:effectRef>
+            <a:fontRef idx="minor">
+              <a:schemeClr val="lt1"/>
+            </a:fontRef>
+          </p:style>
+        </p:sp>
+        <p:sp>
+          <p:nvSpPr>
+            <p:cNvPr id="26" name="Rectangle 25"/>
+            <p:cNvSpPr/>
+            <p:nvPr/>
+          </p:nvSpPr>
+          <p:spPr>
+            <a:xfrm>
+              <a:off x="9603442" y="-8467"/>
+              <a:ext cx="2588558" cy="6866467"/>
+            </a:xfrm>
+            <a:custGeom>
+              <a:avLst/>
+              <a:gdLst/>
+              <a:ahLst/>
+              <a:cxnLst/>
+              <a:rect l="l" t="t" r="r" b="b"/>
+              <a:pathLst>
+                <a:path w="2573311" h="6866467">
+                  <a:moveTo>
+                    <a:pt x="0" y="0"/>
+                  </a:moveTo>
+                  <a:lnTo>
+                    <a:pt x="2573311" y="0"/>
+                  </a:lnTo>
+                  <a:lnTo>
+                    <a:pt x="2573311" y="6866467"/>
+                  </a:lnTo>
+                  <a:lnTo>
+                    <a:pt x="1202336" y="6866467"/>
+                  </a:lnTo>
+                  <a:lnTo>
+                    <a:pt x="0" y="0"/>
+                  </a:lnTo>
+                  <a:close/>
+                </a:path>
+              </a:pathLst>
+            </a:custGeom>
+            <a:solidFill>
+              <a:schemeClr val="accent1">
+                <a:alpha val="20000"/>
+              </a:schemeClr>
+            </a:solidFill>
+            <a:ln>
+              <a:noFill/>
+            </a:ln>
+            <a:effectLst/>
+          </p:spPr>
+          <p:style>
+            <a:lnRef idx="1">
+              <a:schemeClr val="accent1"/>
+            </a:lnRef>
+            <a:fillRef idx="3">
+              <a:schemeClr val="accent1"/>
+            </a:fillRef>
+            <a:effectRef idx="2">
+              <a:schemeClr val="accent1"/>
+            </a:effectRef>
+            <a:fontRef idx="minor">
+              <a:schemeClr val="lt1"/>
+            </a:fontRef>
+          </p:style>
+        </p:sp>
+        <p:sp>
+          <p:nvSpPr>
+            <p:cNvPr id="27" name="Isosceles Triangle 26"/>
+            <p:cNvSpPr/>
+            <p:nvPr/>
+          </p:nvSpPr>
+          <p:spPr>
+            <a:xfrm>
+              <a:off x="8932333" y="3048000"/>
+              <a:ext cx="3259667" cy="3810000"/>
+            </a:xfrm>
+            <a:prstGeom prst="triangle">
+              <a:avLst>
+                <a:gd name="adj" fmla="val 100000"/>
+              </a:avLst>
+            </a:prstGeom>
+            <a:solidFill>
+              <a:schemeClr val="accent2">
+                <a:alpha val="72000"/>
+              </a:schemeClr>
+            </a:solidFill>
+            <a:ln>
+              <a:noFill/>
+            </a:ln>
+            <a:effectLst/>
+          </p:spPr>
+          <p:style>
+            <a:lnRef idx="1">
+              <a:schemeClr val="accent1"/>
+            </a:lnRef>
+            <a:fillRef idx="3">
+              <a:schemeClr val="accent1"/>
+            </a:fillRef>
+            <a:effectRef idx="2">
+              <a:schemeClr val="accent1"/>
+            </a:effectRef>
+            <a:fontRef idx="minor">
+              <a:schemeClr val="lt1"/>
+            </a:fontRef>
+          </p:style>
+        </p:sp>
+        <p:sp>
+          <p:nvSpPr>
+            <p:cNvPr id="28" name="Rectangle 27"/>
+            <p:cNvSpPr/>
+            <p:nvPr/>
+          </p:nvSpPr>
+          <p:spPr>
+            <a:xfrm>
+              <a:off x="9334500" y="-8467"/>
+              <a:ext cx="2854326" cy="6866467"/>
+            </a:xfrm>
+            <a:custGeom>
+              <a:avLst/>
+              <a:gdLst/>
+              <a:ahLst/>
+              <a:cxnLst/>
+              <a:rect l="l" t="t" r="r" b="b"/>
+              <a:pathLst>
+                <a:path w="2858013" h="6866467">
+                  <a:moveTo>
+                    <a:pt x="0" y="0"/>
+                  </a:moveTo>
+                  <a:lnTo>
+                    <a:pt x="2858013" y="0"/>
+                  </a:lnTo>
+                  <a:lnTo>
+                    <a:pt x="2858013" y="6866467"/>
+                  </a:lnTo>
+                  <a:lnTo>
+                    <a:pt x="2473942" y="6866467"/>
+                  </a:lnTo>
+                  <a:lnTo>
+                    <a:pt x="0" y="0"/>
+                  </a:lnTo>
+                  <a:close/>
+                </a:path>
+              </a:pathLst>
+            </a:custGeom>
+            <a:solidFill>
+              <a:schemeClr val="accent2">
+                <a:lumMod val="75000"/>
+                <a:alpha val="70000"/>
+              </a:schemeClr>
+            </a:solidFill>
+            <a:ln>
+              <a:noFill/>
+            </a:ln>
+            <a:effectLst/>
+          </p:spPr>
+          <p:style>
+            <a:lnRef idx="1">
+              <a:schemeClr val="accent1"/>
+            </a:lnRef>
+            <a:fillRef idx="3">
+              <a:schemeClr val="accent1"/>
+            </a:fillRef>
+            <a:effectRef idx="2">
+              <a:schemeClr val="accent1"/>
+            </a:effectRef>
+            <a:fontRef idx="minor">
+              <a:schemeClr val="lt1"/>
+            </a:fontRef>
+          </p:style>
+        </p:sp>
+        <p:sp>
+          <p:nvSpPr>
+            <p:cNvPr id="29" name="Rectangle 28"/>
+            <p:cNvSpPr/>
+            <p:nvPr/>
+          </p:nvSpPr>
+          <p:spPr>
+            <a:xfrm>
+              <a:off x="10898730" y="-8467"/>
+              <a:ext cx="1290094" cy="6866467"/>
+            </a:xfrm>
+            <a:custGeom>
+              <a:avLst/>
+              <a:gdLst/>
+              <a:ahLst/>
+              <a:cxnLst/>
+              <a:rect l="l" t="t" r="r" b="b"/>
+              <a:pathLst>
+                <a:path w="1290094" h="6858000">
+                  <a:moveTo>
+                    <a:pt x="1019735" y="0"/>
+                  </a:moveTo>
+                  <a:lnTo>
+                    <a:pt x="1290094" y="0"/>
+                  </a:lnTo>
+                  <a:lnTo>
+                    <a:pt x="1290094" y="6858000"/>
+                  </a:lnTo>
+                  <a:lnTo>
+                    <a:pt x="0" y="6858000"/>
+                  </a:lnTo>
+                  <a:lnTo>
+                    <a:pt x="1019735" y="0"/>
+                  </a:lnTo>
+                  <a:close/>
+                </a:path>
+              </a:pathLst>
+            </a:custGeom>
+            <a:solidFill>
+              <a:schemeClr val="accent1">
+                <a:lumMod val="60000"/>
+                <a:lumOff val="40000"/>
+                <a:alpha val="70000"/>
+              </a:schemeClr>
+            </a:solidFill>
+            <a:ln>
+              <a:noFill/>
+            </a:ln>
+            <a:effectLst/>
+          </p:spPr>
+          <p:style>
+            <a:lnRef idx="1">
+              <a:schemeClr val="accent1"/>
+            </a:lnRef>
+            <a:fillRef idx="3">
+              <a:schemeClr val="accent1"/>
+            </a:fillRef>
+            <a:effectRef idx="2">
+              <a:schemeClr val="accent1"/>
+            </a:effectRef>
+            <a:fontRef idx="minor">
+              <a:schemeClr val="lt1"/>
+            </a:fontRef>
+          </p:style>
+        </p:sp>
+        <p:sp>
+          <p:nvSpPr>
+            <p:cNvPr id="30" name="Rectangle 29"/>
+            <p:cNvSpPr/>
+            <p:nvPr/>
+          </p:nvSpPr>
+          <p:spPr>
+            <a:xfrm>
+              <a:off x="10938999" y="-8467"/>
+              <a:ext cx="1249825" cy="6866467"/>
+            </a:xfrm>
+            <a:custGeom>
+              <a:avLst/>
+              <a:gdLst/>
+              <a:ahLst/>
+              <a:cxnLst/>
+              <a:rect l="l" t="t" r="r" b="b"/>
+              <a:pathLst>
+                <a:path w="1249825" h="6858000">
+                  <a:moveTo>
+                    <a:pt x="0" y="0"/>
+                  </a:moveTo>
+                  <a:lnTo>
+                    <a:pt x="1249825" y="0"/>
+                  </a:lnTo>
+                  <a:lnTo>
+                    <a:pt x="1249825" y="6858000"/>
+                  </a:lnTo>
+                  <a:lnTo>
+                    <a:pt x="1109382" y="6858000"/>
+                  </a:lnTo>
+                  <a:lnTo>
+                    <a:pt x="0" y="0"/>
+                  </a:lnTo>
+                  <a:close/>
+                </a:path>
+              </a:pathLst>
+            </a:custGeom>
+            <a:solidFill>
+              <a:schemeClr val="accent1">
+                <a:alpha val="65000"/>
+              </a:schemeClr>
+            </a:solidFill>
+            <a:ln>
+              <a:noFill/>
+            </a:ln>
+            <a:effectLst/>
+          </p:spPr>
+          <p:style>
+            <a:lnRef idx="1">
+              <a:schemeClr val="accent1"/>
+            </a:lnRef>
+            <a:fillRef idx="3">
+              <a:schemeClr val="accent1"/>
+            </a:fillRef>
+            <a:effectRef idx="2">
+              <a:schemeClr val="accent1"/>
+            </a:effectRef>
+            <a:fontRef idx="minor">
+              <a:schemeClr val="lt1"/>
+            </a:fontRef>
+          </p:style>
+        </p:sp>
+        <p:sp>
+          <p:nvSpPr>
+            <p:cNvPr id="31" name="Isosceles Triangle 30"/>
+            <p:cNvSpPr/>
+            <p:nvPr/>
+          </p:nvSpPr>
+          <p:spPr>
+            <a:xfrm>
+              <a:off x="10371666" y="3589867"/>
+              <a:ext cx="1817159" cy="3268133"/>
+            </a:xfrm>
+            <a:prstGeom prst="triangle">
+              <a:avLst>
+                <a:gd name="adj" fmla="val 100000"/>
+              </a:avLst>
+            </a:prstGeom>
+            <a:solidFill>
+              <a:schemeClr val="accent1">
+                <a:alpha val="80000"/>
+              </a:schemeClr>
+            </a:solidFill>
+            <a:ln>
+              <a:noFill/>
+            </a:ln>
+            <a:effectLst/>
+          </p:spPr>
+          <p:style>
+            <a:lnRef idx="1">
+              <a:schemeClr val="accent1"/>
+            </a:lnRef>
+            <a:fillRef idx="3">
+              <a:schemeClr val="accent1"/>
+            </a:fillRef>
+            <a:effectRef idx="2">
+              <a:schemeClr val="accent1"/>
+            </a:effectRef>
+            <a:fontRef idx="minor">
+              <a:schemeClr val="lt1"/>
+            </a:fontRef>
+          </p:style>
+        </p:sp>
+        <p:sp>
+          <p:nvSpPr>
+            <p:cNvPr id="19" name="Isosceles Triangle 18"/>
+            <p:cNvSpPr/>
+            <p:nvPr/>
+          </p:nvSpPr>
+          <p:spPr>
+            <a:xfrm rot="10800000">
+              <a:off x="0" y="0"/>
+              <a:ext cx="842596" cy="5666154"/>
+            </a:xfrm>
+            <a:prstGeom prst="triangle">
+              <a:avLst>
+                <a:gd name="adj" fmla="val 100000"/>
+              </a:avLst>
+            </a:prstGeom>
+            <a:solidFill>
+              <a:schemeClr val="accent1">
+                <a:alpha val="85000"/>
+              </a:schemeClr>
+            </a:solidFill>
+            <a:ln>
+              <a:noFill/>
+            </a:ln>
+            <a:effectLst/>
+          </p:spPr>
+          <p:style>
+            <a:lnRef idx="1">
+              <a:schemeClr val="accent1"/>
+            </a:lnRef>
+            <a:fillRef idx="3">
+              <a:schemeClr val="accent1"/>
+            </a:fillRef>
+            <a:effectRef idx="2">
+              <a:schemeClr val="accent1"/>
+            </a:effectRef>
+            <a:fontRef idx="minor">
+              <a:schemeClr val="lt1"/>
+            </a:fontRef>
+          </p:style>
+        </p:sp>
+      </p:grpSp>
       <p:sp>
         <p:nvSpPr>
           <p:cNvPr id="2" name="Title 1"/>
@@ -136,15 +682,21 @@
         </p:nvSpPr>
         <p:spPr>
           <a:xfrm>
-            <a:off x="1524000" y="1122363"/>
-            <a:ext cx="9144000" cy="2387600"/>
+            <a:off x="1507067" y="2404534"/>
+            <a:ext cx="7766936" cy="1646302"/>
           </a:xfrm>
         </p:spPr>
         <p:txBody>
-          <a:bodyPr anchor="b"/>
+          <a:bodyPr anchor="b">
+            <a:noAutofit/>
+          </a:bodyPr>
           <a:lstStyle>
-            <a:lvl1pPr algn="ctr">
-              <a:defRPr sz="6000"/>
+            <a:lvl1pPr algn="r">
+              <a:defRPr sz="5400">
+                <a:solidFill>
+                  <a:schemeClr val="accent1"/>
+                </a:solidFill>
+              </a:defRPr>
             </a:lvl1pPr>
           </a:lstStyle>
           <a:p>
@@ -152,7 +704,7 @@
               <a:rPr lang="en-US" smtClean="0"/>
               <a:t>Click to edit Master title style</a:t>
             </a:r>
-            <a:endParaRPr lang="en-NZ"/>
+            <a:endParaRPr lang="en-US" dirty="0"/>
           </a:p>
         </p:txBody>
       </p:sp>
@@ -168,48 +720,103 @@
         </p:nvSpPr>
         <p:spPr>
           <a:xfrm>
-            <a:off x="1524000" y="3602038"/>
-            <a:ext cx="9144000" cy="1655762"/>
+            <a:off x="1507067" y="4050833"/>
+            <a:ext cx="7766936" cy="1096899"/>
           </a:xfrm>
         </p:spPr>
         <p:txBody>
-          <a:bodyPr/>
+          <a:bodyPr anchor="t"/>
           <a:lstStyle>
-            <a:lvl1pPr marL="0" indent="0" algn="ctr">
-              <a:buNone/>
-              <a:defRPr sz="2400"/>
+            <a:lvl1pPr marL="0" indent="0" algn="r">
+              <a:buNone/>
+              <a:defRPr>
+                <a:solidFill>
+                  <a:schemeClr val="tx1">
+                    <a:lumMod val="50000"/>
+                    <a:lumOff val="50000"/>
+                  </a:schemeClr>
+                </a:solidFill>
+              </a:defRPr>
             </a:lvl1pPr>
             <a:lvl2pPr marL="457200" indent="0" algn="ctr">
               <a:buNone/>
-              <a:defRPr sz="2000"/>
+              <a:defRPr>
+                <a:solidFill>
+                  <a:schemeClr val="tx1">
+                    <a:tint val="75000"/>
+                  </a:schemeClr>
+                </a:solidFill>
+              </a:defRPr>
             </a:lvl2pPr>
             <a:lvl3pPr marL="914400" indent="0" algn="ctr">
               <a:buNone/>
-              <a:defRPr sz="1800"/>
+              <a:defRPr>
+                <a:solidFill>
+                  <a:schemeClr val="tx1">
+                    <a:tint val="75000"/>
+                  </a:schemeClr>
+                </a:solidFill>
+              </a:defRPr>
             </a:lvl3pPr>
             <a:lvl4pPr marL="1371600" indent="0" algn="ctr">
               <a:buNone/>
-              <a:defRPr sz="1600"/>
+              <a:defRPr>
+                <a:solidFill>
+                  <a:schemeClr val="tx1">
+                    <a:tint val="75000"/>
+                  </a:schemeClr>
+                </a:solidFill>
+              </a:defRPr>
             </a:lvl4pPr>
             <a:lvl5pPr marL="1828800" indent="0" algn="ctr">
               <a:buNone/>
-              <a:defRPr sz="1600"/>
+              <a:defRPr>
+                <a:solidFill>
+                  <a:schemeClr val="tx1">
+                    <a:tint val="75000"/>
+                  </a:schemeClr>
+                </a:solidFill>
+              </a:defRPr>
             </a:lvl5pPr>
             <a:lvl6pPr marL="2286000" indent="0" algn="ctr">
               <a:buNone/>
-              <a:defRPr sz="1600"/>
+              <a:defRPr>
+                <a:solidFill>
+                  <a:schemeClr val="tx1">
+                    <a:tint val="75000"/>
+                  </a:schemeClr>
+                </a:solidFill>
+              </a:defRPr>
             </a:lvl6pPr>
             <a:lvl7pPr marL="2743200" indent="0" algn="ctr">
               <a:buNone/>
-              <a:defRPr sz="1600"/>
+              <a:defRPr>
+                <a:solidFill>
+                  <a:schemeClr val="tx1">
+                    <a:tint val="75000"/>
+                  </a:schemeClr>
+                </a:solidFill>
+              </a:defRPr>
             </a:lvl7pPr>
             <a:lvl8pPr marL="3200400" indent="0" algn="ctr">
               <a:buNone/>
-              <a:defRPr sz="1600"/>
+              <a:defRPr>
+                <a:solidFill>
+                  <a:schemeClr val="tx1">
+                    <a:tint val="75000"/>
+                  </a:schemeClr>
+                </a:solidFill>
+              </a:defRPr>
             </a:lvl8pPr>
             <a:lvl9pPr marL="3657600" indent="0" algn="ctr">
               <a:buNone/>
-              <a:defRPr sz="1600"/>
+              <a:defRPr>
+                <a:solidFill>
+                  <a:schemeClr val="tx1">
+                    <a:tint val="75000"/>
+                  </a:schemeClr>
+                </a:solidFill>
+              </a:defRPr>
             </a:lvl9pPr>
           </a:lstStyle>
           <a:p>
@@ -217,7 +824,7 @@
               <a:rPr lang="en-US" smtClean="0"/>
               <a:t>Click to edit Master subtitle style</a:t>
             </a:r>
-            <a:endParaRPr lang="en-NZ"/>
+            <a:endParaRPr lang="en-US" dirty="0"/>
           </a:p>
         </p:txBody>
       </p:sp>
@@ -289,7 +896,7 @@
     </p:spTree>
     <p:extLst>
       <p:ext uri="{BB962C8B-B14F-4D97-AF65-F5344CB8AC3E}">
-        <p14:creationId xmlns:p14="http://schemas.microsoft.com/office/powerpoint/2010/main" val="672469020"/>
+        <p14:creationId xmlns:p14="http://schemas.microsoft.com/office/powerpoint/2010/main" val="3617077225"/>
       </p:ext>
     </p:extLst>
   </p:cSld>
@@ -300,6 +907,1619 @@
 </file>
 
 <file path=ppt/slideLayouts/slideLayout10.xml><?xml version="1.0" encoding="utf-8"?>
+<p:sldLayout xmlns:a="http://schemas.openxmlformats.org/drawingml/2006/main" xmlns:r="http://schemas.openxmlformats.org/officeDocument/2006/relationships" xmlns:p="http://schemas.openxmlformats.org/presentationml/2006/main" preserve="1">
+  <p:cSld name="Title and Caption">
+    <p:spTree>
+      <p:nvGrpSpPr>
+        <p:cNvPr id="1" name=""/>
+        <p:cNvGrpSpPr/>
+        <p:nvPr/>
+      </p:nvGrpSpPr>
+      <p:grpSpPr>
+        <a:xfrm>
+          <a:off x="0" y="0"/>
+          <a:ext cx="0" cy="0"/>
+          <a:chOff x="0" y="0"/>
+          <a:chExt cx="0" cy="0"/>
+        </a:xfrm>
+      </p:grpSpPr>
+      <p:sp>
+        <p:nvSpPr>
+          <p:cNvPr id="2" name="Title 1"/>
+          <p:cNvSpPr>
+            <a:spLocks noGrp="1"/>
+          </p:cNvSpPr>
+          <p:nvPr>
+            <p:ph type="title"/>
+          </p:nvPr>
+        </p:nvSpPr>
+        <p:spPr>
+          <a:xfrm>
+            <a:off x="677335" y="609600"/>
+            <a:ext cx="8596668" cy="3403600"/>
+          </a:xfrm>
+        </p:spPr>
+        <p:txBody>
+          <a:bodyPr anchor="ctr">
+            <a:normAutofit/>
+          </a:bodyPr>
+          <a:lstStyle>
+            <a:lvl1pPr algn="l">
+              <a:defRPr sz="4400" b="0" cap="none"/>
+            </a:lvl1pPr>
+          </a:lstStyle>
+          <a:p>
+            <a:r>
+              <a:rPr lang="en-US" smtClean="0"/>
+              <a:t>Click to edit Master title style</a:t>
+            </a:r>
+            <a:endParaRPr lang="en-US" dirty="0"/>
+          </a:p>
+        </p:txBody>
+      </p:sp>
+      <p:sp>
+        <p:nvSpPr>
+          <p:cNvPr id="3" name="Text Placeholder 2"/>
+          <p:cNvSpPr>
+            <a:spLocks noGrp="1"/>
+          </p:cNvSpPr>
+          <p:nvPr>
+            <p:ph type="body" idx="1"/>
+          </p:nvPr>
+        </p:nvSpPr>
+        <p:spPr>
+          <a:xfrm>
+            <a:off x="677335" y="4470400"/>
+            <a:ext cx="8596668" cy="1570962"/>
+          </a:xfrm>
+        </p:spPr>
+        <p:txBody>
+          <a:bodyPr anchor="ctr">
+            <a:normAutofit/>
+          </a:bodyPr>
+          <a:lstStyle>
+            <a:lvl1pPr marL="0" indent="0" algn="l">
+              <a:buNone/>
+              <a:defRPr sz="1800">
+                <a:solidFill>
+                  <a:schemeClr val="tx1">
+                    <a:lumMod val="75000"/>
+                    <a:lumOff val="25000"/>
+                  </a:schemeClr>
+                </a:solidFill>
+              </a:defRPr>
+            </a:lvl1pPr>
+            <a:lvl2pPr marL="457200" indent="0">
+              <a:buNone/>
+              <a:defRPr sz="1800">
+                <a:solidFill>
+                  <a:schemeClr val="tx1">
+                    <a:tint val="75000"/>
+                  </a:schemeClr>
+                </a:solidFill>
+              </a:defRPr>
+            </a:lvl2pPr>
+            <a:lvl3pPr marL="914400" indent="0">
+              <a:buNone/>
+              <a:defRPr sz="1600">
+                <a:solidFill>
+                  <a:schemeClr val="tx1">
+                    <a:tint val="75000"/>
+                  </a:schemeClr>
+                </a:solidFill>
+              </a:defRPr>
+            </a:lvl3pPr>
+            <a:lvl4pPr marL="1371600" indent="0">
+              <a:buNone/>
+              <a:defRPr sz="1400">
+                <a:solidFill>
+                  <a:schemeClr val="tx1">
+                    <a:tint val="75000"/>
+                  </a:schemeClr>
+                </a:solidFill>
+              </a:defRPr>
+            </a:lvl4pPr>
+            <a:lvl5pPr marL="1828800" indent="0">
+              <a:buNone/>
+              <a:defRPr sz="1400">
+                <a:solidFill>
+                  <a:schemeClr val="tx1">
+                    <a:tint val="75000"/>
+                  </a:schemeClr>
+                </a:solidFill>
+              </a:defRPr>
+            </a:lvl5pPr>
+            <a:lvl6pPr marL="2286000" indent="0">
+              <a:buNone/>
+              <a:defRPr sz="1400">
+                <a:solidFill>
+                  <a:schemeClr val="tx1">
+                    <a:tint val="75000"/>
+                  </a:schemeClr>
+                </a:solidFill>
+              </a:defRPr>
+            </a:lvl6pPr>
+            <a:lvl7pPr marL="2743200" indent="0">
+              <a:buNone/>
+              <a:defRPr sz="1400">
+                <a:solidFill>
+                  <a:schemeClr val="tx1">
+                    <a:tint val="75000"/>
+                  </a:schemeClr>
+                </a:solidFill>
+              </a:defRPr>
+            </a:lvl7pPr>
+            <a:lvl8pPr marL="3200400" indent="0">
+              <a:buNone/>
+              <a:defRPr sz="1400">
+                <a:solidFill>
+                  <a:schemeClr val="tx1">
+                    <a:tint val="75000"/>
+                  </a:schemeClr>
+                </a:solidFill>
+              </a:defRPr>
+            </a:lvl8pPr>
+            <a:lvl9pPr marL="3657600" indent="0">
+              <a:buNone/>
+              <a:defRPr sz="1400">
+                <a:solidFill>
+                  <a:schemeClr val="tx1">
+                    <a:tint val="75000"/>
+                  </a:schemeClr>
+                </a:solidFill>
+              </a:defRPr>
+            </a:lvl9pPr>
+          </a:lstStyle>
+          <a:p>
+            <a:pPr lvl="0"/>
+            <a:r>
+              <a:rPr lang="en-US" smtClean="0"/>
+              <a:t>Edit Master text styles</a:t>
+            </a:r>
+          </a:p>
+        </p:txBody>
+      </p:sp>
+      <p:sp>
+        <p:nvSpPr>
+          <p:cNvPr id="4" name="Date Placeholder 3"/>
+          <p:cNvSpPr>
+            <a:spLocks noGrp="1"/>
+          </p:cNvSpPr>
+          <p:nvPr>
+            <p:ph type="dt" sz="half" idx="10"/>
+          </p:nvPr>
+        </p:nvSpPr>
+        <p:spPr/>
+        <p:txBody>
+          <a:bodyPr/>
+          <a:lstStyle/>
+          <a:p>
+            <a:fld id="{5E2DDB8E-3601-4F9E-BF87-1165690D9C24}" type="datetimeFigureOut">
+              <a:rPr lang="en-NZ" smtClean="0"/>
+              <a:t>20/09/2022</a:t>
+            </a:fld>
+            <a:endParaRPr lang="en-NZ"/>
+          </a:p>
+        </p:txBody>
+      </p:sp>
+      <p:sp>
+        <p:nvSpPr>
+          <p:cNvPr id="5" name="Footer Placeholder 4"/>
+          <p:cNvSpPr>
+            <a:spLocks noGrp="1"/>
+          </p:cNvSpPr>
+          <p:nvPr>
+            <p:ph type="ftr" sz="quarter" idx="11"/>
+          </p:nvPr>
+        </p:nvSpPr>
+        <p:spPr/>
+        <p:txBody>
+          <a:bodyPr/>
+          <a:lstStyle/>
+          <a:p>
+            <a:endParaRPr lang="en-NZ"/>
+          </a:p>
+        </p:txBody>
+      </p:sp>
+      <p:sp>
+        <p:nvSpPr>
+          <p:cNvPr id="6" name="Slide Number Placeholder 5"/>
+          <p:cNvSpPr>
+            <a:spLocks noGrp="1"/>
+          </p:cNvSpPr>
+          <p:nvPr>
+            <p:ph type="sldNum" sz="quarter" idx="12"/>
+          </p:nvPr>
+        </p:nvSpPr>
+        <p:spPr/>
+        <p:txBody>
+          <a:bodyPr/>
+          <a:lstStyle/>
+          <a:p>
+            <a:fld id="{ABF61174-F2E4-46AF-941B-C8F576A01609}" type="slidenum">
+              <a:rPr lang="en-NZ" smtClean="0"/>
+              <a:t>‹#›</a:t>
+            </a:fld>
+            <a:endParaRPr lang="en-NZ"/>
+          </a:p>
+        </p:txBody>
+      </p:sp>
+    </p:spTree>
+    <p:extLst>
+      <p:ext uri="{BB962C8B-B14F-4D97-AF65-F5344CB8AC3E}">
+        <p14:creationId xmlns:p14="http://schemas.microsoft.com/office/powerpoint/2010/main" val="2648588252"/>
+      </p:ext>
+    </p:extLst>
+  </p:cSld>
+  <p:clrMapOvr>
+    <a:masterClrMapping/>
+  </p:clrMapOvr>
+</p:sldLayout>
+</file>
+
+<file path=ppt/slideLayouts/slideLayout11.xml><?xml version="1.0" encoding="utf-8"?>
+<p:sldLayout xmlns:a="http://schemas.openxmlformats.org/drawingml/2006/main" xmlns:r="http://schemas.openxmlformats.org/officeDocument/2006/relationships" xmlns:p="http://schemas.openxmlformats.org/presentationml/2006/main" preserve="1">
+  <p:cSld name="Quote with Caption">
+    <p:spTree>
+      <p:nvGrpSpPr>
+        <p:cNvPr id="1" name=""/>
+        <p:cNvGrpSpPr/>
+        <p:nvPr/>
+      </p:nvGrpSpPr>
+      <p:grpSpPr>
+        <a:xfrm>
+          <a:off x="0" y="0"/>
+          <a:ext cx="0" cy="0"/>
+          <a:chOff x="0" y="0"/>
+          <a:chExt cx="0" cy="0"/>
+        </a:xfrm>
+      </p:grpSpPr>
+      <p:sp>
+        <p:nvSpPr>
+          <p:cNvPr id="2" name="Title 1"/>
+          <p:cNvSpPr>
+            <a:spLocks noGrp="1"/>
+          </p:cNvSpPr>
+          <p:nvPr>
+            <p:ph type="title"/>
+          </p:nvPr>
+        </p:nvSpPr>
+        <p:spPr>
+          <a:xfrm>
+            <a:off x="931334" y="609600"/>
+            <a:ext cx="8094134" cy="3022600"/>
+          </a:xfrm>
+        </p:spPr>
+        <p:txBody>
+          <a:bodyPr anchor="ctr">
+            <a:normAutofit/>
+          </a:bodyPr>
+          <a:lstStyle>
+            <a:lvl1pPr algn="l">
+              <a:defRPr sz="4400" b="0" cap="none"/>
+            </a:lvl1pPr>
+          </a:lstStyle>
+          <a:p>
+            <a:r>
+              <a:rPr lang="en-US" smtClean="0"/>
+              <a:t>Click to edit Master title style</a:t>
+            </a:r>
+            <a:endParaRPr lang="en-US" dirty="0"/>
+          </a:p>
+        </p:txBody>
+      </p:sp>
+      <p:sp>
+        <p:nvSpPr>
+          <p:cNvPr id="23" name="Text Placeholder 9"/>
+          <p:cNvSpPr>
+            <a:spLocks noGrp="1"/>
+          </p:cNvSpPr>
+          <p:nvPr>
+            <p:ph type="body" sz="quarter" idx="13"/>
+          </p:nvPr>
+        </p:nvSpPr>
+        <p:spPr>
+          <a:xfrm>
+            <a:off x="1366139" y="3632200"/>
+            <a:ext cx="7224524" cy="381000"/>
+          </a:xfrm>
+        </p:spPr>
+        <p:txBody>
+          <a:bodyPr anchor="ctr">
+            <a:noAutofit/>
+          </a:bodyPr>
+          <a:lstStyle>
+            <a:lvl1pPr marL="0" indent="0">
+              <a:buFontTx/>
+              <a:buNone/>
+              <a:defRPr sz="1600">
+                <a:solidFill>
+                  <a:schemeClr val="tx1">
+                    <a:lumMod val="50000"/>
+                    <a:lumOff val="50000"/>
+                  </a:schemeClr>
+                </a:solidFill>
+              </a:defRPr>
+            </a:lvl1pPr>
+            <a:lvl2pPr marL="457200" indent="0">
+              <a:buFontTx/>
+              <a:buNone/>
+              <a:defRPr/>
+            </a:lvl2pPr>
+            <a:lvl3pPr marL="914400" indent="0">
+              <a:buFontTx/>
+              <a:buNone/>
+              <a:defRPr/>
+            </a:lvl3pPr>
+            <a:lvl4pPr marL="1371600" indent="0">
+              <a:buFontTx/>
+              <a:buNone/>
+              <a:defRPr/>
+            </a:lvl4pPr>
+            <a:lvl5pPr marL="1828800" indent="0">
+              <a:buFontTx/>
+              <a:buNone/>
+              <a:defRPr/>
+            </a:lvl5pPr>
+          </a:lstStyle>
+          <a:p>
+            <a:pPr lvl="0"/>
+            <a:r>
+              <a:rPr lang="en-US" smtClean="0"/>
+              <a:t>Edit Master text styles</a:t>
+            </a:r>
+          </a:p>
+        </p:txBody>
+      </p:sp>
+      <p:sp>
+        <p:nvSpPr>
+          <p:cNvPr id="3" name="Text Placeholder 2"/>
+          <p:cNvSpPr>
+            <a:spLocks noGrp="1"/>
+          </p:cNvSpPr>
+          <p:nvPr>
+            <p:ph type="body" idx="1"/>
+          </p:nvPr>
+        </p:nvSpPr>
+        <p:spPr>
+          <a:xfrm>
+            <a:off x="677335" y="4470400"/>
+            <a:ext cx="8596668" cy="1570962"/>
+          </a:xfrm>
+        </p:spPr>
+        <p:txBody>
+          <a:bodyPr anchor="ctr">
+            <a:normAutofit/>
+          </a:bodyPr>
+          <a:lstStyle>
+            <a:lvl1pPr marL="0" indent="0" algn="l">
+              <a:buNone/>
+              <a:defRPr sz="1800">
+                <a:solidFill>
+                  <a:schemeClr val="tx1">
+                    <a:lumMod val="75000"/>
+                    <a:lumOff val="25000"/>
+                  </a:schemeClr>
+                </a:solidFill>
+              </a:defRPr>
+            </a:lvl1pPr>
+            <a:lvl2pPr marL="457200" indent="0">
+              <a:buNone/>
+              <a:defRPr sz="1800">
+                <a:solidFill>
+                  <a:schemeClr val="tx1">
+                    <a:tint val="75000"/>
+                  </a:schemeClr>
+                </a:solidFill>
+              </a:defRPr>
+            </a:lvl2pPr>
+            <a:lvl3pPr marL="914400" indent="0">
+              <a:buNone/>
+              <a:defRPr sz="1600">
+                <a:solidFill>
+                  <a:schemeClr val="tx1">
+                    <a:tint val="75000"/>
+                  </a:schemeClr>
+                </a:solidFill>
+              </a:defRPr>
+            </a:lvl3pPr>
+            <a:lvl4pPr marL="1371600" indent="0">
+              <a:buNone/>
+              <a:defRPr sz="1400">
+                <a:solidFill>
+                  <a:schemeClr val="tx1">
+                    <a:tint val="75000"/>
+                  </a:schemeClr>
+                </a:solidFill>
+              </a:defRPr>
+            </a:lvl4pPr>
+            <a:lvl5pPr marL="1828800" indent="0">
+              <a:buNone/>
+              <a:defRPr sz="1400">
+                <a:solidFill>
+                  <a:schemeClr val="tx1">
+                    <a:tint val="75000"/>
+                  </a:schemeClr>
+                </a:solidFill>
+              </a:defRPr>
+            </a:lvl5pPr>
+            <a:lvl6pPr marL="2286000" indent="0">
+              <a:buNone/>
+              <a:defRPr sz="1400">
+                <a:solidFill>
+                  <a:schemeClr val="tx1">
+                    <a:tint val="75000"/>
+                  </a:schemeClr>
+                </a:solidFill>
+              </a:defRPr>
+            </a:lvl6pPr>
+            <a:lvl7pPr marL="2743200" indent="0">
+              <a:buNone/>
+              <a:defRPr sz="1400">
+                <a:solidFill>
+                  <a:schemeClr val="tx1">
+                    <a:tint val="75000"/>
+                  </a:schemeClr>
+                </a:solidFill>
+              </a:defRPr>
+            </a:lvl7pPr>
+            <a:lvl8pPr marL="3200400" indent="0">
+              <a:buNone/>
+              <a:defRPr sz="1400">
+                <a:solidFill>
+                  <a:schemeClr val="tx1">
+                    <a:tint val="75000"/>
+                  </a:schemeClr>
+                </a:solidFill>
+              </a:defRPr>
+            </a:lvl8pPr>
+            <a:lvl9pPr marL="3657600" indent="0">
+              <a:buNone/>
+              <a:defRPr sz="1400">
+                <a:solidFill>
+                  <a:schemeClr val="tx1">
+                    <a:tint val="75000"/>
+                  </a:schemeClr>
+                </a:solidFill>
+              </a:defRPr>
+            </a:lvl9pPr>
+          </a:lstStyle>
+          <a:p>
+            <a:pPr lvl="0"/>
+            <a:r>
+              <a:rPr lang="en-US" smtClean="0"/>
+              <a:t>Edit Master text styles</a:t>
+            </a:r>
+          </a:p>
+        </p:txBody>
+      </p:sp>
+      <p:sp>
+        <p:nvSpPr>
+          <p:cNvPr id="4" name="Date Placeholder 3"/>
+          <p:cNvSpPr>
+            <a:spLocks noGrp="1"/>
+          </p:cNvSpPr>
+          <p:nvPr>
+            <p:ph type="dt" sz="half" idx="10"/>
+          </p:nvPr>
+        </p:nvSpPr>
+        <p:spPr/>
+        <p:txBody>
+          <a:bodyPr/>
+          <a:lstStyle/>
+          <a:p>
+            <a:fld id="{5E2DDB8E-3601-4F9E-BF87-1165690D9C24}" type="datetimeFigureOut">
+              <a:rPr lang="en-NZ" smtClean="0"/>
+              <a:t>20/09/2022</a:t>
+            </a:fld>
+            <a:endParaRPr lang="en-NZ"/>
+          </a:p>
+        </p:txBody>
+      </p:sp>
+      <p:sp>
+        <p:nvSpPr>
+          <p:cNvPr id="5" name="Footer Placeholder 4"/>
+          <p:cNvSpPr>
+            <a:spLocks noGrp="1"/>
+          </p:cNvSpPr>
+          <p:nvPr>
+            <p:ph type="ftr" sz="quarter" idx="11"/>
+          </p:nvPr>
+        </p:nvSpPr>
+        <p:spPr/>
+        <p:txBody>
+          <a:bodyPr/>
+          <a:lstStyle/>
+          <a:p>
+            <a:endParaRPr lang="en-NZ"/>
+          </a:p>
+        </p:txBody>
+      </p:sp>
+      <p:sp>
+        <p:nvSpPr>
+          <p:cNvPr id="6" name="Slide Number Placeholder 5"/>
+          <p:cNvSpPr>
+            <a:spLocks noGrp="1"/>
+          </p:cNvSpPr>
+          <p:nvPr>
+            <p:ph type="sldNum" sz="quarter" idx="12"/>
+          </p:nvPr>
+        </p:nvSpPr>
+        <p:spPr/>
+        <p:txBody>
+          <a:bodyPr/>
+          <a:lstStyle/>
+          <a:p>
+            <a:fld id="{ABF61174-F2E4-46AF-941B-C8F576A01609}" type="slidenum">
+              <a:rPr lang="en-NZ" smtClean="0"/>
+              <a:t>‹#›</a:t>
+            </a:fld>
+            <a:endParaRPr lang="en-NZ"/>
+          </a:p>
+        </p:txBody>
+      </p:sp>
+      <p:sp>
+        <p:nvSpPr>
+          <p:cNvPr id="20" name="TextBox 19"/>
+          <p:cNvSpPr txBox="1"/>
+          <p:nvPr/>
+        </p:nvSpPr>
+        <p:spPr>
+          <a:xfrm>
+            <a:off x="541870" y="790378"/>
+            <a:ext cx="609600" cy="584776"/>
+          </a:xfrm>
+          <a:prstGeom prst="rect">
+            <a:avLst/>
+          </a:prstGeom>
+        </p:spPr>
+        <p:txBody>
+          <a:bodyPr vert="horz" lIns="91440" tIns="45720" rIns="91440" bIns="45720" rtlCol="0" anchor="ctr">
+            <a:noAutofit/>
+          </a:bodyPr>
+          <a:lstStyle/>
+          <a:p>
+            <a:pPr lvl="0"/>
+            <a:r>
+              <a:rPr lang="en-US" sz="8000" baseline="0" dirty="0">
+                <a:ln w="3175" cmpd="sng">
+                  <a:noFill/>
+                </a:ln>
+                <a:solidFill>
+                  <a:schemeClr val="accent1">
+                    <a:lumMod val="60000"/>
+                    <a:lumOff val="40000"/>
+                  </a:schemeClr>
+                </a:solidFill>
+                <a:effectLst/>
+                <a:latin typeface="Arial"/>
+              </a:rPr>
+              <a:t>“</a:t>
+            </a:r>
+          </a:p>
+        </p:txBody>
+      </p:sp>
+      <p:sp>
+        <p:nvSpPr>
+          <p:cNvPr id="22" name="TextBox 21"/>
+          <p:cNvSpPr txBox="1"/>
+          <p:nvPr/>
+        </p:nvSpPr>
+        <p:spPr>
+          <a:xfrm>
+            <a:off x="8893011" y="2886556"/>
+            <a:ext cx="609600" cy="584776"/>
+          </a:xfrm>
+          <a:prstGeom prst="rect">
+            <a:avLst/>
+          </a:prstGeom>
+        </p:spPr>
+        <p:txBody>
+          <a:bodyPr vert="horz" lIns="91440" tIns="45720" rIns="91440" bIns="45720" rtlCol="0" anchor="ctr">
+            <a:noAutofit/>
+          </a:bodyPr>
+          <a:lstStyle/>
+          <a:p>
+            <a:pPr lvl="0"/>
+            <a:r>
+              <a:rPr lang="en-US" sz="8000" baseline="0" dirty="0">
+                <a:ln w="3175" cmpd="sng">
+                  <a:noFill/>
+                </a:ln>
+                <a:solidFill>
+                  <a:schemeClr val="accent1">
+                    <a:lumMod val="60000"/>
+                    <a:lumOff val="40000"/>
+                  </a:schemeClr>
+                </a:solidFill>
+                <a:latin typeface="Arial"/>
+              </a:rPr>
+              <a:t>”</a:t>
+            </a:r>
+            <a:endParaRPr lang="en-US" dirty="0">
+              <a:solidFill>
+                <a:schemeClr val="accent1">
+                  <a:lumMod val="60000"/>
+                  <a:lumOff val="40000"/>
+                </a:schemeClr>
+              </a:solidFill>
+              <a:latin typeface="Arial"/>
+            </a:endParaRPr>
+          </a:p>
+        </p:txBody>
+      </p:sp>
+    </p:spTree>
+    <p:extLst>
+      <p:ext uri="{BB962C8B-B14F-4D97-AF65-F5344CB8AC3E}">
+        <p14:creationId xmlns:p14="http://schemas.microsoft.com/office/powerpoint/2010/main" val="3435669995"/>
+      </p:ext>
+    </p:extLst>
+  </p:cSld>
+  <p:clrMapOvr>
+    <a:masterClrMapping/>
+  </p:clrMapOvr>
+</p:sldLayout>
+</file>
+
+<file path=ppt/slideLayouts/slideLayout12.xml><?xml version="1.0" encoding="utf-8"?>
+<p:sldLayout xmlns:a="http://schemas.openxmlformats.org/drawingml/2006/main" xmlns:r="http://schemas.openxmlformats.org/officeDocument/2006/relationships" xmlns:p="http://schemas.openxmlformats.org/presentationml/2006/main" preserve="1">
+  <p:cSld name="Name Card">
+    <p:spTree>
+      <p:nvGrpSpPr>
+        <p:cNvPr id="1" name=""/>
+        <p:cNvGrpSpPr/>
+        <p:nvPr/>
+      </p:nvGrpSpPr>
+      <p:grpSpPr>
+        <a:xfrm>
+          <a:off x="0" y="0"/>
+          <a:ext cx="0" cy="0"/>
+          <a:chOff x="0" y="0"/>
+          <a:chExt cx="0" cy="0"/>
+        </a:xfrm>
+      </p:grpSpPr>
+      <p:sp>
+        <p:nvSpPr>
+          <p:cNvPr id="2" name="Title 1"/>
+          <p:cNvSpPr>
+            <a:spLocks noGrp="1"/>
+          </p:cNvSpPr>
+          <p:nvPr>
+            <p:ph type="title"/>
+          </p:nvPr>
+        </p:nvSpPr>
+        <p:spPr>
+          <a:xfrm>
+            <a:off x="677335" y="1931988"/>
+            <a:ext cx="8596668" cy="2595460"/>
+          </a:xfrm>
+        </p:spPr>
+        <p:txBody>
+          <a:bodyPr anchor="b">
+            <a:normAutofit/>
+          </a:bodyPr>
+          <a:lstStyle>
+            <a:lvl1pPr algn="l">
+              <a:defRPr sz="4400" b="0" cap="none"/>
+            </a:lvl1pPr>
+          </a:lstStyle>
+          <a:p>
+            <a:r>
+              <a:rPr lang="en-US" smtClean="0"/>
+              <a:t>Click to edit Master title style</a:t>
+            </a:r>
+            <a:endParaRPr lang="en-US" dirty="0"/>
+          </a:p>
+        </p:txBody>
+      </p:sp>
+      <p:sp>
+        <p:nvSpPr>
+          <p:cNvPr id="3" name="Text Placeholder 2"/>
+          <p:cNvSpPr>
+            <a:spLocks noGrp="1"/>
+          </p:cNvSpPr>
+          <p:nvPr>
+            <p:ph type="body" idx="1"/>
+          </p:nvPr>
+        </p:nvSpPr>
+        <p:spPr>
+          <a:xfrm>
+            <a:off x="677335" y="4527448"/>
+            <a:ext cx="8596668" cy="1513914"/>
+          </a:xfrm>
+        </p:spPr>
+        <p:txBody>
+          <a:bodyPr anchor="t">
+            <a:normAutofit/>
+          </a:bodyPr>
+          <a:lstStyle>
+            <a:lvl1pPr marL="0" indent="0" algn="l">
+              <a:buNone/>
+              <a:defRPr sz="1800">
+                <a:solidFill>
+                  <a:schemeClr val="tx1">
+                    <a:lumMod val="75000"/>
+                    <a:lumOff val="25000"/>
+                  </a:schemeClr>
+                </a:solidFill>
+              </a:defRPr>
+            </a:lvl1pPr>
+            <a:lvl2pPr marL="457200" indent="0">
+              <a:buNone/>
+              <a:defRPr sz="1800">
+                <a:solidFill>
+                  <a:schemeClr val="tx1">
+                    <a:tint val="75000"/>
+                  </a:schemeClr>
+                </a:solidFill>
+              </a:defRPr>
+            </a:lvl2pPr>
+            <a:lvl3pPr marL="914400" indent="0">
+              <a:buNone/>
+              <a:defRPr sz="1600">
+                <a:solidFill>
+                  <a:schemeClr val="tx1">
+                    <a:tint val="75000"/>
+                  </a:schemeClr>
+                </a:solidFill>
+              </a:defRPr>
+            </a:lvl3pPr>
+            <a:lvl4pPr marL="1371600" indent="0">
+              <a:buNone/>
+              <a:defRPr sz="1400">
+                <a:solidFill>
+                  <a:schemeClr val="tx1">
+                    <a:tint val="75000"/>
+                  </a:schemeClr>
+                </a:solidFill>
+              </a:defRPr>
+            </a:lvl4pPr>
+            <a:lvl5pPr marL="1828800" indent="0">
+              <a:buNone/>
+              <a:defRPr sz="1400">
+                <a:solidFill>
+                  <a:schemeClr val="tx1">
+                    <a:tint val="75000"/>
+                  </a:schemeClr>
+                </a:solidFill>
+              </a:defRPr>
+            </a:lvl5pPr>
+            <a:lvl6pPr marL="2286000" indent="0">
+              <a:buNone/>
+              <a:defRPr sz="1400">
+                <a:solidFill>
+                  <a:schemeClr val="tx1">
+                    <a:tint val="75000"/>
+                  </a:schemeClr>
+                </a:solidFill>
+              </a:defRPr>
+            </a:lvl6pPr>
+            <a:lvl7pPr marL="2743200" indent="0">
+              <a:buNone/>
+              <a:defRPr sz="1400">
+                <a:solidFill>
+                  <a:schemeClr val="tx1">
+                    <a:tint val="75000"/>
+                  </a:schemeClr>
+                </a:solidFill>
+              </a:defRPr>
+            </a:lvl7pPr>
+            <a:lvl8pPr marL="3200400" indent="0">
+              <a:buNone/>
+              <a:defRPr sz="1400">
+                <a:solidFill>
+                  <a:schemeClr val="tx1">
+                    <a:tint val="75000"/>
+                  </a:schemeClr>
+                </a:solidFill>
+              </a:defRPr>
+            </a:lvl8pPr>
+            <a:lvl9pPr marL="3657600" indent="0">
+              <a:buNone/>
+              <a:defRPr sz="1400">
+                <a:solidFill>
+                  <a:schemeClr val="tx1">
+                    <a:tint val="75000"/>
+                  </a:schemeClr>
+                </a:solidFill>
+              </a:defRPr>
+            </a:lvl9pPr>
+          </a:lstStyle>
+          <a:p>
+            <a:pPr lvl="0"/>
+            <a:r>
+              <a:rPr lang="en-US" smtClean="0"/>
+              <a:t>Edit Master text styles</a:t>
+            </a:r>
+          </a:p>
+        </p:txBody>
+      </p:sp>
+      <p:sp>
+        <p:nvSpPr>
+          <p:cNvPr id="4" name="Date Placeholder 3"/>
+          <p:cNvSpPr>
+            <a:spLocks noGrp="1"/>
+          </p:cNvSpPr>
+          <p:nvPr>
+            <p:ph type="dt" sz="half" idx="10"/>
+          </p:nvPr>
+        </p:nvSpPr>
+        <p:spPr/>
+        <p:txBody>
+          <a:bodyPr/>
+          <a:lstStyle/>
+          <a:p>
+            <a:fld id="{5E2DDB8E-3601-4F9E-BF87-1165690D9C24}" type="datetimeFigureOut">
+              <a:rPr lang="en-NZ" smtClean="0"/>
+              <a:t>20/09/2022</a:t>
+            </a:fld>
+            <a:endParaRPr lang="en-NZ"/>
+          </a:p>
+        </p:txBody>
+      </p:sp>
+      <p:sp>
+        <p:nvSpPr>
+          <p:cNvPr id="5" name="Footer Placeholder 4"/>
+          <p:cNvSpPr>
+            <a:spLocks noGrp="1"/>
+          </p:cNvSpPr>
+          <p:nvPr>
+            <p:ph type="ftr" sz="quarter" idx="11"/>
+          </p:nvPr>
+        </p:nvSpPr>
+        <p:spPr/>
+        <p:txBody>
+          <a:bodyPr/>
+          <a:lstStyle/>
+          <a:p>
+            <a:endParaRPr lang="en-NZ"/>
+          </a:p>
+        </p:txBody>
+      </p:sp>
+      <p:sp>
+        <p:nvSpPr>
+          <p:cNvPr id="6" name="Slide Number Placeholder 5"/>
+          <p:cNvSpPr>
+            <a:spLocks noGrp="1"/>
+          </p:cNvSpPr>
+          <p:nvPr>
+            <p:ph type="sldNum" sz="quarter" idx="12"/>
+          </p:nvPr>
+        </p:nvSpPr>
+        <p:spPr/>
+        <p:txBody>
+          <a:bodyPr/>
+          <a:lstStyle/>
+          <a:p>
+            <a:fld id="{ABF61174-F2E4-46AF-941B-C8F576A01609}" type="slidenum">
+              <a:rPr lang="en-NZ" smtClean="0"/>
+              <a:t>‹#›</a:t>
+            </a:fld>
+            <a:endParaRPr lang="en-NZ"/>
+          </a:p>
+        </p:txBody>
+      </p:sp>
+    </p:spTree>
+    <p:extLst>
+      <p:ext uri="{BB962C8B-B14F-4D97-AF65-F5344CB8AC3E}">
+        <p14:creationId xmlns:p14="http://schemas.microsoft.com/office/powerpoint/2010/main" val="1391103312"/>
+      </p:ext>
+    </p:extLst>
+  </p:cSld>
+  <p:clrMapOvr>
+    <a:masterClrMapping/>
+  </p:clrMapOvr>
+</p:sldLayout>
+</file>
+
+<file path=ppt/slideLayouts/slideLayout13.xml><?xml version="1.0" encoding="utf-8"?>
+<p:sldLayout xmlns:a="http://schemas.openxmlformats.org/drawingml/2006/main" xmlns:r="http://schemas.openxmlformats.org/officeDocument/2006/relationships" xmlns:p="http://schemas.openxmlformats.org/presentationml/2006/main" preserve="1">
+  <p:cSld name="Quote Name Card">
+    <p:spTree>
+      <p:nvGrpSpPr>
+        <p:cNvPr id="1" name=""/>
+        <p:cNvGrpSpPr/>
+        <p:nvPr/>
+      </p:nvGrpSpPr>
+      <p:grpSpPr>
+        <a:xfrm>
+          <a:off x="0" y="0"/>
+          <a:ext cx="0" cy="0"/>
+          <a:chOff x="0" y="0"/>
+          <a:chExt cx="0" cy="0"/>
+        </a:xfrm>
+      </p:grpSpPr>
+      <p:sp>
+        <p:nvSpPr>
+          <p:cNvPr id="2" name="Title 1"/>
+          <p:cNvSpPr>
+            <a:spLocks noGrp="1"/>
+          </p:cNvSpPr>
+          <p:nvPr>
+            <p:ph type="title"/>
+          </p:nvPr>
+        </p:nvSpPr>
+        <p:spPr>
+          <a:xfrm>
+            <a:off x="931334" y="609600"/>
+            <a:ext cx="8094134" cy="3022600"/>
+          </a:xfrm>
+        </p:spPr>
+        <p:txBody>
+          <a:bodyPr anchor="ctr">
+            <a:normAutofit/>
+          </a:bodyPr>
+          <a:lstStyle>
+            <a:lvl1pPr algn="l">
+              <a:defRPr sz="4400" b="0" cap="none"/>
+            </a:lvl1pPr>
+          </a:lstStyle>
+          <a:p>
+            <a:r>
+              <a:rPr lang="en-US" smtClean="0"/>
+              <a:t>Click to edit Master title style</a:t>
+            </a:r>
+            <a:endParaRPr lang="en-US" dirty="0"/>
+          </a:p>
+        </p:txBody>
+      </p:sp>
+      <p:sp>
+        <p:nvSpPr>
+          <p:cNvPr id="23" name="Text Placeholder 9"/>
+          <p:cNvSpPr>
+            <a:spLocks noGrp="1"/>
+          </p:cNvSpPr>
+          <p:nvPr>
+            <p:ph type="body" sz="quarter" idx="13"/>
+          </p:nvPr>
+        </p:nvSpPr>
+        <p:spPr>
+          <a:xfrm>
+            <a:off x="677332" y="4013200"/>
+            <a:ext cx="8596669" cy="514248"/>
+          </a:xfrm>
+        </p:spPr>
+        <p:txBody>
+          <a:bodyPr anchor="b">
+            <a:noAutofit/>
+          </a:bodyPr>
+          <a:lstStyle>
+            <a:lvl1pPr marL="0" indent="0">
+              <a:buFontTx/>
+              <a:buNone/>
+              <a:defRPr sz="2400">
+                <a:solidFill>
+                  <a:schemeClr val="tx1">
+                    <a:lumMod val="75000"/>
+                    <a:lumOff val="25000"/>
+                  </a:schemeClr>
+                </a:solidFill>
+              </a:defRPr>
+            </a:lvl1pPr>
+            <a:lvl2pPr marL="457200" indent="0">
+              <a:buFontTx/>
+              <a:buNone/>
+              <a:defRPr/>
+            </a:lvl2pPr>
+            <a:lvl3pPr marL="914400" indent="0">
+              <a:buFontTx/>
+              <a:buNone/>
+              <a:defRPr/>
+            </a:lvl3pPr>
+            <a:lvl4pPr marL="1371600" indent="0">
+              <a:buFontTx/>
+              <a:buNone/>
+              <a:defRPr/>
+            </a:lvl4pPr>
+            <a:lvl5pPr marL="1828800" indent="0">
+              <a:buFontTx/>
+              <a:buNone/>
+              <a:defRPr/>
+            </a:lvl5pPr>
+          </a:lstStyle>
+          <a:p>
+            <a:pPr lvl="0"/>
+            <a:r>
+              <a:rPr lang="en-US" smtClean="0"/>
+              <a:t>Edit Master text styles</a:t>
+            </a:r>
+          </a:p>
+        </p:txBody>
+      </p:sp>
+      <p:sp>
+        <p:nvSpPr>
+          <p:cNvPr id="3" name="Text Placeholder 2"/>
+          <p:cNvSpPr>
+            <a:spLocks noGrp="1"/>
+          </p:cNvSpPr>
+          <p:nvPr>
+            <p:ph type="body" idx="1"/>
+          </p:nvPr>
+        </p:nvSpPr>
+        <p:spPr>
+          <a:xfrm>
+            <a:off x="677335" y="4527448"/>
+            <a:ext cx="8596668" cy="1513914"/>
+          </a:xfrm>
+        </p:spPr>
+        <p:txBody>
+          <a:bodyPr anchor="t">
+            <a:normAutofit/>
+          </a:bodyPr>
+          <a:lstStyle>
+            <a:lvl1pPr marL="0" indent="0" algn="l">
+              <a:buNone/>
+              <a:defRPr sz="1800">
+                <a:solidFill>
+                  <a:schemeClr val="tx1">
+                    <a:lumMod val="50000"/>
+                    <a:lumOff val="50000"/>
+                  </a:schemeClr>
+                </a:solidFill>
+              </a:defRPr>
+            </a:lvl1pPr>
+            <a:lvl2pPr marL="457200" indent="0">
+              <a:buNone/>
+              <a:defRPr sz="1800">
+                <a:solidFill>
+                  <a:schemeClr val="tx1">
+                    <a:tint val="75000"/>
+                  </a:schemeClr>
+                </a:solidFill>
+              </a:defRPr>
+            </a:lvl2pPr>
+            <a:lvl3pPr marL="914400" indent="0">
+              <a:buNone/>
+              <a:defRPr sz="1600">
+                <a:solidFill>
+                  <a:schemeClr val="tx1">
+                    <a:tint val="75000"/>
+                  </a:schemeClr>
+                </a:solidFill>
+              </a:defRPr>
+            </a:lvl3pPr>
+            <a:lvl4pPr marL="1371600" indent="0">
+              <a:buNone/>
+              <a:defRPr sz="1400">
+                <a:solidFill>
+                  <a:schemeClr val="tx1">
+                    <a:tint val="75000"/>
+                  </a:schemeClr>
+                </a:solidFill>
+              </a:defRPr>
+            </a:lvl4pPr>
+            <a:lvl5pPr marL="1828800" indent="0">
+              <a:buNone/>
+              <a:defRPr sz="1400">
+                <a:solidFill>
+                  <a:schemeClr val="tx1">
+                    <a:tint val="75000"/>
+                  </a:schemeClr>
+                </a:solidFill>
+              </a:defRPr>
+            </a:lvl5pPr>
+            <a:lvl6pPr marL="2286000" indent="0">
+              <a:buNone/>
+              <a:defRPr sz="1400">
+                <a:solidFill>
+                  <a:schemeClr val="tx1">
+                    <a:tint val="75000"/>
+                  </a:schemeClr>
+                </a:solidFill>
+              </a:defRPr>
+            </a:lvl6pPr>
+            <a:lvl7pPr marL="2743200" indent="0">
+              <a:buNone/>
+              <a:defRPr sz="1400">
+                <a:solidFill>
+                  <a:schemeClr val="tx1">
+                    <a:tint val="75000"/>
+                  </a:schemeClr>
+                </a:solidFill>
+              </a:defRPr>
+            </a:lvl7pPr>
+            <a:lvl8pPr marL="3200400" indent="0">
+              <a:buNone/>
+              <a:defRPr sz="1400">
+                <a:solidFill>
+                  <a:schemeClr val="tx1">
+                    <a:tint val="75000"/>
+                  </a:schemeClr>
+                </a:solidFill>
+              </a:defRPr>
+            </a:lvl8pPr>
+            <a:lvl9pPr marL="3657600" indent="0">
+              <a:buNone/>
+              <a:defRPr sz="1400">
+                <a:solidFill>
+                  <a:schemeClr val="tx1">
+                    <a:tint val="75000"/>
+                  </a:schemeClr>
+                </a:solidFill>
+              </a:defRPr>
+            </a:lvl9pPr>
+          </a:lstStyle>
+          <a:p>
+            <a:pPr lvl="0"/>
+            <a:r>
+              <a:rPr lang="en-US" smtClean="0"/>
+              <a:t>Edit Master text styles</a:t>
+            </a:r>
+          </a:p>
+        </p:txBody>
+      </p:sp>
+      <p:sp>
+        <p:nvSpPr>
+          <p:cNvPr id="4" name="Date Placeholder 3"/>
+          <p:cNvSpPr>
+            <a:spLocks noGrp="1"/>
+          </p:cNvSpPr>
+          <p:nvPr>
+            <p:ph type="dt" sz="half" idx="10"/>
+          </p:nvPr>
+        </p:nvSpPr>
+        <p:spPr/>
+        <p:txBody>
+          <a:bodyPr/>
+          <a:lstStyle/>
+          <a:p>
+            <a:fld id="{5E2DDB8E-3601-4F9E-BF87-1165690D9C24}" type="datetimeFigureOut">
+              <a:rPr lang="en-NZ" smtClean="0"/>
+              <a:t>20/09/2022</a:t>
+            </a:fld>
+            <a:endParaRPr lang="en-NZ"/>
+          </a:p>
+        </p:txBody>
+      </p:sp>
+      <p:sp>
+        <p:nvSpPr>
+          <p:cNvPr id="5" name="Footer Placeholder 4"/>
+          <p:cNvSpPr>
+            <a:spLocks noGrp="1"/>
+          </p:cNvSpPr>
+          <p:nvPr>
+            <p:ph type="ftr" sz="quarter" idx="11"/>
+          </p:nvPr>
+        </p:nvSpPr>
+        <p:spPr/>
+        <p:txBody>
+          <a:bodyPr/>
+          <a:lstStyle/>
+          <a:p>
+            <a:endParaRPr lang="en-NZ"/>
+          </a:p>
+        </p:txBody>
+      </p:sp>
+      <p:sp>
+        <p:nvSpPr>
+          <p:cNvPr id="6" name="Slide Number Placeholder 5"/>
+          <p:cNvSpPr>
+            <a:spLocks noGrp="1"/>
+          </p:cNvSpPr>
+          <p:nvPr>
+            <p:ph type="sldNum" sz="quarter" idx="12"/>
+          </p:nvPr>
+        </p:nvSpPr>
+        <p:spPr/>
+        <p:txBody>
+          <a:bodyPr/>
+          <a:lstStyle/>
+          <a:p>
+            <a:fld id="{ABF61174-F2E4-46AF-941B-C8F576A01609}" type="slidenum">
+              <a:rPr lang="en-NZ" smtClean="0"/>
+              <a:t>‹#›</a:t>
+            </a:fld>
+            <a:endParaRPr lang="en-NZ"/>
+          </a:p>
+        </p:txBody>
+      </p:sp>
+      <p:sp>
+        <p:nvSpPr>
+          <p:cNvPr id="24" name="TextBox 23"/>
+          <p:cNvSpPr txBox="1"/>
+          <p:nvPr/>
+        </p:nvSpPr>
+        <p:spPr>
+          <a:xfrm>
+            <a:off x="541870" y="790378"/>
+            <a:ext cx="609600" cy="584776"/>
+          </a:xfrm>
+          <a:prstGeom prst="rect">
+            <a:avLst/>
+          </a:prstGeom>
+        </p:spPr>
+        <p:txBody>
+          <a:bodyPr vert="horz" lIns="91440" tIns="45720" rIns="91440" bIns="45720" rtlCol="0" anchor="ctr">
+            <a:noAutofit/>
+          </a:bodyPr>
+          <a:lstStyle/>
+          <a:p>
+            <a:pPr lvl="0"/>
+            <a:r>
+              <a:rPr lang="en-US" sz="8000" baseline="0" dirty="0">
+                <a:ln w="3175" cmpd="sng">
+                  <a:noFill/>
+                </a:ln>
+                <a:solidFill>
+                  <a:schemeClr val="accent1">
+                    <a:lumMod val="60000"/>
+                    <a:lumOff val="40000"/>
+                  </a:schemeClr>
+                </a:solidFill>
+                <a:effectLst/>
+                <a:latin typeface="Arial"/>
+              </a:rPr>
+              <a:t>“</a:t>
+            </a:r>
+          </a:p>
+        </p:txBody>
+      </p:sp>
+      <p:sp>
+        <p:nvSpPr>
+          <p:cNvPr id="25" name="TextBox 24"/>
+          <p:cNvSpPr txBox="1"/>
+          <p:nvPr/>
+        </p:nvSpPr>
+        <p:spPr>
+          <a:xfrm>
+            <a:off x="8893011" y="2886556"/>
+            <a:ext cx="609600" cy="584776"/>
+          </a:xfrm>
+          <a:prstGeom prst="rect">
+            <a:avLst/>
+          </a:prstGeom>
+        </p:spPr>
+        <p:txBody>
+          <a:bodyPr vert="horz" lIns="91440" tIns="45720" rIns="91440" bIns="45720" rtlCol="0" anchor="ctr">
+            <a:noAutofit/>
+          </a:bodyPr>
+          <a:lstStyle/>
+          <a:p>
+            <a:pPr lvl="0"/>
+            <a:r>
+              <a:rPr lang="en-US" sz="8000" baseline="0" dirty="0">
+                <a:ln w="3175" cmpd="sng">
+                  <a:noFill/>
+                </a:ln>
+                <a:solidFill>
+                  <a:schemeClr val="accent1">
+                    <a:lumMod val="60000"/>
+                    <a:lumOff val="40000"/>
+                  </a:schemeClr>
+                </a:solidFill>
+                <a:effectLst/>
+                <a:latin typeface="Arial"/>
+              </a:rPr>
+              <a:t>”</a:t>
+            </a:r>
+          </a:p>
+        </p:txBody>
+      </p:sp>
+    </p:spTree>
+    <p:extLst>
+      <p:ext uri="{BB962C8B-B14F-4D97-AF65-F5344CB8AC3E}">
+        <p14:creationId xmlns:p14="http://schemas.microsoft.com/office/powerpoint/2010/main" val="155110473"/>
+      </p:ext>
+    </p:extLst>
+  </p:cSld>
+  <p:clrMapOvr>
+    <a:masterClrMapping/>
+  </p:clrMapOvr>
+</p:sldLayout>
+</file>
+
+<file path=ppt/slideLayouts/slideLayout14.xml><?xml version="1.0" encoding="utf-8"?>
+<p:sldLayout xmlns:a="http://schemas.openxmlformats.org/drawingml/2006/main" xmlns:r="http://schemas.openxmlformats.org/officeDocument/2006/relationships" xmlns:p="http://schemas.openxmlformats.org/presentationml/2006/main" preserve="1">
+  <p:cSld name="True or False">
+    <p:spTree>
+      <p:nvGrpSpPr>
+        <p:cNvPr id="1" name=""/>
+        <p:cNvGrpSpPr/>
+        <p:nvPr/>
+      </p:nvGrpSpPr>
+      <p:grpSpPr>
+        <a:xfrm>
+          <a:off x="0" y="0"/>
+          <a:ext cx="0" cy="0"/>
+          <a:chOff x="0" y="0"/>
+          <a:chExt cx="0" cy="0"/>
+        </a:xfrm>
+      </p:grpSpPr>
+      <p:sp>
+        <p:nvSpPr>
+          <p:cNvPr id="2" name="Title 1"/>
+          <p:cNvSpPr>
+            <a:spLocks noGrp="1"/>
+          </p:cNvSpPr>
+          <p:nvPr>
+            <p:ph type="title"/>
+          </p:nvPr>
+        </p:nvSpPr>
+        <p:spPr>
+          <a:xfrm>
+            <a:off x="685799" y="609600"/>
+            <a:ext cx="8588203" cy="3022600"/>
+          </a:xfrm>
+        </p:spPr>
+        <p:txBody>
+          <a:bodyPr anchor="ctr">
+            <a:normAutofit/>
+          </a:bodyPr>
+          <a:lstStyle>
+            <a:lvl1pPr algn="l">
+              <a:defRPr sz="4400" b="0" cap="none"/>
+            </a:lvl1pPr>
+          </a:lstStyle>
+          <a:p>
+            <a:r>
+              <a:rPr lang="en-US" smtClean="0"/>
+              <a:t>Click to edit Master title style</a:t>
+            </a:r>
+            <a:endParaRPr lang="en-US" dirty="0"/>
+          </a:p>
+        </p:txBody>
+      </p:sp>
+      <p:sp>
+        <p:nvSpPr>
+          <p:cNvPr id="23" name="Text Placeholder 9"/>
+          <p:cNvSpPr>
+            <a:spLocks noGrp="1"/>
+          </p:cNvSpPr>
+          <p:nvPr>
+            <p:ph type="body" sz="quarter" idx="13"/>
+          </p:nvPr>
+        </p:nvSpPr>
+        <p:spPr>
+          <a:xfrm>
+            <a:off x="677332" y="4013200"/>
+            <a:ext cx="8596669" cy="514248"/>
+          </a:xfrm>
+        </p:spPr>
+        <p:txBody>
+          <a:bodyPr anchor="b">
+            <a:noAutofit/>
+          </a:bodyPr>
+          <a:lstStyle>
+            <a:lvl1pPr marL="0" indent="0">
+              <a:buFontTx/>
+              <a:buNone/>
+              <a:defRPr sz="2400">
+                <a:solidFill>
+                  <a:schemeClr val="accent1"/>
+                </a:solidFill>
+              </a:defRPr>
+            </a:lvl1pPr>
+            <a:lvl2pPr marL="457200" indent="0">
+              <a:buFontTx/>
+              <a:buNone/>
+              <a:defRPr/>
+            </a:lvl2pPr>
+            <a:lvl3pPr marL="914400" indent="0">
+              <a:buFontTx/>
+              <a:buNone/>
+              <a:defRPr/>
+            </a:lvl3pPr>
+            <a:lvl4pPr marL="1371600" indent="0">
+              <a:buFontTx/>
+              <a:buNone/>
+              <a:defRPr/>
+            </a:lvl4pPr>
+            <a:lvl5pPr marL="1828800" indent="0">
+              <a:buFontTx/>
+              <a:buNone/>
+              <a:defRPr/>
+            </a:lvl5pPr>
+          </a:lstStyle>
+          <a:p>
+            <a:pPr lvl="0"/>
+            <a:r>
+              <a:rPr lang="en-US" smtClean="0"/>
+              <a:t>Edit Master text styles</a:t>
+            </a:r>
+          </a:p>
+        </p:txBody>
+      </p:sp>
+      <p:sp>
+        <p:nvSpPr>
+          <p:cNvPr id="3" name="Text Placeholder 2"/>
+          <p:cNvSpPr>
+            <a:spLocks noGrp="1"/>
+          </p:cNvSpPr>
+          <p:nvPr>
+            <p:ph type="body" idx="1"/>
+          </p:nvPr>
+        </p:nvSpPr>
+        <p:spPr>
+          <a:xfrm>
+            <a:off x="677335" y="4527448"/>
+            <a:ext cx="8596668" cy="1513914"/>
+          </a:xfrm>
+        </p:spPr>
+        <p:txBody>
+          <a:bodyPr anchor="t">
+            <a:normAutofit/>
+          </a:bodyPr>
+          <a:lstStyle>
+            <a:lvl1pPr marL="0" indent="0" algn="l">
+              <a:buNone/>
+              <a:defRPr sz="1800">
+                <a:solidFill>
+                  <a:schemeClr val="tx1">
+                    <a:lumMod val="50000"/>
+                    <a:lumOff val="50000"/>
+                  </a:schemeClr>
+                </a:solidFill>
+              </a:defRPr>
+            </a:lvl1pPr>
+            <a:lvl2pPr marL="457200" indent="0">
+              <a:buNone/>
+              <a:defRPr sz="1800">
+                <a:solidFill>
+                  <a:schemeClr val="tx1">
+                    <a:tint val="75000"/>
+                  </a:schemeClr>
+                </a:solidFill>
+              </a:defRPr>
+            </a:lvl2pPr>
+            <a:lvl3pPr marL="914400" indent="0">
+              <a:buNone/>
+              <a:defRPr sz="1600">
+                <a:solidFill>
+                  <a:schemeClr val="tx1">
+                    <a:tint val="75000"/>
+                  </a:schemeClr>
+                </a:solidFill>
+              </a:defRPr>
+            </a:lvl3pPr>
+            <a:lvl4pPr marL="1371600" indent="0">
+              <a:buNone/>
+              <a:defRPr sz="1400">
+                <a:solidFill>
+                  <a:schemeClr val="tx1">
+                    <a:tint val="75000"/>
+                  </a:schemeClr>
+                </a:solidFill>
+              </a:defRPr>
+            </a:lvl4pPr>
+            <a:lvl5pPr marL="1828800" indent="0">
+              <a:buNone/>
+              <a:defRPr sz="1400">
+                <a:solidFill>
+                  <a:schemeClr val="tx1">
+                    <a:tint val="75000"/>
+                  </a:schemeClr>
+                </a:solidFill>
+              </a:defRPr>
+            </a:lvl5pPr>
+            <a:lvl6pPr marL="2286000" indent="0">
+              <a:buNone/>
+              <a:defRPr sz="1400">
+                <a:solidFill>
+                  <a:schemeClr val="tx1">
+                    <a:tint val="75000"/>
+                  </a:schemeClr>
+                </a:solidFill>
+              </a:defRPr>
+            </a:lvl6pPr>
+            <a:lvl7pPr marL="2743200" indent="0">
+              <a:buNone/>
+              <a:defRPr sz="1400">
+                <a:solidFill>
+                  <a:schemeClr val="tx1">
+                    <a:tint val="75000"/>
+                  </a:schemeClr>
+                </a:solidFill>
+              </a:defRPr>
+            </a:lvl7pPr>
+            <a:lvl8pPr marL="3200400" indent="0">
+              <a:buNone/>
+              <a:defRPr sz="1400">
+                <a:solidFill>
+                  <a:schemeClr val="tx1">
+                    <a:tint val="75000"/>
+                  </a:schemeClr>
+                </a:solidFill>
+              </a:defRPr>
+            </a:lvl8pPr>
+            <a:lvl9pPr marL="3657600" indent="0">
+              <a:buNone/>
+              <a:defRPr sz="1400">
+                <a:solidFill>
+                  <a:schemeClr val="tx1">
+                    <a:tint val="75000"/>
+                  </a:schemeClr>
+                </a:solidFill>
+              </a:defRPr>
+            </a:lvl9pPr>
+          </a:lstStyle>
+          <a:p>
+            <a:pPr lvl="0"/>
+            <a:r>
+              <a:rPr lang="en-US" smtClean="0"/>
+              <a:t>Edit Master text styles</a:t>
+            </a:r>
+          </a:p>
+        </p:txBody>
+      </p:sp>
+      <p:sp>
+        <p:nvSpPr>
+          <p:cNvPr id="4" name="Date Placeholder 3"/>
+          <p:cNvSpPr>
+            <a:spLocks noGrp="1"/>
+          </p:cNvSpPr>
+          <p:nvPr>
+            <p:ph type="dt" sz="half" idx="10"/>
+          </p:nvPr>
+        </p:nvSpPr>
+        <p:spPr/>
+        <p:txBody>
+          <a:bodyPr/>
+          <a:lstStyle/>
+          <a:p>
+            <a:fld id="{5E2DDB8E-3601-4F9E-BF87-1165690D9C24}" type="datetimeFigureOut">
+              <a:rPr lang="en-NZ" smtClean="0"/>
+              <a:t>20/09/2022</a:t>
+            </a:fld>
+            <a:endParaRPr lang="en-NZ"/>
+          </a:p>
+        </p:txBody>
+      </p:sp>
+      <p:sp>
+        <p:nvSpPr>
+          <p:cNvPr id="5" name="Footer Placeholder 4"/>
+          <p:cNvSpPr>
+            <a:spLocks noGrp="1"/>
+          </p:cNvSpPr>
+          <p:nvPr>
+            <p:ph type="ftr" sz="quarter" idx="11"/>
+          </p:nvPr>
+        </p:nvSpPr>
+        <p:spPr/>
+        <p:txBody>
+          <a:bodyPr/>
+          <a:lstStyle/>
+          <a:p>
+            <a:endParaRPr lang="en-NZ"/>
+          </a:p>
+        </p:txBody>
+      </p:sp>
+      <p:sp>
+        <p:nvSpPr>
+          <p:cNvPr id="6" name="Slide Number Placeholder 5"/>
+          <p:cNvSpPr>
+            <a:spLocks noGrp="1"/>
+          </p:cNvSpPr>
+          <p:nvPr>
+            <p:ph type="sldNum" sz="quarter" idx="12"/>
+          </p:nvPr>
+        </p:nvSpPr>
+        <p:spPr/>
+        <p:txBody>
+          <a:bodyPr/>
+          <a:lstStyle/>
+          <a:p>
+            <a:fld id="{ABF61174-F2E4-46AF-941B-C8F576A01609}" type="slidenum">
+              <a:rPr lang="en-NZ" smtClean="0"/>
+              <a:t>‹#›</a:t>
+            </a:fld>
+            <a:endParaRPr lang="en-NZ"/>
+          </a:p>
+        </p:txBody>
+      </p:sp>
+    </p:spTree>
+    <p:extLst>
+      <p:ext uri="{BB962C8B-B14F-4D97-AF65-F5344CB8AC3E}">
+        <p14:creationId xmlns:p14="http://schemas.microsoft.com/office/powerpoint/2010/main" val="1646841528"/>
+      </p:ext>
+    </p:extLst>
+  </p:cSld>
+  <p:clrMapOvr>
+    <a:masterClrMapping/>
+  </p:clrMapOvr>
+</p:sldLayout>
+</file>
+
+<file path=ppt/slideLayouts/slideLayout15.xml><?xml version="1.0" encoding="utf-8"?>
 <p:sldLayout xmlns:a="http://schemas.openxmlformats.org/drawingml/2006/main" xmlns:r="http://schemas.openxmlformats.org/officeDocument/2006/relationships" xmlns:p="http://schemas.openxmlformats.org/presentationml/2006/main" type="vertTx" preserve="1">
   <p:cSld name="Title and Vertical Text">
     <p:spTree>
@@ -335,7 +2555,7 @@
               <a:rPr lang="en-US" smtClean="0"/>
               <a:t>Click to edit Master title style</a:t>
             </a:r>
-            <a:endParaRPr lang="en-NZ"/>
+            <a:endParaRPr lang="en-US" dirty="0"/>
           </a:p>
         </p:txBody>
       </p:sp>
@@ -387,7 +2607,7 @@
               <a:rPr lang="en-US" smtClean="0"/>
               <a:t>Fifth level</a:t>
             </a:r>
-            <a:endParaRPr lang="en-NZ"/>
+            <a:endParaRPr lang="en-US" dirty="0"/>
           </a:p>
         </p:txBody>
       </p:sp>
@@ -459,7 +2679,7 @@
     </p:spTree>
     <p:extLst>
       <p:ext uri="{BB962C8B-B14F-4D97-AF65-F5344CB8AC3E}">
-        <p14:creationId xmlns:p14="http://schemas.microsoft.com/office/powerpoint/2010/main" val="974573704"/>
+        <p14:creationId xmlns:p14="http://schemas.microsoft.com/office/powerpoint/2010/main" val="1303798620"/>
       </p:ext>
     </p:extLst>
   </p:cSld>
@@ -469,7 +2689,7 @@
 </p:sldLayout>
 </file>
 
-<file path=ppt/slideLayouts/slideLayout11.xml><?xml version="1.0" encoding="utf-8"?>
+<file path=ppt/slideLayouts/slideLayout16.xml><?xml version="1.0" encoding="utf-8"?>
 <p:sldLayout xmlns:a="http://schemas.openxmlformats.org/drawingml/2006/main" xmlns:r="http://schemas.openxmlformats.org/officeDocument/2006/relationships" xmlns:p="http://schemas.openxmlformats.org/presentationml/2006/main" type="vertTitleAndTx" preserve="1">
   <p:cSld name="Vertical Title and Text">
     <p:spTree>
@@ -498,19 +2718,19 @@
         </p:nvSpPr>
         <p:spPr>
           <a:xfrm>
-            <a:off x="8724900" y="365125"/>
-            <a:ext cx="2628900" cy="5811838"/>
+            <a:off x="7967673" y="609599"/>
+            <a:ext cx="1304743" cy="5251451"/>
           </a:xfrm>
         </p:spPr>
         <p:txBody>
-          <a:bodyPr vert="eaVert"/>
+          <a:bodyPr vert="eaVert" anchor="ctr"/>
           <a:lstStyle/>
           <a:p>
             <a:r>
               <a:rPr lang="en-US" smtClean="0"/>
               <a:t>Click to edit Master title style</a:t>
             </a:r>
-            <a:endParaRPr lang="en-NZ"/>
+            <a:endParaRPr lang="en-US" dirty="0"/>
           </a:p>
         </p:txBody>
       </p:sp>
@@ -526,8 +2746,8 @@
         </p:nvSpPr>
         <p:spPr>
           <a:xfrm>
-            <a:off x="838200" y="365125"/>
-            <a:ext cx="7734300" cy="5811838"/>
+            <a:off x="677335" y="609600"/>
+            <a:ext cx="7060150" cy="5251450"/>
           </a:xfrm>
         </p:spPr>
         <p:txBody>
@@ -567,7 +2787,7 @@
               <a:rPr lang="en-US" smtClean="0"/>
               <a:t>Fifth level</a:t>
             </a:r>
-            <a:endParaRPr lang="en-NZ"/>
+            <a:endParaRPr lang="en-US" dirty="0"/>
           </a:p>
         </p:txBody>
       </p:sp>
@@ -639,7 +2859,7 @@
     </p:spTree>
     <p:extLst>
       <p:ext uri="{BB962C8B-B14F-4D97-AF65-F5344CB8AC3E}">
-        <p14:creationId xmlns:p14="http://schemas.microsoft.com/office/powerpoint/2010/main" val="609024238"/>
+        <p14:creationId xmlns:p14="http://schemas.microsoft.com/office/powerpoint/2010/main" val="1018044501"/>
       </p:ext>
     </p:extLst>
   </p:cSld>
@@ -678,14 +2898,20 @@
         </p:nvSpPr>
         <p:spPr/>
         <p:txBody>
-          <a:bodyPr/>
-          <a:lstStyle/>
+          <a:bodyPr>
+            <a:normAutofit/>
+          </a:bodyPr>
+          <a:lstStyle>
+            <a:lvl1pPr>
+              <a:defRPr sz="3600"/>
+            </a:lvl1pPr>
+          </a:lstStyle>
           <a:p>
             <a:r>
               <a:rPr lang="en-US" smtClean="0"/>
               <a:t>Click to edit Master title style</a:t>
             </a:r>
-            <a:endParaRPr lang="en-NZ"/>
+            <a:endParaRPr lang="en-US" dirty="0"/>
           </a:p>
         </p:txBody>
       </p:sp>
@@ -737,7 +2963,7 @@
               <a:rPr lang="en-US" smtClean="0"/>
               <a:t>Fifth level</a:t>
             </a:r>
-            <a:endParaRPr lang="en-NZ"/>
+            <a:endParaRPr lang="en-US" dirty="0"/>
           </a:p>
         </p:txBody>
       </p:sp>
@@ -809,7 +3035,7 @@
     </p:spTree>
     <p:extLst>
       <p:ext uri="{BB962C8B-B14F-4D97-AF65-F5344CB8AC3E}">
-        <p14:creationId xmlns:p14="http://schemas.microsoft.com/office/powerpoint/2010/main" val="2410540191"/>
+        <p14:creationId xmlns:p14="http://schemas.microsoft.com/office/powerpoint/2010/main" val="791645286"/>
       </p:ext>
     </p:extLst>
   </p:cSld>
@@ -848,15 +3074,15 @@
         </p:nvSpPr>
         <p:spPr>
           <a:xfrm>
-            <a:off x="831850" y="1709738"/>
-            <a:ext cx="10515600" cy="2852737"/>
+            <a:off x="677335" y="2700867"/>
+            <a:ext cx="8596668" cy="1826581"/>
           </a:xfrm>
         </p:spPr>
         <p:txBody>
           <a:bodyPr anchor="b"/>
           <a:lstStyle>
-            <a:lvl1pPr>
-              <a:defRPr sz="6000"/>
+            <a:lvl1pPr algn="l">
+              <a:defRPr sz="4000" b="0" cap="none"/>
             </a:lvl1pPr>
           </a:lstStyle>
           <a:p>
@@ -864,7 +3090,7 @@
               <a:rPr lang="en-US" smtClean="0"/>
               <a:t>Click to edit Master title style</a:t>
             </a:r>
-            <a:endParaRPr lang="en-NZ"/>
+            <a:endParaRPr lang="en-US" dirty="0"/>
           </a:p>
         </p:txBody>
       </p:sp>
@@ -880,26 +3106,27 @@
         </p:nvSpPr>
         <p:spPr>
           <a:xfrm>
-            <a:off x="831850" y="4589463"/>
-            <a:ext cx="10515600" cy="1500187"/>
+            <a:off x="677335" y="4527448"/>
+            <a:ext cx="8596668" cy="860400"/>
           </a:xfrm>
         </p:spPr>
         <p:txBody>
-          <a:bodyPr/>
+          <a:bodyPr anchor="t"/>
           <a:lstStyle>
-            <a:lvl1pPr marL="0" indent="0">
-              <a:buNone/>
-              <a:defRPr sz="2400">
+            <a:lvl1pPr marL="0" indent="0" algn="l">
+              <a:buNone/>
+              <a:defRPr sz="2000">
                 <a:solidFill>
                   <a:schemeClr val="tx1">
-                    <a:tint val="75000"/>
+                    <a:lumMod val="50000"/>
+                    <a:lumOff val="50000"/>
                   </a:schemeClr>
                 </a:solidFill>
               </a:defRPr>
             </a:lvl1pPr>
             <a:lvl2pPr marL="457200" indent="0">
               <a:buNone/>
-              <a:defRPr sz="2000">
+              <a:defRPr sz="1800">
                 <a:solidFill>
                   <a:schemeClr val="tx1">
                     <a:tint val="75000"/>
@@ -909,7 +3136,7 @@
             </a:lvl2pPr>
             <a:lvl3pPr marL="914400" indent="0">
               <a:buNone/>
-              <a:defRPr sz="1800">
+              <a:defRPr sz="1600">
                 <a:solidFill>
                   <a:schemeClr val="tx1">
                     <a:tint val="75000"/>
@@ -919,7 +3146,7 @@
             </a:lvl3pPr>
             <a:lvl4pPr marL="1371600" indent="0">
               <a:buNone/>
-              <a:defRPr sz="1600">
+              <a:defRPr sz="1400">
                 <a:solidFill>
                   <a:schemeClr val="tx1">
                     <a:tint val="75000"/>
@@ -929,7 +3156,7 @@
             </a:lvl4pPr>
             <a:lvl5pPr marL="1828800" indent="0">
               <a:buNone/>
-              <a:defRPr sz="1600">
+              <a:defRPr sz="1400">
                 <a:solidFill>
                   <a:schemeClr val="tx1">
                     <a:tint val="75000"/>
@@ -939,7 +3166,7 @@
             </a:lvl5pPr>
             <a:lvl6pPr marL="2286000" indent="0">
               <a:buNone/>
-              <a:defRPr sz="1600">
+              <a:defRPr sz="1400">
                 <a:solidFill>
                   <a:schemeClr val="tx1">
                     <a:tint val="75000"/>
@@ -949,7 +3176,7 @@
             </a:lvl6pPr>
             <a:lvl7pPr marL="2743200" indent="0">
               <a:buNone/>
-              <a:defRPr sz="1600">
+              <a:defRPr sz="1400">
                 <a:solidFill>
                   <a:schemeClr val="tx1">
                     <a:tint val="75000"/>
@@ -959,7 +3186,7 @@
             </a:lvl7pPr>
             <a:lvl8pPr marL="3200400" indent="0">
               <a:buNone/>
-              <a:defRPr sz="1600">
+              <a:defRPr sz="1400">
                 <a:solidFill>
                   <a:schemeClr val="tx1">
                     <a:tint val="75000"/>
@@ -969,7 +3196,7 @@
             </a:lvl8pPr>
             <a:lvl9pPr marL="3657600" indent="0">
               <a:buNone/>
-              <a:defRPr sz="1600">
+              <a:defRPr sz="1400">
                 <a:solidFill>
                   <a:schemeClr val="tx1">
                     <a:tint val="75000"/>
@@ -1055,7 +3282,7 @@
     </p:spTree>
     <p:extLst>
       <p:ext uri="{BB962C8B-B14F-4D97-AF65-F5344CB8AC3E}">
-        <p14:creationId xmlns:p14="http://schemas.microsoft.com/office/powerpoint/2010/main" val="2277969127"/>
+        <p14:creationId xmlns:p14="http://schemas.microsoft.com/office/powerpoint/2010/main" val="495862826"/>
       </p:ext>
     </p:extLst>
   </p:cSld>
@@ -1101,7 +3328,7 @@
               <a:rPr lang="en-US" smtClean="0"/>
               <a:t>Click to edit Master title style</a:t>
             </a:r>
-            <a:endParaRPr lang="en-NZ"/>
+            <a:endParaRPr lang="en-US" dirty="0"/>
           </a:p>
         </p:txBody>
       </p:sp>
@@ -1117,8 +3344,8 @@
         </p:nvSpPr>
         <p:spPr>
           <a:xfrm>
-            <a:off x="838200" y="1825625"/>
-            <a:ext cx="5181600" cy="4351338"/>
+            <a:off x="677334" y="2160589"/>
+            <a:ext cx="4184035" cy="3880772"/>
           </a:xfrm>
         </p:spPr>
         <p:txBody>
@@ -1158,7 +3385,7 @@
               <a:rPr lang="en-US" smtClean="0"/>
               <a:t>Fifth level</a:t>
             </a:r>
-            <a:endParaRPr lang="en-NZ"/>
+            <a:endParaRPr lang="en-US" dirty="0"/>
           </a:p>
         </p:txBody>
       </p:sp>
@@ -1174,8 +3401,8 @@
         </p:nvSpPr>
         <p:spPr>
           <a:xfrm>
-            <a:off x="6172200" y="1825625"/>
-            <a:ext cx="5181600" cy="4351338"/>
+            <a:off x="5089970" y="2160589"/>
+            <a:ext cx="4184034" cy="3880773"/>
           </a:xfrm>
         </p:spPr>
         <p:txBody>
@@ -1215,7 +3442,7 @@
               <a:rPr lang="en-US" smtClean="0"/>
               <a:t>Fifth level</a:t>
             </a:r>
-            <a:endParaRPr lang="en-NZ"/>
+            <a:endParaRPr lang="en-US" dirty="0"/>
           </a:p>
         </p:txBody>
       </p:sp>
@@ -1287,7 +3514,7 @@
     </p:spTree>
     <p:extLst>
       <p:ext uri="{BB962C8B-B14F-4D97-AF65-F5344CB8AC3E}">
-        <p14:creationId xmlns:p14="http://schemas.microsoft.com/office/powerpoint/2010/main" val="1917262152"/>
+        <p14:creationId xmlns:p14="http://schemas.microsoft.com/office/powerpoint/2010/main" val="2633588226"/>
       </p:ext>
     </p:extLst>
   </p:cSld>
@@ -1324,46 +3551,47 @@
             <p:ph type="title"/>
           </p:nvPr>
         </p:nvSpPr>
+        <p:spPr/>
+        <p:txBody>
+          <a:bodyPr/>
+          <a:lstStyle>
+            <a:lvl1pPr>
+              <a:defRPr/>
+            </a:lvl1pPr>
+          </a:lstStyle>
+          <a:p>
+            <a:r>
+              <a:rPr lang="en-US" smtClean="0"/>
+              <a:t>Click to edit Master title style</a:t>
+            </a:r>
+            <a:endParaRPr lang="en-US" dirty="0"/>
+          </a:p>
+        </p:txBody>
+      </p:sp>
+      <p:sp>
+        <p:nvSpPr>
+          <p:cNvPr id="3" name="Text Placeholder 2"/>
+          <p:cNvSpPr>
+            <a:spLocks noGrp="1"/>
+          </p:cNvSpPr>
+          <p:nvPr>
+            <p:ph type="body" idx="1"/>
+          </p:nvPr>
+        </p:nvSpPr>
         <p:spPr>
           <a:xfrm>
-            <a:off x="839788" y="365125"/>
-            <a:ext cx="10515600" cy="1325563"/>
+            <a:off x="675745" y="2160983"/>
+            <a:ext cx="4185623" cy="576262"/>
           </a:xfrm>
         </p:spPr>
         <p:txBody>
-          <a:bodyPr/>
-          <a:lstStyle/>
-          <a:p>
-            <a:r>
-              <a:rPr lang="en-US" smtClean="0"/>
-              <a:t>Click to edit Master title style</a:t>
-            </a:r>
-            <a:endParaRPr lang="en-NZ"/>
-          </a:p>
-        </p:txBody>
-      </p:sp>
-      <p:sp>
-        <p:nvSpPr>
-          <p:cNvPr id="3" name="Text Placeholder 2"/>
-          <p:cNvSpPr>
-            <a:spLocks noGrp="1"/>
-          </p:cNvSpPr>
-          <p:nvPr>
-            <p:ph type="body" idx="1"/>
-          </p:nvPr>
-        </p:nvSpPr>
-        <p:spPr>
-          <a:xfrm>
-            <a:off x="839788" y="1681163"/>
-            <a:ext cx="5157787" cy="823912"/>
-          </a:xfrm>
-        </p:spPr>
-        <p:txBody>
-          <a:bodyPr anchor="b"/>
+          <a:bodyPr anchor="b">
+            <a:noAutofit/>
+          </a:bodyPr>
           <a:lstStyle>
             <a:lvl1pPr marL="0" indent="0">
               <a:buNone/>
-              <a:defRPr sz="2400" b="1"/>
+              <a:defRPr sz="2400" b="0"/>
             </a:lvl1pPr>
             <a:lvl2pPr marL="457200" indent="0">
               <a:buNone/>
@@ -1419,12 +3647,14 @@
         </p:nvSpPr>
         <p:spPr>
           <a:xfrm>
-            <a:off x="839788" y="2505075"/>
-            <a:ext cx="5157787" cy="3684588"/>
+            <a:off x="675745" y="2737245"/>
+            <a:ext cx="4185623" cy="3304117"/>
           </a:xfrm>
         </p:spPr>
         <p:txBody>
-          <a:bodyPr/>
+          <a:bodyPr>
+            <a:normAutofit/>
+          </a:bodyPr>
           <a:lstStyle/>
           <a:p>
             <a:pPr lvl="0"/>
@@ -1460,7 +3690,7 @@
               <a:rPr lang="en-US" smtClean="0"/>
               <a:t>Fifth level</a:t>
             </a:r>
-            <a:endParaRPr lang="en-NZ"/>
+            <a:endParaRPr lang="en-US" dirty="0"/>
           </a:p>
         </p:txBody>
       </p:sp>
@@ -1476,16 +3706,18 @@
         </p:nvSpPr>
         <p:spPr>
           <a:xfrm>
-            <a:off x="6172200" y="1681163"/>
-            <a:ext cx="5183188" cy="823912"/>
+            <a:off x="5088383" y="2160983"/>
+            <a:ext cx="4185618" cy="576262"/>
           </a:xfrm>
         </p:spPr>
         <p:txBody>
-          <a:bodyPr anchor="b"/>
+          <a:bodyPr anchor="b">
+            <a:noAutofit/>
+          </a:bodyPr>
           <a:lstStyle>
             <a:lvl1pPr marL="0" indent="0">
               <a:buNone/>
-              <a:defRPr sz="2400" b="1"/>
+              <a:defRPr sz="2400" b="0"/>
             </a:lvl1pPr>
             <a:lvl2pPr marL="457200" indent="0">
               <a:buNone/>
@@ -1541,12 +3773,14 @@
         </p:nvSpPr>
         <p:spPr>
           <a:xfrm>
-            <a:off x="6172200" y="2505075"/>
-            <a:ext cx="5183188" cy="3684588"/>
+            <a:off x="5088384" y="2737245"/>
+            <a:ext cx="4185617" cy="3304117"/>
           </a:xfrm>
         </p:spPr>
         <p:txBody>
-          <a:bodyPr/>
+          <a:bodyPr>
+            <a:normAutofit/>
+          </a:bodyPr>
           <a:lstStyle/>
           <a:p>
             <a:pPr lvl="0"/>
@@ -1582,7 +3816,7 @@
               <a:rPr lang="en-US" smtClean="0"/>
               <a:t>Fifth level</a:t>
             </a:r>
-            <a:endParaRPr lang="en-NZ"/>
+            <a:endParaRPr lang="en-US" dirty="0"/>
           </a:p>
         </p:txBody>
       </p:sp>
@@ -1654,7 +3888,7 @@
     </p:spTree>
     <p:extLst>
       <p:ext uri="{BB962C8B-B14F-4D97-AF65-F5344CB8AC3E}">
-        <p14:creationId xmlns:p14="http://schemas.microsoft.com/office/powerpoint/2010/main" val="4007176924"/>
+        <p14:creationId xmlns:p14="http://schemas.microsoft.com/office/powerpoint/2010/main" val="2261866562"/>
       </p:ext>
     </p:extLst>
   </p:cSld>
@@ -1691,7 +3925,12 @@
             <p:ph type="title"/>
           </p:nvPr>
         </p:nvSpPr>
-        <p:spPr/>
+        <p:spPr>
+          <a:xfrm>
+            <a:off x="677334" y="609600"/>
+            <a:ext cx="8596668" cy="1320800"/>
+          </a:xfrm>
+        </p:spPr>
         <p:txBody>
           <a:bodyPr/>
           <a:lstStyle/>
@@ -1700,7 +3939,7 @@
               <a:rPr lang="en-US" smtClean="0"/>
               <a:t>Click to edit Master title style</a:t>
             </a:r>
-            <a:endParaRPr lang="en-NZ"/>
+            <a:endParaRPr lang="en-US" dirty="0"/>
           </a:p>
         </p:txBody>
       </p:sp>
@@ -1772,7 +4011,7 @@
     </p:spTree>
     <p:extLst>
       <p:ext uri="{BB962C8B-B14F-4D97-AF65-F5344CB8AC3E}">
-        <p14:creationId xmlns:p14="http://schemas.microsoft.com/office/powerpoint/2010/main" val="379426165"/>
+        <p14:creationId xmlns:p14="http://schemas.microsoft.com/office/powerpoint/2010/main" val="2040710391"/>
       </p:ext>
     </p:extLst>
   </p:cSld>
@@ -1867,7 +4106,7 @@
     </p:spTree>
     <p:extLst>
       <p:ext uri="{BB962C8B-B14F-4D97-AF65-F5344CB8AC3E}">
-        <p14:creationId xmlns:p14="http://schemas.microsoft.com/office/powerpoint/2010/main" val="846430940"/>
+        <p14:creationId xmlns:p14="http://schemas.microsoft.com/office/powerpoint/2010/main" val="2335910521"/>
       </p:ext>
     </p:extLst>
   </p:cSld>
@@ -1906,15 +4145,17 @@
         </p:nvSpPr>
         <p:spPr>
           <a:xfrm>
-            <a:off x="839788" y="457200"/>
-            <a:ext cx="3932237" cy="1600200"/>
+            <a:off x="677334" y="1498604"/>
+            <a:ext cx="3854528" cy="1278466"/>
           </a:xfrm>
         </p:spPr>
         <p:txBody>
-          <a:bodyPr anchor="b"/>
+          <a:bodyPr anchor="b">
+            <a:normAutofit/>
+          </a:bodyPr>
           <a:lstStyle>
             <a:lvl1pPr>
-              <a:defRPr sz="3200"/>
+              <a:defRPr sz="2000"/>
             </a:lvl1pPr>
           </a:lstStyle>
           <a:p>
@@ -1922,7 +4163,7 @@
               <a:rPr lang="en-US" smtClean="0"/>
               <a:t>Click to edit Master title style</a:t>
             </a:r>
-            <a:endParaRPr lang="en-NZ"/>
+            <a:endParaRPr lang="en-US" dirty="0"/>
           </a:p>
         </p:txBody>
       </p:sp>
@@ -1938,41 +4179,15 @@
         </p:nvSpPr>
         <p:spPr>
           <a:xfrm>
-            <a:off x="5183188" y="987425"/>
-            <a:ext cx="6172200" cy="4873625"/>
+            <a:off x="4760461" y="514924"/>
+            <a:ext cx="4513541" cy="5526437"/>
           </a:xfrm>
         </p:spPr>
         <p:txBody>
-          <a:bodyPr/>
-          <a:lstStyle>
-            <a:lvl1pPr>
-              <a:defRPr sz="3200"/>
-            </a:lvl1pPr>
-            <a:lvl2pPr>
-              <a:defRPr sz="2800"/>
-            </a:lvl2pPr>
-            <a:lvl3pPr>
-              <a:defRPr sz="2400"/>
-            </a:lvl3pPr>
-            <a:lvl4pPr>
-              <a:defRPr sz="2000"/>
-            </a:lvl4pPr>
-            <a:lvl5pPr>
-              <a:defRPr sz="2000"/>
-            </a:lvl5pPr>
-            <a:lvl6pPr>
-              <a:defRPr sz="2000"/>
-            </a:lvl6pPr>
-            <a:lvl7pPr>
-              <a:defRPr sz="2000"/>
-            </a:lvl7pPr>
-            <a:lvl8pPr>
-              <a:defRPr sz="2000"/>
-            </a:lvl8pPr>
-            <a:lvl9pPr>
-              <a:defRPr sz="2000"/>
-            </a:lvl9pPr>
-          </a:lstStyle>
+          <a:bodyPr>
+            <a:normAutofit/>
+          </a:bodyPr>
+          <a:lstStyle/>
           <a:p>
             <a:pPr lvl="0"/>
             <a:r>
@@ -2007,7 +4222,7 @@
               <a:rPr lang="en-US" smtClean="0"/>
               <a:t>Fifth level</a:t>
             </a:r>
-            <a:endParaRPr lang="en-NZ"/>
+            <a:endParaRPr lang="en-US" dirty="0"/>
           </a:p>
         </p:txBody>
       </p:sp>
@@ -2023,46 +4238,48 @@
         </p:nvSpPr>
         <p:spPr>
           <a:xfrm>
-            <a:off x="839788" y="2057400"/>
-            <a:ext cx="3932237" cy="3811588"/>
+            <a:off x="677334" y="2777069"/>
+            <a:ext cx="3854528" cy="2584449"/>
           </a:xfrm>
         </p:spPr>
         <p:txBody>
-          <a:bodyPr/>
+          <a:bodyPr>
+            <a:normAutofit/>
+          </a:bodyPr>
           <a:lstStyle>
             <a:lvl1pPr marL="0" indent="0">
               <a:buNone/>
-              <a:defRPr sz="1600"/>
+              <a:defRPr sz="1400"/>
             </a:lvl1pPr>
-            <a:lvl2pPr marL="457200" indent="0">
+            <a:lvl2pPr marL="457063" indent="0">
               <a:buNone/>
               <a:defRPr sz="1400"/>
             </a:lvl2pPr>
-            <a:lvl3pPr marL="914400" indent="0">
+            <a:lvl3pPr marL="914126" indent="0">
               <a:buNone/>
               <a:defRPr sz="1200"/>
             </a:lvl3pPr>
-            <a:lvl4pPr marL="1371600" indent="0">
+            <a:lvl4pPr marL="1371189" indent="0">
               <a:buNone/>
               <a:defRPr sz="1000"/>
             </a:lvl4pPr>
-            <a:lvl5pPr marL="1828800" indent="0">
+            <a:lvl5pPr marL="1828251" indent="0">
               <a:buNone/>
               <a:defRPr sz="1000"/>
             </a:lvl5pPr>
-            <a:lvl6pPr marL="2286000" indent="0">
+            <a:lvl6pPr marL="2285314" indent="0">
               <a:buNone/>
               <a:defRPr sz="1000"/>
             </a:lvl6pPr>
-            <a:lvl7pPr marL="2743200" indent="0">
+            <a:lvl7pPr marL="2742377" indent="0">
               <a:buNone/>
               <a:defRPr sz="1000"/>
             </a:lvl7pPr>
-            <a:lvl8pPr marL="3200400" indent="0">
+            <a:lvl8pPr marL="3199440" indent="0">
               <a:buNone/>
               <a:defRPr sz="1000"/>
             </a:lvl8pPr>
-            <a:lvl9pPr marL="3657600" indent="0">
+            <a:lvl9pPr marL="3656503" indent="0">
               <a:buNone/>
               <a:defRPr sz="1000"/>
             </a:lvl9pPr>
@@ -2144,7 +4361,7 @@
     </p:spTree>
     <p:extLst>
       <p:ext uri="{BB962C8B-B14F-4D97-AF65-F5344CB8AC3E}">
-        <p14:creationId xmlns:p14="http://schemas.microsoft.com/office/powerpoint/2010/main" val="1417017418"/>
+        <p14:creationId xmlns:p14="http://schemas.microsoft.com/office/powerpoint/2010/main" val="61375769"/>
       </p:ext>
     </p:extLst>
   </p:cSld>
@@ -2183,15 +4400,17 @@
         </p:nvSpPr>
         <p:spPr>
           <a:xfrm>
-            <a:off x="839788" y="457200"/>
-            <a:ext cx="3932237" cy="1600200"/>
+            <a:off x="677334" y="4800600"/>
+            <a:ext cx="8596667" cy="566738"/>
           </a:xfrm>
         </p:spPr>
         <p:txBody>
-          <a:bodyPr anchor="b"/>
+          <a:bodyPr anchor="b">
+            <a:normAutofit/>
+          </a:bodyPr>
           <a:lstStyle>
-            <a:lvl1pPr>
-              <a:defRPr sz="3200"/>
+            <a:lvl1pPr algn="l">
+              <a:defRPr sz="2400" b="0"/>
             </a:lvl1pPr>
           </a:lstStyle>
           <a:p>
@@ -2199,7 +4418,7 @@
               <a:rPr lang="en-US" smtClean="0"/>
               <a:t>Click to edit Master title style</a:t>
             </a:r>
-            <a:endParaRPr lang="en-NZ"/>
+            <a:endParaRPr lang="en-US" dirty="0"/>
           </a:p>
         </p:txBody>
       </p:sp>
@@ -2207,7 +4426,7 @@
         <p:nvSpPr>
           <p:cNvPr id="3" name="Picture Placeholder 2"/>
           <p:cNvSpPr>
-            <a:spLocks noGrp="1"/>
+            <a:spLocks noGrp="1" noChangeAspect="1"/>
           </p:cNvSpPr>
           <p:nvPr>
             <p:ph type="pic" idx="1"/>
@@ -2215,109 +4434,117 @@
         </p:nvSpPr>
         <p:spPr>
           <a:xfrm>
-            <a:off x="5183188" y="987425"/>
-            <a:ext cx="6172200" cy="4873625"/>
+            <a:off x="677334" y="609600"/>
+            <a:ext cx="8596668" cy="3845718"/>
           </a:xfrm>
         </p:spPr>
         <p:txBody>
-          <a:bodyPr/>
+          <a:bodyPr anchor="t">
+            <a:normAutofit/>
+          </a:bodyPr>
           <a:lstStyle>
-            <a:lvl1pPr marL="0" indent="0">
-              <a:buNone/>
-              <a:defRPr sz="3200"/>
-            </a:lvl1pPr>
-            <a:lvl2pPr marL="457200" indent="0">
-              <a:buNone/>
-              <a:defRPr sz="2800"/>
-            </a:lvl2pPr>
-            <a:lvl3pPr marL="914400" indent="0">
-              <a:buNone/>
-              <a:defRPr sz="2400"/>
-            </a:lvl3pPr>
-            <a:lvl4pPr marL="1371600" indent="0">
-              <a:buNone/>
-              <a:defRPr sz="2000"/>
-            </a:lvl4pPr>
-            <a:lvl5pPr marL="1828800" indent="0">
-              <a:buNone/>
-              <a:defRPr sz="2000"/>
-            </a:lvl5pPr>
-            <a:lvl6pPr marL="2286000" indent="0">
-              <a:buNone/>
-              <a:defRPr sz="2000"/>
-            </a:lvl6pPr>
-            <a:lvl7pPr marL="2743200" indent="0">
-              <a:buNone/>
-              <a:defRPr sz="2000"/>
-            </a:lvl7pPr>
-            <a:lvl8pPr marL="3200400" indent="0">
-              <a:buNone/>
-              <a:defRPr sz="2000"/>
-            </a:lvl8pPr>
-            <a:lvl9pPr marL="3657600" indent="0">
-              <a:buNone/>
-              <a:defRPr sz="2000"/>
-            </a:lvl9pPr>
-          </a:lstStyle>
-          <a:p>
-            <a:endParaRPr lang="en-NZ"/>
-          </a:p>
-        </p:txBody>
-      </p:sp>
-      <p:sp>
-        <p:nvSpPr>
-          <p:cNvPr id="4" name="Text Placeholder 3"/>
-          <p:cNvSpPr>
-            <a:spLocks noGrp="1"/>
-          </p:cNvSpPr>
-          <p:nvPr>
-            <p:ph type="body" sz="half" idx="2"/>
-          </p:nvPr>
-        </p:nvSpPr>
-        <p:spPr>
-          <a:xfrm>
-            <a:off x="839788" y="2057400"/>
-            <a:ext cx="3932237" cy="3811588"/>
-          </a:xfrm>
-        </p:spPr>
-        <p:txBody>
-          <a:bodyPr/>
-          <a:lstStyle>
-            <a:lvl1pPr marL="0" indent="0">
+            <a:lvl1pPr marL="0" indent="0" algn="ctr">
               <a:buNone/>
               <a:defRPr sz="1600"/>
             </a:lvl1pPr>
             <a:lvl2pPr marL="457200" indent="0">
               <a:buNone/>
-              <a:defRPr sz="1400"/>
+              <a:defRPr sz="1600"/>
             </a:lvl2pPr>
             <a:lvl3pPr marL="914400" indent="0">
               <a:buNone/>
-              <a:defRPr sz="1200"/>
+              <a:defRPr sz="1600"/>
             </a:lvl3pPr>
             <a:lvl4pPr marL="1371600" indent="0">
               <a:buNone/>
-              <a:defRPr sz="1000"/>
+              <a:defRPr sz="1600"/>
             </a:lvl4pPr>
             <a:lvl5pPr marL="1828800" indent="0">
               <a:buNone/>
-              <a:defRPr sz="1000"/>
+              <a:defRPr sz="1600"/>
             </a:lvl5pPr>
             <a:lvl6pPr marL="2286000" indent="0">
               <a:buNone/>
-              <a:defRPr sz="1000"/>
+              <a:defRPr sz="1600"/>
             </a:lvl6pPr>
             <a:lvl7pPr marL="2743200" indent="0">
               <a:buNone/>
-              <a:defRPr sz="1000"/>
+              <a:defRPr sz="1600"/>
             </a:lvl7pPr>
             <a:lvl8pPr marL="3200400" indent="0">
               <a:buNone/>
-              <a:defRPr sz="1000"/>
+              <a:defRPr sz="1600"/>
             </a:lvl8pPr>
             <a:lvl9pPr marL="3657600" indent="0">
               <a:buNone/>
+              <a:defRPr sz="1600"/>
+            </a:lvl9pPr>
+          </a:lstStyle>
+          <a:p>
+            <a:r>
+              <a:rPr lang="en-US" smtClean="0"/>
+              <a:t>Click icon to add picture</a:t>
+            </a:r>
+            <a:endParaRPr lang="en-US" dirty="0"/>
+          </a:p>
+        </p:txBody>
+      </p:sp>
+      <p:sp>
+        <p:nvSpPr>
+          <p:cNvPr id="4" name="Text Placeholder 3"/>
+          <p:cNvSpPr>
+            <a:spLocks noGrp="1"/>
+          </p:cNvSpPr>
+          <p:nvPr>
+            <p:ph type="body" sz="half" idx="2"/>
+          </p:nvPr>
+        </p:nvSpPr>
+        <p:spPr>
+          <a:xfrm>
+            <a:off x="677334" y="5367338"/>
+            <a:ext cx="8596667" cy="674024"/>
+          </a:xfrm>
+        </p:spPr>
+        <p:txBody>
+          <a:bodyPr>
+            <a:normAutofit/>
+          </a:bodyPr>
+          <a:lstStyle>
+            <a:lvl1pPr marL="0" indent="0">
+              <a:buNone/>
+              <a:defRPr sz="1200"/>
+            </a:lvl1pPr>
+            <a:lvl2pPr marL="457200" indent="0">
+              <a:buNone/>
+              <a:defRPr sz="1200"/>
+            </a:lvl2pPr>
+            <a:lvl3pPr marL="914400" indent="0">
+              <a:buNone/>
               <a:defRPr sz="1000"/>
+            </a:lvl3pPr>
+            <a:lvl4pPr marL="1371600" indent="0">
+              <a:buNone/>
+              <a:defRPr sz="900"/>
+            </a:lvl4pPr>
+            <a:lvl5pPr marL="1828800" indent="0">
+              <a:buNone/>
+              <a:defRPr sz="900"/>
+            </a:lvl5pPr>
+            <a:lvl6pPr marL="2286000" indent="0">
+              <a:buNone/>
+              <a:defRPr sz="900"/>
+            </a:lvl6pPr>
+            <a:lvl7pPr marL="2743200" indent="0">
+              <a:buNone/>
+              <a:defRPr sz="900"/>
+            </a:lvl7pPr>
+            <a:lvl8pPr marL="3200400" indent="0">
+              <a:buNone/>
+              <a:defRPr sz="900"/>
+            </a:lvl8pPr>
+            <a:lvl9pPr marL="3657600" indent="0">
+              <a:buNone/>
+              <a:defRPr sz="900"/>
             </a:lvl9pPr>
           </a:lstStyle>
           <a:p>
@@ -2397,7 +4624,7 @@
     </p:spTree>
     <p:extLst>
       <p:ext uri="{BB962C8B-B14F-4D97-AF65-F5344CB8AC3E}">
-        <p14:creationId xmlns:p14="http://schemas.microsoft.com/office/powerpoint/2010/main" val="1961162942"/>
+        <p14:creationId xmlns:p14="http://schemas.microsoft.com/office/powerpoint/2010/main" val="1348968637"/>
       </p:ext>
     </p:extLst>
   </p:cSld>
@@ -2429,6 +4656,536 @@
           <a:chExt cx="0" cy="0"/>
         </a:xfrm>
       </p:grpSpPr>
+      <p:grpSp>
+        <p:nvGrpSpPr>
+          <p:cNvPr id="7" name="Group 6"/>
+          <p:cNvGrpSpPr/>
+          <p:nvPr/>
+        </p:nvGrpSpPr>
+        <p:grpSpPr>
+          <a:xfrm>
+            <a:off x="0" y="-8467"/>
+            <a:ext cx="12192000" cy="6866467"/>
+            <a:chOff x="0" y="-8467"/>
+            <a:chExt cx="12192000" cy="6866467"/>
+          </a:xfrm>
+        </p:grpSpPr>
+        <p:cxnSp>
+          <p:nvCxnSpPr>
+            <p:cNvPr id="20" name="Straight Connector 19"/>
+            <p:cNvCxnSpPr/>
+            <p:nvPr/>
+          </p:nvCxnSpPr>
+          <p:spPr>
+            <a:xfrm>
+              <a:off x="9371012" y="0"/>
+              <a:ext cx="1219200" cy="6858000"/>
+            </a:xfrm>
+            <a:prstGeom prst="line">
+              <a:avLst/>
+            </a:prstGeom>
+            <a:ln w="9525">
+              <a:solidFill>
+                <a:schemeClr val="bg1">
+                  <a:lumMod val="75000"/>
+                </a:schemeClr>
+              </a:solidFill>
+            </a:ln>
+          </p:spPr>
+          <p:style>
+            <a:lnRef idx="2">
+              <a:schemeClr val="accent1"/>
+            </a:lnRef>
+            <a:fillRef idx="0">
+              <a:schemeClr val="accent1"/>
+            </a:fillRef>
+            <a:effectRef idx="1">
+              <a:schemeClr val="accent1"/>
+            </a:effectRef>
+            <a:fontRef idx="minor">
+              <a:schemeClr val="tx1"/>
+            </a:fontRef>
+          </p:style>
+        </p:cxnSp>
+        <p:cxnSp>
+          <p:nvCxnSpPr>
+            <p:cNvPr id="21" name="Straight Connector 20"/>
+            <p:cNvCxnSpPr/>
+            <p:nvPr/>
+          </p:nvCxnSpPr>
+          <p:spPr>
+            <a:xfrm flipH="1">
+              <a:off x="7425267" y="3681413"/>
+              <a:ext cx="4763558" cy="3176587"/>
+            </a:xfrm>
+            <a:prstGeom prst="line">
+              <a:avLst/>
+            </a:prstGeom>
+            <a:ln w="9525">
+              <a:solidFill>
+                <a:schemeClr val="bg1">
+                  <a:lumMod val="85000"/>
+                </a:schemeClr>
+              </a:solidFill>
+            </a:ln>
+          </p:spPr>
+          <p:style>
+            <a:lnRef idx="2">
+              <a:schemeClr val="accent1"/>
+            </a:lnRef>
+            <a:fillRef idx="0">
+              <a:schemeClr val="accent1"/>
+            </a:fillRef>
+            <a:effectRef idx="1">
+              <a:schemeClr val="accent1"/>
+            </a:effectRef>
+            <a:fontRef idx="minor">
+              <a:schemeClr val="tx1"/>
+            </a:fontRef>
+          </p:style>
+        </p:cxnSp>
+        <p:sp>
+          <p:nvSpPr>
+            <p:cNvPr id="22" name="Rectangle 23"/>
+            <p:cNvSpPr/>
+            <p:nvPr/>
+          </p:nvSpPr>
+          <p:spPr>
+            <a:xfrm>
+              <a:off x="9181476" y="-8467"/>
+              <a:ext cx="3007349" cy="6866467"/>
+            </a:xfrm>
+            <a:custGeom>
+              <a:avLst/>
+              <a:gdLst/>
+              <a:ahLst/>
+              <a:cxnLst/>
+              <a:rect l="l" t="t" r="r" b="b"/>
+              <a:pathLst>
+                <a:path w="3007349" h="6866467">
+                  <a:moveTo>
+                    <a:pt x="2045532" y="0"/>
+                  </a:moveTo>
+                  <a:lnTo>
+                    <a:pt x="3007349" y="0"/>
+                  </a:lnTo>
+                  <a:lnTo>
+                    <a:pt x="3007349" y="6866467"/>
+                  </a:lnTo>
+                  <a:lnTo>
+                    <a:pt x="0" y="6866467"/>
+                  </a:lnTo>
+                  <a:lnTo>
+                    <a:pt x="2045532" y="0"/>
+                  </a:lnTo>
+                  <a:close/>
+                </a:path>
+              </a:pathLst>
+            </a:custGeom>
+            <a:solidFill>
+              <a:schemeClr val="accent1">
+                <a:alpha val="30000"/>
+              </a:schemeClr>
+            </a:solidFill>
+            <a:ln>
+              <a:noFill/>
+            </a:ln>
+            <a:effectLst/>
+          </p:spPr>
+          <p:style>
+            <a:lnRef idx="1">
+              <a:schemeClr val="accent1"/>
+            </a:lnRef>
+            <a:fillRef idx="3">
+              <a:schemeClr val="accent1"/>
+            </a:fillRef>
+            <a:effectRef idx="2">
+              <a:schemeClr val="accent1"/>
+            </a:effectRef>
+            <a:fontRef idx="minor">
+              <a:schemeClr val="lt1"/>
+            </a:fontRef>
+          </p:style>
+        </p:sp>
+        <p:sp>
+          <p:nvSpPr>
+            <p:cNvPr id="23" name="Rectangle 25"/>
+            <p:cNvSpPr/>
+            <p:nvPr/>
+          </p:nvSpPr>
+          <p:spPr>
+            <a:xfrm>
+              <a:off x="9603442" y="-8467"/>
+              <a:ext cx="2588558" cy="6866467"/>
+            </a:xfrm>
+            <a:custGeom>
+              <a:avLst/>
+              <a:gdLst/>
+              <a:ahLst/>
+              <a:cxnLst/>
+              <a:rect l="l" t="t" r="r" b="b"/>
+              <a:pathLst>
+                <a:path w="2573311" h="6866467">
+                  <a:moveTo>
+                    <a:pt x="0" y="0"/>
+                  </a:moveTo>
+                  <a:lnTo>
+                    <a:pt x="2573311" y="0"/>
+                  </a:lnTo>
+                  <a:lnTo>
+                    <a:pt x="2573311" y="6866467"/>
+                  </a:lnTo>
+                  <a:lnTo>
+                    <a:pt x="1202336" y="6866467"/>
+                  </a:lnTo>
+                  <a:lnTo>
+                    <a:pt x="0" y="0"/>
+                  </a:lnTo>
+                  <a:close/>
+                </a:path>
+              </a:pathLst>
+            </a:custGeom>
+            <a:solidFill>
+              <a:schemeClr val="accent1">
+                <a:alpha val="20000"/>
+              </a:schemeClr>
+            </a:solidFill>
+            <a:ln>
+              <a:noFill/>
+            </a:ln>
+            <a:effectLst/>
+          </p:spPr>
+          <p:style>
+            <a:lnRef idx="1">
+              <a:schemeClr val="accent1"/>
+            </a:lnRef>
+            <a:fillRef idx="3">
+              <a:schemeClr val="accent1"/>
+            </a:fillRef>
+            <a:effectRef idx="2">
+              <a:schemeClr val="accent1"/>
+            </a:effectRef>
+            <a:fontRef idx="minor">
+              <a:schemeClr val="lt1"/>
+            </a:fontRef>
+          </p:style>
+        </p:sp>
+        <p:sp>
+          <p:nvSpPr>
+            <p:cNvPr id="24" name="Isosceles Triangle 23"/>
+            <p:cNvSpPr/>
+            <p:nvPr/>
+          </p:nvSpPr>
+          <p:spPr>
+            <a:xfrm>
+              <a:off x="8932333" y="3048000"/>
+              <a:ext cx="3259667" cy="3810000"/>
+            </a:xfrm>
+            <a:prstGeom prst="triangle">
+              <a:avLst>
+                <a:gd name="adj" fmla="val 100000"/>
+              </a:avLst>
+            </a:prstGeom>
+            <a:solidFill>
+              <a:schemeClr val="accent2">
+                <a:alpha val="72000"/>
+              </a:schemeClr>
+            </a:solidFill>
+            <a:ln>
+              <a:noFill/>
+            </a:ln>
+            <a:effectLst/>
+          </p:spPr>
+          <p:style>
+            <a:lnRef idx="1">
+              <a:schemeClr val="accent1"/>
+            </a:lnRef>
+            <a:fillRef idx="3">
+              <a:schemeClr val="accent1"/>
+            </a:fillRef>
+            <a:effectRef idx="2">
+              <a:schemeClr val="accent1"/>
+            </a:effectRef>
+            <a:fontRef idx="minor">
+              <a:schemeClr val="lt1"/>
+            </a:fontRef>
+          </p:style>
+        </p:sp>
+        <p:sp>
+          <p:nvSpPr>
+            <p:cNvPr id="25" name="Rectangle 27"/>
+            <p:cNvSpPr/>
+            <p:nvPr/>
+          </p:nvSpPr>
+          <p:spPr>
+            <a:xfrm>
+              <a:off x="9334500" y="-8467"/>
+              <a:ext cx="2854326" cy="6866467"/>
+            </a:xfrm>
+            <a:custGeom>
+              <a:avLst/>
+              <a:gdLst/>
+              <a:ahLst/>
+              <a:cxnLst/>
+              <a:rect l="l" t="t" r="r" b="b"/>
+              <a:pathLst>
+                <a:path w="2858013" h="6866467">
+                  <a:moveTo>
+                    <a:pt x="0" y="0"/>
+                  </a:moveTo>
+                  <a:lnTo>
+                    <a:pt x="2858013" y="0"/>
+                  </a:lnTo>
+                  <a:lnTo>
+                    <a:pt x="2858013" y="6866467"/>
+                  </a:lnTo>
+                  <a:lnTo>
+                    <a:pt x="2473942" y="6866467"/>
+                  </a:lnTo>
+                  <a:lnTo>
+                    <a:pt x="0" y="0"/>
+                  </a:lnTo>
+                  <a:close/>
+                </a:path>
+              </a:pathLst>
+            </a:custGeom>
+            <a:solidFill>
+              <a:schemeClr val="accent2">
+                <a:lumMod val="75000"/>
+                <a:alpha val="70000"/>
+              </a:schemeClr>
+            </a:solidFill>
+            <a:ln>
+              <a:noFill/>
+            </a:ln>
+            <a:effectLst/>
+          </p:spPr>
+          <p:style>
+            <a:lnRef idx="1">
+              <a:schemeClr val="accent1"/>
+            </a:lnRef>
+            <a:fillRef idx="3">
+              <a:schemeClr val="accent1"/>
+            </a:fillRef>
+            <a:effectRef idx="2">
+              <a:schemeClr val="accent1"/>
+            </a:effectRef>
+            <a:fontRef idx="minor">
+              <a:schemeClr val="lt1"/>
+            </a:fontRef>
+          </p:style>
+        </p:sp>
+        <p:sp>
+          <p:nvSpPr>
+            <p:cNvPr id="26" name="Rectangle 28"/>
+            <p:cNvSpPr/>
+            <p:nvPr/>
+          </p:nvSpPr>
+          <p:spPr>
+            <a:xfrm>
+              <a:off x="10898730" y="-8467"/>
+              <a:ext cx="1290094" cy="6866467"/>
+            </a:xfrm>
+            <a:custGeom>
+              <a:avLst/>
+              <a:gdLst/>
+              <a:ahLst/>
+              <a:cxnLst/>
+              <a:rect l="l" t="t" r="r" b="b"/>
+              <a:pathLst>
+                <a:path w="1290094" h="6858000">
+                  <a:moveTo>
+                    <a:pt x="1019735" y="0"/>
+                  </a:moveTo>
+                  <a:lnTo>
+                    <a:pt x="1290094" y="0"/>
+                  </a:lnTo>
+                  <a:lnTo>
+                    <a:pt x="1290094" y="6858000"/>
+                  </a:lnTo>
+                  <a:lnTo>
+                    <a:pt x="0" y="6858000"/>
+                  </a:lnTo>
+                  <a:lnTo>
+                    <a:pt x="1019735" y="0"/>
+                  </a:lnTo>
+                  <a:close/>
+                </a:path>
+              </a:pathLst>
+            </a:custGeom>
+            <a:solidFill>
+              <a:schemeClr val="accent1">
+                <a:lumMod val="60000"/>
+                <a:lumOff val="40000"/>
+                <a:alpha val="70000"/>
+              </a:schemeClr>
+            </a:solidFill>
+            <a:ln>
+              <a:noFill/>
+            </a:ln>
+            <a:effectLst/>
+          </p:spPr>
+          <p:style>
+            <a:lnRef idx="1">
+              <a:schemeClr val="accent1"/>
+            </a:lnRef>
+            <a:fillRef idx="3">
+              <a:schemeClr val="accent1"/>
+            </a:fillRef>
+            <a:effectRef idx="2">
+              <a:schemeClr val="accent1"/>
+            </a:effectRef>
+            <a:fontRef idx="minor">
+              <a:schemeClr val="lt1"/>
+            </a:fontRef>
+          </p:style>
+        </p:sp>
+        <p:sp>
+          <p:nvSpPr>
+            <p:cNvPr id="27" name="Rectangle 29"/>
+            <p:cNvSpPr/>
+            <p:nvPr/>
+          </p:nvSpPr>
+          <p:spPr>
+            <a:xfrm>
+              <a:off x="10938999" y="-8467"/>
+              <a:ext cx="1249825" cy="6866467"/>
+            </a:xfrm>
+            <a:custGeom>
+              <a:avLst/>
+              <a:gdLst/>
+              <a:ahLst/>
+              <a:cxnLst/>
+              <a:rect l="l" t="t" r="r" b="b"/>
+              <a:pathLst>
+                <a:path w="1249825" h="6858000">
+                  <a:moveTo>
+                    <a:pt x="0" y="0"/>
+                  </a:moveTo>
+                  <a:lnTo>
+                    <a:pt x="1249825" y="0"/>
+                  </a:lnTo>
+                  <a:lnTo>
+                    <a:pt x="1249825" y="6858000"/>
+                  </a:lnTo>
+                  <a:lnTo>
+                    <a:pt x="1109382" y="6858000"/>
+                  </a:lnTo>
+                  <a:lnTo>
+                    <a:pt x="0" y="0"/>
+                  </a:lnTo>
+                  <a:close/>
+                </a:path>
+              </a:pathLst>
+            </a:custGeom>
+            <a:solidFill>
+              <a:schemeClr val="accent1">
+                <a:alpha val="65000"/>
+              </a:schemeClr>
+            </a:solidFill>
+            <a:ln>
+              <a:noFill/>
+            </a:ln>
+            <a:effectLst/>
+          </p:spPr>
+          <p:style>
+            <a:lnRef idx="1">
+              <a:schemeClr val="accent1"/>
+            </a:lnRef>
+            <a:fillRef idx="3">
+              <a:schemeClr val="accent1"/>
+            </a:fillRef>
+            <a:effectRef idx="2">
+              <a:schemeClr val="accent1"/>
+            </a:effectRef>
+            <a:fontRef idx="minor">
+              <a:schemeClr val="lt1"/>
+            </a:fontRef>
+          </p:style>
+        </p:sp>
+        <p:sp>
+          <p:nvSpPr>
+            <p:cNvPr id="28" name="Isosceles Triangle 27"/>
+            <p:cNvSpPr/>
+            <p:nvPr/>
+          </p:nvSpPr>
+          <p:spPr>
+            <a:xfrm>
+              <a:off x="10371666" y="3589867"/>
+              <a:ext cx="1817159" cy="3268133"/>
+            </a:xfrm>
+            <a:prstGeom prst="triangle">
+              <a:avLst>
+                <a:gd name="adj" fmla="val 100000"/>
+              </a:avLst>
+            </a:prstGeom>
+            <a:solidFill>
+              <a:schemeClr val="accent1">
+                <a:alpha val="80000"/>
+              </a:schemeClr>
+            </a:solidFill>
+            <a:ln>
+              <a:noFill/>
+            </a:ln>
+            <a:effectLst/>
+          </p:spPr>
+          <p:style>
+            <a:lnRef idx="1">
+              <a:schemeClr val="accent1"/>
+            </a:lnRef>
+            <a:fillRef idx="3">
+              <a:schemeClr val="accent1"/>
+            </a:fillRef>
+            <a:effectRef idx="2">
+              <a:schemeClr val="accent1"/>
+            </a:effectRef>
+            <a:fontRef idx="minor">
+              <a:schemeClr val="lt1"/>
+            </a:fontRef>
+          </p:style>
+        </p:sp>
+        <p:sp>
+          <p:nvSpPr>
+            <p:cNvPr id="29" name="Isosceles Triangle 28"/>
+            <p:cNvSpPr/>
+            <p:nvPr/>
+          </p:nvSpPr>
+          <p:spPr>
+            <a:xfrm>
+              <a:off x="0" y="4013200"/>
+              <a:ext cx="448733" cy="2844800"/>
+            </a:xfrm>
+            <a:prstGeom prst="triangle">
+              <a:avLst>
+                <a:gd name="adj" fmla="val 0"/>
+              </a:avLst>
+            </a:prstGeom>
+            <a:solidFill>
+              <a:schemeClr val="accent1">
+                <a:alpha val="85000"/>
+              </a:schemeClr>
+            </a:solidFill>
+            <a:ln>
+              <a:noFill/>
+            </a:ln>
+            <a:effectLst/>
+          </p:spPr>
+          <p:style>
+            <a:lnRef idx="1">
+              <a:schemeClr val="accent1"/>
+            </a:lnRef>
+            <a:fillRef idx="3">
+              <a:schemeClr val="accent1"/>
+            </a:fillRef>
+            <a:effectRef idx="2">
+              <a:schemeClr val="accent1"/>
+            </a:effectRef>
+            <a:fontRef idx="minor">
+              <a:schemeClr val="lt1"/>
+            </a:fontRef>
+          </p:style>
+        </p:sp>
+      </p:grpSp>
       <p:sp>
         <p:nvSpPr>
           <p:cNvPr id="2" name="Title Placeholder 1"/>
@@ -2441,15 +5198,15 @@
         </p:nvSpPr>
         <p:spPr>
           <a:xfrm>
-            <a:off x="838200" y="365125"/>
-            <a:ext cx="10515600" cy="1325563"/>
+            <a:off x="677334" y="609600"/>
+            <a:ext cx="8596668" cy="1320800"/>
           </a:xfrm>
           <a:prstGeom prst="rect">
             <a:avLst/>
           </a:prstGeom>
         </p:spPr>
         <p:txBody>
-          <a:bodyPr vert="horz" lIns="91440" tIns="45720" rIns="91440" bIns="45720" rtlCol="0" anchor="ctr">
+          <a:bodyPr vert="horz" lIns="91440" tIns="45720" rIns="91440" bIns="45720" rtlCol="0" anchor="t">
             <a:normAutofit/>
           </a:bodyPr>
           <a:lstStyle/>
@@ -2458,7 +5215,7 @@
               <a:rPr lang="en-US" smtClean="0"/>
               <a:t>Click to edit Master title style</a:t>
             </a:r>
-            <a:endParaRPr lang="en-NZ"/>
+            <a:endParaRPr lang="en-US" dirty="0"/>
           </a:p>
         </p:txBody>
       </p:sp>
@@ -2474,8 +5231,8 @@
         </p:nvSpPr>
         <p:spPr>
           <a:xfrm>
-            <a:off x="838200" y="1825625"/>
-            <a:ext cx="10515600" cy="4351338"/>
+            <a:off x="677334" y="2160589"/>
+            <a:ext cx="8596668" cy="3880773"/>
           </a:xfrm>
           <a:prstGeom prst="rect">
             <a:avLst/>
@@ -2520,7 +5277,7 @@
               <a:rPr lang="en-US" smtClean="0"/>
               <a:t>Fifth level</a:t>
             </a:r>
-            <a:endParaRPr lang="en-NZ"/>
+            <a:endParaRPr lang="en-US" dirty="0"/>
           </a:p>
         </p:txBody>
       </p:sp>
@@ -2536,8 +5293,8 @@
         </p:nvSpPr>
         <p:spPr>
           <a:xfrm>
-            <a:off x="838200" y="6356350"/>
-            <a:ext cx="2743200" cy="365125"/>
+            <a:off x="7205133" y="6041362"/>
+            <a:ext cx="911939" cy="365125"/>
           </a:xfrm>
           <a:prstGeom prst="rect">
             <a:avLst/>
@@ -2546,8 +5303,8 @@
         <p:txBody>
           <a:bodyPr vert="horz" lIns="91440" tIns="45720" rIns="91440" bIns="45720" rtlCol="0" anchor="ctr"/>
           <a:lstStyle>
-            <a:lvl1pPr algn="l">
-              <a:defRPr sz="1200">
+            <a:lvl1pPr algn="r">
+              <a:defRPr sz="900">
                 <a:solidFill>
                   <a:schemeClr val="tx1">
                     <a:tint val="75000"/>
@@ -2577,8 +5334,8 @@
         </p:nvSpPr>
         <p:spPr>
           <a:xfrm>
-            <a:off x="4038600" y="6356350"/>
-            <a:ext cx="4114800" cy="365125"/>
+            <a:off x="677334" y="6041362"/>
+            <a:ext cx="6297612" cy="365125"/>
           </a:xfrm>
           <a:prstGeom prst="rect">
             <a:avLst/>
@@ -2587,8 +5344,8 @@
         <p:txBody>
           <a:bodyPr vert="horz" lIns="91440" tIns="45720" rIns="91440" bIns="45720" rtlCol="0" anchor="ctr"/>
           <a:lstStyle>
-            <a:lvl1pPr algn="ctr">
-              <a:defRPr sz="1200">
+            <a:lvl1pPr algn="l">
+              <a:defRPr sz="900">
                 <a:solidFill>
                   <a:schemeClr val="tx1">
                     <a:tint val="75000"/>
@@ -2614,8 +5371,8 @@
         </p:nvSpPr>
         <p:spPr>
           <a:xfrm>
-            <a:off x="8610600" y="6356350"/>
-            <a:ext cx="2743200" cy="365125"/>
+            <a:off x="8590663" y="6041362"/>
+            <a:ext cx="683339" cy="365125"/>
           </a:xfrm>
           <a:prstGeom prst="rect">
             <a:avLst/>
@@ -2625,11 +5382,9 @@
           <a:bodyPr vert="horz" lIns="91440" tIns="45720" rIns="91440" bIns="45720" rtlCol="0" anchor="ctr"/>
           <a:lstStyle>
             <a:lvl1pPr algn="r">
-              <a:defRPr sz="1200">
-                <a:solidFill>
-                  <a:schemeClr val="tx1">
-                    <a:tint val="75000"/>
-                  </a:schemeClr>
+              <a:defRPr sz="900">
+                <a:solidFill>
+                  <a:schemeClr val="accent1"/>
                 </a:solidFill>
               </a:defRPr>
             </a:lvl1pPr>
@@ -2646,201 +5401,322 @@
     </p:spTree>
     <p:extLst>
       <p:ext uri="{BB962C8B-B14F-4D97-AF65-F5344CB8AC3E}">
-        <p14:creationId xmlns:p14="http://schemas.microsoft.com/office/powerpoint/2010/main" val="2132656512"/>
+        <p14:creationId xmlns:p14="http://schemas.microsoft.com/office/powerpoint/2010/main" val="275977483"/>
       </p:ext>
     </p:extLst>
   </p:cSld>
   <p:clrMap bg1="lt1" tx1="dk1" bg2="lt2" tx2="dk2" accent1="accent1" accent2="accent2" accent3="accent3" accent4="accent4" accent5="accent5" accent6="accent6" hlink="hlink" folHlink="folHlink"/>
   <p:sldLayoutIdLst>
-    <p:sldLayoutId id="2147483649" r:id="rId1"/>
-    <p:sldLayoutId id="2147483650" r:id="rId2"/>
-    <p:sldLayoutId id="2147483651" r:id="rId3"/>
-    <p:sldLayoutId id="2147483652" r:id="rId4"/>
-    <p:sldLayoutId id="2147483653" r:id="rId5"/>
-    <p:sldLayoutId id="2147483654" r:id="rId6"/>
-    <p:sldLayoutId id="2147483655" r:id="rId7"/>
-    <p:sldLayoutId id="2147483656" r:id="rId8"/>
-    <p:sldLayoutId id="2147483657" r:id="rId9"/>
-    <p:sldLayoutId id="2147483658" r:id="rId10"/>
-    <p:sldLayoutId id="2147483659" r:id="rId11"/>
+    <p:sldLayoutId id="2147483661" r:id="rId1"/>
+    <p:sldLayoutId id="2147483662" r:id="rId2"/>
+    <p:sldLayoutId id="2147483663" r:id="rId3"/>
+    <p:sldLayoutId id="2147483664" r:id="rId4"/>
+    <p:sldLayoutId id="2147483665" r:id="rId5"/>
+    <p:sldLayoutId id="2147483666" r:id="rId6"/>
+    <p:sldLayoutId id="2147483667" r:id="rId7"/>
+    <p:sldLayoutId id="2147483668" r:id="rId8"/>
+    <p:sldLayoutId id="2147483669" r:id="rId9"/>
+    <p:sldLayoutId id="2147483670" r:id="rId10"/>
+    <p:sldLayoutId id="2147483671" r:id="rId11"/>
+    <p:sldLayoutId id="2147483672" r:id="rId12"/>
+    <p:sldLayoutId id="2147483673" r:id="rId13"/>
+    <p:sldLayoutId id="2147483674" r:id="rId14"/>
+    <p:sldLayoutId id="2147483675" r:id="rId15"/>
+    <p:sldLayoutId id="2147483676" r:id="rId16"/>
   </p:sldLayoutIdLst>
   <p:txStyles>
     <p:titleStyle>
-      <a:lvl1pPr algn="l" defTabSz="914400" rtl="0" eaLnBrk="1" latinLnBrk="0" hangingPunct="1">
-        <a:lnSpc>
-          <a:spcPct val="90000"/>
-        </a:lnSpc>
+      <a:lvl1pPr algn="l" defTabSz="457200" rtl="0" eaLnBrk="1" latinLnBrk="0" hangingPunct="1">
         <a:spcBef>
           <a:spcPct val="0"/>
         </a:spcBef>
         <a:buNone/>
-        <a:defRPr sz="4400" kern="1200">
+        <a:defRPr sz="3600" kern="1200">
           <a:solidFill>
-            <a:schemeClr val="tx1"/>
+            <a:schemeClr val="accent1"/>
           </a:solidFill>
           <a:latin typeface="+mj-lt"/>
           <a:ea typeface="+mj-ea"/>
           <a:cs typeface="+mj-cs"/>
         </a:defRPr>
       </a:lvl1pPr>
+      <a:lvl2pPr eaLnBrk="1" hangingPunct="1">
+        <a:defRPr>
+          <a:solidFill>
+            <a:schemeClr val="tx2"/>
+          </a:solidFill>
+        </a:defRPr>
+      </a:lvl2pPr>
+      <a:lvl3pPr eaLnBrk="1" hangingPunct="1">
+        <a:defRPr>
+          <a:solidFill>
+            <a:schemeClr val="tx2"/>
+          </a:solidFill>
+        </a:defRPr>
+      </a:lvl3pPr>
+      <a:lvl4pPr eaLnBrk="1" hangingPunct="1">
+        <a:defRPr>
+          <a:solidFill>
+            <a:schemeClr val="tx2"/>
+          </a:solidFill>
+        </a:defRPr>
+      </a:lvl4pPr>
+      <a:lvl5pPr eaLnBrk="1" hangingPunct="1">
+        <a:defRPr>
+          <a:solidFill>
+            <a:schemeClr val="tx2"/>
+          </a:solidFill>
+        </a:defRPr>
+      </a:lvl5pPr>
+      <a:lvl6pPr eaLnBrk="1" hangingPunct="1">
+        <a:defRPr>
+          <a:solidFill>
+            <a:schemeClr val="tx2"/>
+          </a:solidFill>
+        </a:defRPr>
+      </a:lvl6pPr>
+      <a:lvl7pPr eaLnBrk="1" hangingPunct="1">
+        <a:defRPr>
+          <a:solidFill>
+            <a:schemeClr val="tx2"/>
+          </a:solidFill>
+        </a:defRPr>
+      </a:lvl7pPr>
+      <a:lvl8pPr eaLnBrk="1" hangingPunct="1">
+        <a:defRPr>
+          <a:solidFill>
+            <a:schemeClr val="tx2"/>
+          </a:solidFill>
+        </a:defRPr>
+      </a:lvl8pPr>
+      <a:lvl9pPr eaLnBrk="1" hangingPunct="1">
+        <a:defRPr>
+          <a:solidFill>
+            <a:schemeClr val="tx2"/>
+          </a:solidFill>
+        </a:defRPr>
+      </a:lvl9pPr>
     </p:titleStyle>
     <p:bodyStyle>
-      <a:lvl1pPr marL="228600" indent="-228600" algn="l" defTabSz="914400" rtl="0" eaLnBrk="1" latinLnBrk="0" hangingPunct="1">
-        <a:lnSpc>
-          <a:spcPct val="90000"/>
-        </a:lnSpc>
+      <a:lvl1pPr marL="342900" indent="-342900" algn="l" defTabSz="457200" rtl="0" eaLnBrk="1" latinLnBrk="0" hangingPunct="1">
         <a:spcBef>
           <a:spcPts val="1000"/>
         </a:spcBef>
-        <a:buFont typeface="Arial" panose="020B0604020202020204" pitchFamily="34" charset="0"/>
-        <a:buChar char="•"/>
-        <a:defRPr sz="2800" kern="1200">
+        <a:spcAft>
+          <a:spcPts val="0"/>
+        </a:spcAft>
+        <a:buClr>
+          <a:schemeClr val="accent1"/>
+        </a:buClr>
+        <a:buSzPct val="80000"/>
+        <a:buFont typeface="Wingdings 3" charset="2"/>
+        <a:buChar char=""/>
+        <a:defRPr sz="1800" kern="1200">
           <a:solidFill>
-            <a:schemeClr val="tx1"/>
+            <a:schemeClr val="tx1">
+              <a:lumMod val="75000"/>
+              <a:lumOff val="25000"/>
+            </a:schemeClr>
           </a:solidFill>
           <a:latin typeface="+mn-lt"/>
           <a:ea typeface="+mn-ea"/>
           <a:cs typeface="+mn-cs"/>
         </a:defRPr>
       </a:lvl1pPr>
-      <a:lvl2pPr marL="685800" indent="-228600" algn="l" defTabSz="914400" rtl="0" eaLnBrk="1" latinLnBrk="0" hangingPunct="1">
-        <a:lnSpc>
-          <a:spcPct val="90000"/>
-        </a:lnSpc>
+      <a:lvl2pPr marL="742950" indent="-285750" algn="l" defTabSz="457200" rtl="0" eaLnBrk="1" latinLnBrk="0" hangingPunct="1">
         <a:spcBef>
-          <a:spcPts val="500"/>
+          <a:spcPts val="1000"/>
         </a:spcBef>
-        <a:buFont typeface="Arial" panose="020B0604020202020204" pitchFamily="34" charset="0"/>
-        <a:buChar char="•"/>
-        <a:defRPr sz="2400" kern="1200">
+        <a:spcAft>
+          <a:spcPts val="0"/>
+        </a:spcAft>
+        <a:buClr>
+          <a:schemeClr val="accent1"/>
+        </a:buClr>
+        <a:buSzPct val="80000"/>
+        <a:buFont typeface="Wingdings 3" charset="2"/>
+        <a:buChar char=""/>
+        <a:defRPr sz="1600" kern="1200">
           <a:solidFill>
-            <a:schemeClr val="tx1"/>
+            <a:schemeClr val="tx1">
+              <a:lumMod val="75000"/>
+              <a:lumOff val="25000"/>
+            </a:schemeClr>
           </a:solidFill>
           <a:latin typeface="+mn-lt"/>
           <a:ea typeface="+mn-ea"/>
           <a:cs typeface="+mn-cs"/>
         </a:defRPr>
       </a:lvl2pPr>
-      <a:lvl3pPr marL="1143000" indent="-228600" algn="l" defTabSz="914400" rtl="0" eaLnBrk="1" latinLnBrk="0" hangingPunct="1">
-        <a:lnSpc>
-          <a:spcPct val="90000"/>
-        </a:lnSpc>
+      <a:lvl3pPr marL="1143000" indent="-228600" algn="l" defTabSz="457200" rtl="0" eaLnBrk="1" latinLnBrk="0" hangingPunct="1">
         <a:spcBef>
-          <a:spcPts val="500"/>
+          <a:spcPts val="1000"/>
         </a:spcBef>
-        <a:buFont typeface="Arial" panose="020B0604020202020204" pitchFamily="34" charset="0"/>
-        <a:buChar char="•"/>
-        <a:defRPr sz="2000" kern="1200">
+        <a:spcAft>
+          <a:spcPts val="0"/>
+        </a:spcAft>
+        <a:buClr>
+          <a:schemeClr val="accent1"/>
+        </a:buClr>
+        <a:buSzPct val="80000"/>
+        <a:buFont typeface="Wingdings 3" charset="2"/>
+        <a:buChar char=""/>
+        <a:defRPr sz="1400" kern="1200">
           <a:solidFill>
-            <a:schemeClr val="tx1"/>
+            <a:schemeClr val="tx1">
+              <a:lumMod val="75000"/>
+              <a:lumOff val="25000"/>
+            </a:schemeClr>
           </a:solidFill>
           <a:latin typeface="+mn-lt"/>
           <a:ea typeface="+mn-ea"/>
           <a:cs typeface="+mn-cs"/>
         </a:defRPr>
       </a:lvl3pPr>
-      <a:lvl4pPr marL="1600200" indent="-228600" algn="l" defTabSz="914400" rtl="0" eaLnBrk="1" latinLnBrk="0" hangingPunct="1">
-        <a:lnSpc>
-          <a:spcPct val="90000"/>
-        </a:lnSpc>
+      <a:lvl4pPr marL="1600200" indent="-228600" algn="l" defTabSz="457200" rtl="0" eaLnBrk="1" latinLnBrk="0" hangingPunct="1">
         <a:spcBef>
-          <a:spcPts val="500"/>
+          <a:spcPts val="1000"/>
         </a:spcBef>
-        <a:buFont typeface="Arial" panose="020B0604020202020204" pitchFamily="34" charset="0"/>
-        <a:buChar char="•"/>
-        <a:defRPr sz="1800" kern="1200">
+        <a:spcAft>
+          <a:spcPts val="0"/>
+        </a:spcAft>
+        <a:buClr>
+          <a:schemeClr val="accent1"/>
+        </a:buClr>
+        <a:buSzPct val="80000"/>
+        <a:buFont typeface="Wingdings 3" charset="2"/>
+        <a:buChar char=""/>
+        <a:defRPr sz="1200" kern="1200">
           <a:solidFill>
-            <a:schemeClr val="tx1"/>
+            <a:schemeClr val="tx1">
+              <a:lumMod val="75000"/>
+              <a:lumOff val="25000"/>
+            </a:schemeClr>
           </a:solidFill>
           <a:latin typeface="+mn-lt"/>
           <a:ea typeface="+mn-ea"/>
           <a:cs typeface="+mn-cs"/>
         </a:defRPr>
       </a:lvl4pPr>
-      <a:lvl5pPr marL="2057400" indent="-228600" algn="l" defTabSz="914400" rtl="0" eaLnBrk="1" latinLnBrk="0" hangingPunct="1">
-        <a:lnSpc>
-          <a:spcPct val="90000"/>
-        </a:lnSpc>
+      <a:lvl5pPr marL="2057400" indent="-228600" algn="l" defTabSz="457200" rtl="0" eaLnBrk="1" latinLnBrk="0" hangingPunct="1">
         <a:spcBef>
-          <a:spcPts val="500"/>
+          <a:spcPts val="1000"/>
         </a:spcBef>
-        <a:buFont typeface="Arial" panose="020B0604020202020204" pitchFamily="34" charset="0"/>
-        <a:buChar char="•"/>
-        <a:defRPr sz="1800" kern="1200">
+        <a:spcAft>
+          <a:spcPts val="0"/>
+        </a:spcAft>
+        <a:buClr>
+          <a:schemeClr val="accent1"/>
+        </a:buClr>
+        <a:buSzPct val="80000"/>
+        <a:buFont typeface="Wingdings 3" charset="2"/>
+        <a:buChar char=""/>
+        <a:defRPr sz="1200" kern="1200">
           <a:solidFill>
-            <a:schemeClr val="tx1"/>
+            <a:schemeClr val="tx1">
+              <a:lumMod val="75000"/>
+              <a:lumOff val="25000"/>
+            </a:schemeClr>
           </a:solidFill>
           <a:latin typeface="+mn-lt"/>
           <a:ea typeface="+mn-ea"/>
           <a:cs typeface="+mn-cs"/>
         </a:defRPr>
       </a:lvl5pPr>
-      <a:lvl6pPr marL="2514600" indent="-228600" algn="l" defTabSz="914400" rtl="0" eaLnBrk="1" latinLnBrk="0" hangingPunct="1">
-        <a:lnSpc>
-          <a:spcPct val="90000"/>
-        </a:lnSpc>
+      <a:lvl6pPr marL="2514600" indent="-228600" algn="l" defTabSz="457200" rtl="0" eaLnBrk="1" latinLnBrk="0" hangingPunct="1">
         <a:spcBef>
-          <a:spcPts val="500"/>
+          <a:spcPts val="1000"/>
         </a:spcBef>
-        <a:buFont typeface="Arial" panose="020B0604020202020204" pitchFamily="34" charset="0"/>
-        <a:buChar char="•"/>
-        <a:defRPr sz="1800" kern="1200">
+        <a:spcAft>
+          <a:spcPts val="0"/>
+        </a:spcAft>
+        <a:buClr>
+          <a:schemeClr val="accent1"/>
+        </a:buClr>
+        <a:buSzPct val="80000"/>
+        <a:buFont typeface="Wingdings 3" charset="2"/>
+        <a:buChar char=""/>
+        <a:defRPr sz="1200" kern="1200">
           <a:solidFill>
-            <a:schemeClr val="tx1"/>
+            <a:schemeClr val="tx1">
+              <a:lumMod val="75000"/>
+              <a:lumOff val="25000"/>
+            </a:schemeClr>
           </a:solidFill>
           <a:latin typeface="+mn-lt"/>
           <a:ea typeface="+mn-ea"/>
           <a:cs typeface="+mn-cs"/>
         </a:defRPr>
       </a:lvl6pPr>
-      <a:lvl7pPr marL="2971800" indent="-228600" algn="l" defTabSz="914400" rtl="0" eaLnBrk="1" latinLnBrk="0" hangingPunct="1">
-        <a:lnSpc>
-          <a:spcPct val="90000"/>
-        </a:lnSpc>
+      <a:lvl7pPr marL="2971800" indent="-228600" algn="l" defTabSz="457200" rtl="0" eaLnBrk="1" latinLnBrk="0" hangingPunct="1">
         <a:spcBef>
-          <a:spcPts val="500"/>
+          <a:spcPts val="1000"/>
         </a:spcBef>
-        <a:buFont typeface="Arial" panose="020B0604020202020204" pitchFamily="34" charset="0"/>
-        <a:buChar char="•"/>
-        <a:defRPr sz="1800" kern="1200">
+        <a:spcAft>
+          <a:spcPts val="0"/>
+        </a:spcAft>
+        <a:buClr>
+          <a:schemeClr val="accent1"/>
+        </a:buClr>
+        <a:buSzPct val="80000"/>
+        <a:buFont typeface="Wingdings 3" charset="2"/>
+        <a:buChar char=""/>
+        <a:defRPr sz="1200" kern="1200">
           <a:solidFill>
-            <a:schemeClr val="tx1"/>
+            <a:schemeClr val="tx1">
+              <a:lumMod val="75000"/>
+              <a:lumOff val="25000"/>
+            </a:schemeClr>
           </a:solidFill>
           <a:latin typeface="+mn-lt"/>
           <a:ea typeface="+mn-ea"/>
           <a:cs typeface="+mn-cs"/>
         </a:defRPr>
       </a:lvl7pPr>
-      <a:lvl8pPr marL="3429000" indent="-228600" algn="l" defTabSz="914400" rtl="0" eaLnBrk="1" latinLnBrk="0" hangingPunct="1">
-        <a:lnSpc>
-          <a:spcPct val="90000"/>
-        </a:lnSpc>
+      <a:lvl8pPr marL="3429000" indent="-228600" algn="l" defTabSz="457200" rtl="0" eaLnBrk="1" latinLnBrk="0" hangingPunct="1">
         <a:spcBef>
-          <a:spcPts val="500"/>
+          <a:spcPts val="1000"/>
         </a:spcBef>
-        <a:buFont typeface="Arial" panose="020B0604020202020204" pitchFamily="34" charset="0"/>
-        <a:buChar char="•"/>
-        <a:defRPr sz="1800" kern="1200">
+        <a:spcAft>
+          <a:spcPts val="0"/>
+        </a:spcAft>
+        <a:buClr>
+          <a:schemeClr val="accent1"/>
+        </a:buClr>
+        <a:buSzPct val="80000"/>
+        <a:buFont typeface="Wingdings 3" charset="2"/>
+        <a:buChar char=""/>
+        <a:defRPr sz="1200" kern="1200">
           <a:solidFill>
-            <a:schemeClr val="tx1"/>
+            <a:schemeClr val="tx1">
+              <a:lumMod val="75000"/>
+              <a:lumOff val="25000"/>
+            </a:schemeClr>
           </a:solidFill>
           <a:latin typeface="+mn-lt"/>
           <a:ea typeface="+mn-ea"/>
           <a:cs typeface="+mn-cs"/>
         </a:defRPr>
       </a:lvl8pPr>
-      <a:lvl9pPr marL="3886200" indent="-228600" algn="l" defTabSz="914400" rtl="0" eaLnBrk="1" latinLnBrk="0" hangingPunct="1">
-        <a:lnSpc>
-          <a:spcPct val="90000"/>
-        </a:lnSpc>
+      <a:lvl9pPr marL="3886200" indent="-228600" algn="l" defTabSz="457200" rtl="0" eaLnBrk="1" latinLnBrk="0" hangingPunct="1">
         <a:spcBef>
-          <a:spcPts val="500"/>
+          <a:spcPts val="1000"/>
         </a:spcBef>
-        <a:buFont typeface="Arial" panose="020B0604020202020204" pitchFamily="34" charset="0"/>
-        <a:buChar char="•"/>
-        <a:defRPr sz="1800" kern="1200">
+        <a:spcAft>
+          <a:spcPts val="0"/>
+        </a:spcAft>
+        <a:buClr>
+          <a:schemeClr val="accent1"/>
+        </a:buClr>
+        <a:buSzPct val="80000"/>
+        <a:buFont typeface="Wingdings 3" charset="2"/>
+        <a:buChar char=""/>
+        <a:defRPr sz="1200" kern="1200">
           <a:solidFill>
-            <a:schemeClr val="tx1"/>
+            <a:schemeClr val="tx1">
+              <a:lumMod val="75000"/>
+              <a:lumOff val="25000"/>
+            </a:schemeClr>
           </a:solidFill>
           <a:latin typeface="+mn-lt"/>
           <a:ea typeface="+mn-ea"/>
@@ -2852,7 +5728,7 @@
       <a:defPPr>
         <a:defRPr lang="en-US"/>
       </a:defPPr>
-      <a:lvl1pPr marL="0" algn="l" defTabSz="914400" rtl="0" eaLnBrk="1" latinLnBrk="0" hangingPunct="1">
+      <a:lvl1pPr marL="0" algn="l" defTabSz="457200" rtl="0" eaLnBrk="1" latinLnBrk="0" hangingPunct="1">
         <a:defRPr sz="1800" kern="1200">
           <a:solidFill>
             <a:schemeClr val="tx1"/>
@@ -2862,7 +5738,7 @@
           <a:cs typeface="+mn-cs"/>
         </a:defRPr>
       </a:lvl1pPr>
-      <a:lvl2pPr marL="457200" algn="l" defTabSz="914400" rtl="0" eaLnBrk="1" latinLnBrk="0" hangingPunct="1">
+      <a:lvl2pPr marL="457200" algn="l" defTabSz="457200" rtl="0" eaLnBrk="1" latinLnBrk="0" hangingPunct="1">
         <a:defRPr sz="1800" kern="1200">
           <a:solidFill>
             <a:schemeClr val="tx1"/>
@@ -2872,7 +5748,7 @@
           <a:cs typeface="+mn-cs"/>
         </a:defRPr>
       </a:lvl2pPr>
-      <a:lvl3pPr marL="914400" algn="l" defTabSz="914400" rtl="0" eaLnBrk="1" latinLnBrk="0" hangingPunct="1">
+      <a:lvl3pPr marL="914400" algn="l" defTabSz="457200" rtl="0" eaLnBrk="1" latinLnBrk="0" hangingPunct="1">
         <a:defRPr sz="1800" kern="1200">
           <a:solidFill>
             <a:schemeClr val="tx1"/>
@@ -2882,7 +5758,7 @@
           <a:cs typeface="+mn-cs"/>
         </a:defRPr>
       </a:lvl3pPr>
-      <a:lvl4pPr marL="1371600" algn="l" defTabSz="914400" rtl="0" eaLnBrk="1" latinLnBrk="0" hangingPunct="1">
+      <a:lvl4pPr marL="1371600" algn="l" defTabSz="457200" rtl="0" eaLnBrk="1" latinLnBrk="0" hangingPunct="1">
         <a:defRPr sz="1800" kern="1200">
           <a:solidFill>
             <a:schemeClr val="tx1"/>
@@ -2892,7 +5768,7 @@
           <a:cs typeface="+mn-cs"/>
         </a:defRPr>
       </a:lvl4pPr>
-      <a:lvl5pPr marL="1828800" algn="l" defTabSz="914400" rtl="0" eaLnBrk="1" latinLnBrk="0" hangingPunct="1">
+      <a:lvl5pPr marL="1828800" algn="l" defTabSz="457200" rtl="0" eaLnBrk="1" latinLnBrk="0" hangingPunct="1">
         <a:defRPr sz="1800" kern="1200">
           <a:solidFill>
             <a:schemeClr val="tx1"/>
@@ -2902,7 +5778,7 @@
           <a:cs typeface="+mn-cs"/>
         </a:defRPr>
       </a:lvl5pPr>
-      <a:lvl6pPr marL="2286000" algn="l" defTabSz="914400" rtl="0" eaLnBrk="1" latinLnBrk="0" hangingPunct="1">
+      <a:lvl6pPr marL="2286000" algn="l" defTabSz="457200" rtl="0" eaLnBrk="1" latinLnBrk="0" hangingPunct="1">
         <a:defRPr sz="1800" kern="1200">
           <a:solidFill>
             <a:schemeClr val="tx1"/>
@@ -2912,7 +5788,7 @@
           <a:cs typeface="+mn-cs"/>
         </a:defRPr>
       </a:lvl6pPr>
-      <a:lvl7pPr marL="2743200" algn="l" defTabSz="914400" rtl="0" eaLnBrk="1" latinLnBrk="0" hangingPunct="1">
+      <a:lvl7pPr marL="2743200" algn="l" defTabSz="457200" rtl="0" eaLnBrk="1" latinLnBrk="0" hangingPunct="1">
         <a:defRPr sz="1800" kern="1200">
           <a:solidFill>
             <a:schemeClr val="tx1"/>
@@ -2922,7 +5798,7 @@
           <a:cs typeface="+mn-cs"/>
         </a:defRPr>
       </a:lvl7pPr>
-      <a:lvl8pPr marL="3200400" algn="l" defTabSz="914400" rtl="0" eaLnBrk="1" latinLnBrk="0" hangingPunct="1">
+      <a:lvl8pPr marL="3200400" algn="l" defTabSz="457200" rtl="0" eaLnBrk="1" latinLnBrk="0" hangingPunct="1">
         <a:defRPr sz="1800" kern="1200">
           <a:solidFill>
             <a:schemeClr val="tx1"/>
@@ -2932,7 +5808,7 @@
           <a:cs typeface="+mn-cs"/>
         </a:defRPr>
       </a:lvl8pPr>
-      <a:lvl9pPr marL="3657600" algn="l" defTabSz="914400" rtl="0" eaLnBrk="1" latinLnBrk="0" hangingPunct="1">
+      <a:lvl9pPr marL="3657600" algn="l" defTabSz="457200" rtl="0" eaLnBrk="1" latinLnBrk="0" hangingPunct="1">
         <a:defRPr sz="1800" kern="1200">
           <a:solidFill>
             <a:schemeClr val="tx1"/>
@@ -2979,7 +5855,11 @@
           <a:bodyPr/>
           <a:lstStyle/>
           <a:p>
-            <a:endParaRPr lang="en-NZ"/>
+            <a:r>
+              <a:rPr lang="en-NZ" dirty="0" smtClean="0"/>
+              <a:t>Employee Cybersecurity Training</a:t>
+            </a:r>
+            <a:endParaRPr lang="en-NZ" dirty="0"/>
           </a:p>
         </p:txBody>
       </p:sp>
@@ -2998,7 +5878,11 @@
           <a:bodyPr/>
           <a:lstStyle/>
           <a:p>
-            <a:endParaRPr lang="en-NZ"/>
+            <a:r>
+              <a:rPr lang="en-NZ" dirty="0" smtClean="0"/>
+              <a:t>The importance of ensuring employee knowledge of Information Technology and Cybersecurity systems</a:t>
+            </a:r>
+            <a:endParaRPr lang="en-NZ" dirty="0"/>
           </a:p>
         </p:txBody>
       </p:sp>
@@ -3012,13 +5896,841 @@
   <p:clrMapOvr>
     <a:masterClrMapping/>
   </p:clrMapOvr>
+  <p:timing>
+    <p:tnLst>
+      <p:par>
+        <p:cTn id="1" dur="indefinite" restart="never" nodeType="tmRoot"/>
+      </p:par>
+    </p:tnLst>
+  </p:timing>
+</p:sld>
+</file>
+
+<file path=ppt/slides/slide10.xml><?xml version="1.0" encoding="utf-8"?>
+<p:sld xmlns:a="http://schemas.openxmlformats.org/drawingml/2006/main" xmlns:r="http://schemas.openxmlformats.org/officeDocument/2006/relationships" xmlns:p="http://schemas.openxmlformats.org/presentationml/2006/main">
+  <p:cSld>
+    <p:spTree>
+      <p:nvGrpSpPr>
+        <p:cNvPr id="1" name=""/>
+        <p:cNvGrpSpPr/>
+        <p:nvPr/>
+      </p:nvGrpSpPr>
+      <p:grpSpPr>
+        <a:xfrm>
+          <a:off x="0" y="0"/>
+          <a:ext cx="0" cy="0"/>
+          <a:chOff x="0" y="0"/>
+          <a:chExt cx="0" cy="0"/>
+        </a:xfrm>
+      </p:grpSpPr>
+      <p:sp>
+        <p:nvSpPr>
+          <p:cNvPr id="2" name="Title 1"/>
+          <p:cNvSpPr>
+            <a:spLocks noGrp="1"/>
+          </p:cNvSpPr>
+          <p:nvPr>
+            <p:ph type="ctrTitle"/>
+          </p:nvPr>
+        </p:nvSpPr>
+        <p:spPr>
+          <a:xfrm>
+            <a:off x="1003214" y="2404531"/>
+            <a:ext cx="7766936" cy="1646302"/>
+          </a:xfrm>
+        </p:spPr>
+        <p:txBody>
+          <a:bodyPr/>
+          <a:lstStyle/>
+          <a:p>
+            <a:r>
+              <a:rPr lang="en-NZ" dirty="0" smtClean="0"/>
+              <a:t>Overall Conclusion and Recommendations</a:t>
+            </a:r>
+            <a:endParaRPr lang="en-NZ" dirty="0"/>
+          </a:p>
+        </p:txBody>
+      </p:sp>
+    </p:spTree>
+    <p:extLst>
+      <p:ext uri="{BB962C8B-B14F-4D97-AF65-F5344CB8AC3E}">
+        <p14:creationId xmlns:p14="http://schemas.microsoft.com/office/powerpoint/2010/main" val="2399212351"/>
+      </p:ext>
+    </p:extLst>
+  </p:cSld>
+  <p:clrMapOvr>
+    <a:masterClrMapping/>
+  </p:clrMapOvr>
+  <p:timing>
+    <p:tnLst>
+      <p:par>
+        <p:cTn id="1" dur="indefinite" restart="never" nodeType="tmRoot"/>
+      </p:par>
+    </p:tnLst>
+  </p:timing>
+</p:sld>
+</file>
+
+<file path=ppt/slides/slide11.xml><?xml version="1.0" encoding="utf-8"?>
+<p:sld xmlns:a="http://schemas.openxmlformats.org/drawingml/2006/main" xmlns:r="http://schemas.openxmlformats.org/officeDocument/2006/relationships" xmlns:p="http://schemas.openxmlformats.org/presentationml/2006/main">
+  <p:cSld>
+    <p:spTree>
+      <p:nvGrpSpPr>
+        <p:cNvPr id="1" name=""/>
+        <p:cNvGrpSpPr/>
+        <p:nvPr/>
+      </p:nvGrpSpPr>
+      <p:grpSpPr>
+        <a:xfrm>
+          <a:off x="0" y="0"/>
+          <a:ext cx="0" cy="0"/>
+          <a:chOff x="0" y="0"/>
+          <a:chExt cx="0" cy="0"/>
+        </a:xfrm>
+      </p:grpSpPr>
+      <p:sp>
+        <p:nvSpPr>
+          <p:cNvPr id="2" name="Title 1"/>
+          <p:cNvSpPr>
+            <a:spLocks noGrp="1"/>
+          </p:cNvSpPr>
+          <p:nvPr>
+            <p:ph type="title"/>
+          </p:nvPr>
+        </p:nvSpPr>
+        <p:spPr/>
+        <p:txBody>
+          <a:bodyPr/>
+          <a:lstStyle/>
+          <a:p>
+            <a:r>
+              <a:rPr lang="en-NZ" dirty="0" smtClean="0"/>
+              <a:t>Would I recommend the expansion of Employee Training?</a:t>
+            </a:r>
+            <a:endParaRPr lang="en-NZ" dirty="0"/>
+          </a:p>
+        </p:txBody>
+      </p:sp>
+      <p:sp>
+        <p:nvSpPr>
+          <p:cNvPr id="3" name="Content Placeholder 2"/>
+          <p:cNvSpPr>
+            <a:spLocks noGrp="1"/>
+          </p:cNvSpPr>
+          <p:nvPr>
+            <p:ph idx="1"/>
+          </p:nvPr>
+        </p:nvSpPr>
+        <p:spPr/>
+        <p:txBody>
+          <a:bodyPr/>
+          <a:lstStyle/>
+          <a:p>
+            <a:r>
+              <a:rPr lang="en-NZ" dirty="0" smtClean="0"/>
+              <a:t>&gt;&gt;yes lol</a:t>
+            </a:r>
+            <a:endParaRPr lang="en-NZ" dirty="0"/>
+          </a:p>
+        </p:txBody>
+      </p:sp>
+    </p:spTree>
+    <p:extLst>
+      <p:ext uri="{BB962C8B-B14F-4D97-AF65-F5344CB8AC3E}">
+        <p14:creationId xmlns:p14="http://schemas.microsoft.com/office/powerpoint/2010/main" val="3817835258"/>
+      </p:ext>
+    </p:extLst>
+  </p:cSld>
+  <p:clrMapOvr>
+    <a:masterClrMapping/>
+  </p:clrMapOvr>
+  <p:timing>
+    <p:tnLst>
+      <p:par>
+        <p:cTn id="1" dur="indefinite" restart="never" nodeType="tmRoot"/>
+      </p:par>
+    </p:tnLst>
+  </p:timing>
+</p:sld>
+</file>
+
+<file path=ppt/slides/slide12.xml><?xml version="1.0" encoding="utf-8"?>
+<p:sld xmlns:a="http://schemas.openxmlformats.org/drawingml/2006/main" xmlns:r="http://schemas.openxmlformats.org/officeDocument/2006/relationships" xmlns:p="http://schemas.openxmlformats.org/presentationml/2006/main">
+  <p:cSld>
+    <p:spTree>
+      <p:nvGrpSpPr>
+        <p:cNvPr id="1" name=""/>
+        <p:cNvGrpSpPr/>
+        <p:nvPr/>
+      </p:nvGrpSpPr>
+      <p:grpSpPr>
+        <a:xfrm>
+          <a:off x="0" y="0"/>
+          <a:ext cx="0" cy="0"/>
+          <a:chOff x="0" y="0"/>
+          <a:chExt cx="0" cy="0"/>
+        </a:xfrm>
+      </p:grpSpPr>
+      <p:sp>
+        <p:nvSpPr>
+          <p:cNvPr id="2" name="Title 1"/>
+          <p:cNvSpPr>
+            <a:spLocks noGrp="1"/>
+          </p:cNvSpPr>
+          <p:nvPr>
+            <p:ph type="ctrTitle"/>
+          </p:nvPr>
+        </p:nvSpPr>
+        <p:spPr>
+          <a:xfrm>
+            <a:off x="4264089" y="2087293"/>
+            <a:ext cx="1753530" cy="1646302"/>
+          </a:xfrm>
+        </p:spPr>
+        <p:txBody>
+          <a:bodyPr/>
+          <a:lstStyle/>
+          <a:p>
+            <a:r>
+              <a:rPr lang="en-NZ" dirty="0" smtClean="0"/>
+              <a:t>Fin.</a:t>
+            </a:r>
+            <a:endParaRPr lang="en-NZ" dirty="0"/>
+          </a:p>
+        </p:txBody>
+      </p:sp>
+    </p:spTree>
+    <p:extLst>
+      <p:ext uri="{BB962C8B-B14F-4D97-AF65-F5344CB8AC3E}">
+        <p14:creationId xmlns:p14="http://schemas.microsoft.com/office/powerpoint/2010/main" val="1819870"/>
+      </p:ext>
+    </p:extLst>
+  </p:cSld>
+  <p:clrMapOvr>
+    <a:masterClrMapping/>
+  </p:clrMapOvr>
+  <p:timing>
+    <p:tnLst>
+      <p:par>
+        <p:cTn id="1" dur="indefinite" restart="never" nodeType="tmRoot"/>
+      </p:par>
+    </p:tnLst>
+  </p:timing>
+</p:sld>
+</file>
+
+<file path=ppt/slides/slide2.xml><?xml version="1.0" encoding="utf-8"?>
+<p:sld xmlns:a="http://schemas.openxmlformats.org/drawingml/2006/main" xmlns:r="http://schemas.openxmlformats.org/officeDocument/2006/relationships" xmlns:p="http://schemas.openxmlformats.org/presentationml/2006/main">
+  <p:cSld>
+    <p:spTree>
+      <p:nvGrpSpPr>
+        <p:cNvPr id="1" name=""/>
+        <p:cNvGrpSpPr/>
+        <p:nvPr/>
+      </p:nvGrpSpPr>
+      <p:grpSpPr>
+        <a:xfrm>
+          <a:off x="0" y="0"/>
+          <a:ext cx="0" cy="0"/>
+          <a:chOff x="0" y="0"/>
+          <a:chExt cx="0" cy="0"/>
+        </a:xfrm>
+      </p:grpSpPr>
+      <p:sp>
+        <p:nvSpPr>
+          <p:cNvPr id="2" name="Title 1"/>
+          <p:cNvSpPr>
+            <a:spLocks noGrp="1"/>
+          </p:cNvSpPr>
+          <p:nvPr>
+            <p:ph type="title"/>
+          </p:nvPr>
+        </p:nvSpPr>
+        <p:spPr/>
+        <p:txBody>
+          <a:bodyPr>
+            <a:normAutofit/>
+          </a:bodyPr>
+          <a:lstStyle/>
+          <a:p>
+            <a:r>
+              <a:rPr lang="en-NZ" sz="4800" dirty="0" smtClean="0"/>
+              <a:t>What is Cybersecurity?</a:t>
+            </a:r>
+            <a:endParaRPr lang="en-NZ" sz="4800" dirty="0"/>
+          </a:p>
+        </p:txBody>
+      </p:sp>
+      <p:sp>
+        <p:nvSpPr>
+          <p:cNvPr id="3" name="Content Placeholder 2"/>
+          <p:cNvSpPr>
+            <a:spLocks noGrp="1"/>
+          </p:cNvSpPr>
+          <p:nvPr>
+            <p:ph idx="1"/>
+          </p:nvPr>
+        </p:nvSpPr>
+        <p:spPr/>
+        <p:txBody>
+          <a:bodyPr/>
+          <a:lstStyle/>
+          <a:p>
+            <a:endParaRPr lang="en-NZ" dirty="0"/>
+          </a:p>
+        </p:txBody>
+      </p:sp>
+    </p:spTree>
+    <p:extLst>
+      <p:ext uri="{BB962C8B-B14F-4D97-AF65-F5344CB8AC3E}">
+        <p14:creationId xmlns:p14="http://schemas.microsoft.com/office/powerpoint/2010/main" val="3886198995"/>
+      </p:ext>
+    </p:extLst>
+  </p:cSld>
+  <p:clrMapOvr>
+    <a:masterClrMapping/>
+  </p:clrMapOvr>
+  <p:timing>
+    <p:tnLst>
+      <p:par>
+        <p:cTn id="1" dur="indefinite" restart="never" nodeType="tmRoot"/>
+      </p:par>
+    </p:tnLst>
+  </p:timing>
+</p:sld>
+</file>
+
+<file path=ppt/slides/slide3.xml><?xml version="1.0" encoding="utf-8"?>
+<p:sld xmlns:a="http://schemas.openxmlformats.org/drawingml/2006/main" xmlns:r="http://schemas.openxmlformats.org/officeDocument/2006/relationships" xmlns:p="http://schemas.openxmlformats.org/presentationml/2006/main">
+  <p:cSld>
+    <p:spTree>
+      <p:nvGrpSpPr>
+        <p:cNvPr id="1" name=""/>
+        <p:cNvGrpSpPr/>
+        <p:nvPr/>
+      </p:nvGrpSpPr>
+      <p:grpSpPr>
+        <a:xfrm>
+          <a:off x="0" y="0"/>
+          <a:ext cx="0" cy="0"/>
+          <a:chOff x="0" y="0"/>
+          <a:chExt cx="0" cy="0"/>
+        </a:xfrm>
+      </p:grpSpPr>
+      <p:sp>
+        <p:nvSpPr>
+          <p:cNvPr id="2" name="Title 1"/>
+          <p:cNvSpPr>
+            <a:spLocks noGrp="1"/>
+          </p:cNvSpPr>
+          <p:nvPr>
+            <p:ph type="title"/>
+          </p:nvPr>
+        </p:nvSpPr>
+        <p:spPr/>
+        <p:txBody>
+          <a:bodyPr>
+            <a:noAutofit/>
+          </a:bodyPr>
+          <a:lstStyle/>
+          <a:p>
+            <a:r>
+              <a:rPr lang="en-NZ" sz="4400" dirty="0" smtClean="0"/>
+              <a:t>Why is Cybersecurity important?</a:t>
+            </a:r>
+            <a:endParaRPr lang="en-NZ" sz="4400" dirty="0"/>
+          </a:p>
+        </p:txBody>
+      </p:sp>
+      <p:sp>
+        <p:nvSpPr>
+          <p:cNvPr id="3" name="Content Placeholder 2"/>
+          <p:cNvSpPr>
+            <a:spLocks noGrp="1"/>
+          </p:cNvSpPr>
+          <p:nvPr>
+            <p:ph idx="1"/>
+          </p:nvPr>
+        </p:nvSpPr>
+        <p:spPr/>
+        <p:txBody>
+          <a:bodyPr/>
+          <a:lstStyle/>
+          <a:p>
+            <a:endParaRPr lang="en-NZ" dirty="0"/>
+          </a:p>
+        </p:txBody>
+      </p:sp>
+    </p:spTree>
+    <p:extLst>
+      <p:ext uri="{BB962C8B-B14F-4D97-AF65-F5344CB8AC3E}">
+        <p14:creationId xmlns:p14="http://schemas.microsoft.com/office/powerpoint/2010/main" val="3615811080"/>
+      </p:ext>
+    </p:extLst>
+  </p:cSld>
+  <p:clrMapOvr>
+    <a:masterClrMapping/>
+  </p:clrMapOvr>
+  <p:timing>
+    <p:tnLst>
+      <p:par>
+        <p:cTn id="1" dur="indefinite" restart="never" nodeType="tmRoot"/>
+      </p:par>
+    </p:tnLst>
+  </p:timing>
+</p:sld>
+</file>
+
+<file path=ppt/slides/slide4.xml><?xml version="1.0" encoding="utf-8"?>
+<p:sld xmlns:a="http://schemas.openxmlformats.org/drawingml/2006/main" xmlns:r="http://schemas.openxmlformats.org/officeDocument/2006/relationships" xmlns:p="http://schemas.openxmlformats.org/presentationml/2006/main">
+  <p:cSld>
+    <p:spTree>
+      <p:nvGrpSpPr>
+        <p:cNvPr id="1" name=""/>
+        <p:cNvGrpSpPr/>
+        <p:nvPr/>
+      </p:nvGrpSpPr>
+      <p:grpSpPr>
+        <a:xfrm>
+          <a:off x="0" y="0"/>
+          <a:ext cx="0" cy="0"/>
+          <a:chOff x="0" y="0"/>
+          <a:chExt cx="0" cy="0"/>
+        </a:xfrm>
+      </p:grpSpPr>
+      <p:sp>
+        <p:nvSpPr>
+          <p:cNvPr id="2" name="Title 1"/>
+          <p:cNvSpPr>
+            <a:spLocks noGrp="1"/>
+          </p:cNvSpPr>
+          <p:nvPr>
+            <p:ph type="ctrTitle"/>
+          </p:nvPr>
+        </p:nvSpPr>
+        <p:spPr>
+          <a:xfrm>
+            <a:off x="1660849" y="2052735"/>
+            <a:ext cx="7043986" cy="2557935"/>
+          </a:xfrm>
+        </p:spPr>
+        <p:txBody>
+          <a:bodyPr/>
+          <a:lstStyle/>
+          <a:p>
+            <a:r>
+              <a:rPr lang="en-NZ" dirty="0" smtClean="0"/>
+              <a:t>The Benefits of Expanding Employee Cybersecurity Training</a:t>
+            </a:r>
+            <a:endParaRPr lang="en-NZ" dirty="0"/>
+          </a:p>
+        </p:txBody>
+      </p:sp>
+    </p:spTree>
+    <p:extLst>
+      <p:ext uri="{BB962C8B-B14F-4D97-AF65-F5344CB8AC3E}">
+        <p14:creationId xmlns:p14="http://schemas.microsoft.com/office/powerpoint/2010/main" val="1733285919"/>
+      </p:ext>
+    </p:extLst>
+  </p:cSld>
+  <p:clrMapOvr>
+    <a:masterClrMapping/>
+  </p:clrMapOvr>
+  <p:timing>
+    <p:tnLst>
+      <p:par>
+        <p:cTn id="1" dur="indefinite" restart="never" nodeType="tmRoot"/>
+      </p:par>
+    </p:tnLst>
+  </p:timing>
+</p:sld>
+</file>
+
+<file path=ppt/slides/slide5.xml><?xml version="1.0" encoding="utf-8"?>
+<p:sld xmlns:a="http://schemas.openxmlformats.org/drawingml/2006/main" xmlns:r="http://schemas.openxmlformats.org/officeDocument/2006/relationships" xmlns:p="http://schemas.openxmlformats.org/presentationml/2006/main">
+  <p:cSld>
+    <p:spTree>
+      <p:nvGrpSpPr>
+        <p:cNvPr id="1" name=""/>
+        <p:cNvGrpSpPr/>
+        <p:nvPr/>
+      </p:nvGrpSpPr>
+      <p:grpSpPr>
+        <a:xfrm>
+          <a:off x="0" y="0"/>
+          <a:ext cx="0" cy="0"/>
+          <a:chOff x="0" y="0"/>
+          <a:chExt cx="0" cy="0"/>
+        </a:xfrm>
+      </p:grpSpPr>
+      <p:sp>
+        <p:nvSpPr>
+          <p:cNvPr id="2" name="Title 1"/>
+          <p:cNvSpPr>
+            <a:spLocks noGrp="1"/>
+          </p:cNvSpPr>
+          <p:nvPr>
+            <p:ph type="title"/>
+          </p:nvPr>
+        </p:nvSpPr>
+        <p:spPr/>
+        <p:txBody>
+          <a:bodyPr/>
+          <a:lstStyle/>
+          <a:p>
+            <a:r>
+              <a:rPr lang="en-NZ" dirty="0" smtClean="0"/>
+              <a:t>Prevention of Data Leaks</a:t>
+            </a:r>
+            <a:endParaRPr lang="en-NZ" dirty="0"/>
+          </a:p>
+        </p:txBody>
+      </p:sp>
+      <p:sp>
+        <p:nvSpPr>
+          <p:cNvPr id="3" name="Content Placeholder 2"/>
+          <p:cNvSpPr>
+            <a:spLocks noGrp="1"/>
+          </p:cNvSpPr>
+          <p:nvPr>
+            <p:ph idx="1"/>
+          </p:nvPr>
+        </p:nvSpPr>
+        <p:spPr/>
+        <p:txBody>
+          <a:bodyPr/>
+          <a:lstStyle/>
+          <a:p>
+            <a:endParaRPr lang="en-NZ"/>
+          </a:p>
+        </p:txBody>
+      </p:sp>
+    </p:spTree>
+    <p:extLst>
+      <p:ext uri="{BB962C8B-B14F-4D97-AF65-F5344CB8AC3E}">
+        <p14:creationId xmlns:p14="http://schemas.microsoft.com/office/powerpoint/2010/main" val="4101795910"/>
+      </p:ext>
+    </p:extLst>
+  </p:cSld>
+  <p:clrMapOvr>
+    <a:masterClrMapping/>
+  </p:clrMapOvr>
+  <p:timing>
+    <p:tnLst>
+      <p:par>
+        <p:cTn id="1" dur="indefinite" restart="never" nodeType="tmRoot"/>
+      </p:par>
+    </p:tnLst>
+  </p:timing>
+</p:sld>
+</file>
+
+<file path=ppt/slides/slide6.xml><?xml version="1.0" encoding="utf-8"?>
+<p:sld xmlns:a="http://schemas.openxmlformats.org/drawingml/2006/main" xmlns:r="http://schemas.openxmlformats.org/officeDocument/2006/relationships" xmlns:p="http://schemas.openxmlformats.org/presentationml/2006/main">
+  <p:cSld>
+    <p:spTree>
+      <p:nvGrpSpPr>
+        <p:cNvPr id="1" name=""/>
+        <p:cNvGrpSpPr/>
+        <p:nvPr/>
+      </p:nvGrpSpPr>
+      <p:grpSpPr>
+        <a:xfrm>
+          <a:off x="0" y="0"/>
+          <a:ext cx="0" cy="0"/>
+          <a:chOff x="0" y="0"/>
+          <a:chExt cx="0" cy="0"/>
+        </a:xfrm>
+      </p:grpSpPr>
+      <p:sp>
+        <p:nvSpPr>
+          <p:cNvPr id="2" name="Title 1"/>
+          <p:cNvSpPr>
+            <a:spLocks noGrp="1"/>
+          </p:cNvSpPr>
+          <p:nvPr>
+            <p:ph type="title"/>
+          </p:nvPr>
+        </p:nvSpPr>
+        <p:spPr/>
+        <p:txBody>
+          <a:bodyPr/>
+          <a:lstStyle/>
+          <a:p>
+            <a:r>
+              <a:rPr lang="en-NZ" dirty="0" smtClean="0"/>
+              <a:t>Improved ability to utilise security strategies</a:t>
+            </a:r>
+            <a:endParaRPr lang="en-NZ" dirty="0"/>
+          </a:p>
+        </p:txBody>
+      </p:sp>
+      <p:sp>
+        <p:nvSpPr>
+          <p:cNvPr id="3" name="Content Placeholder 2"/>
+          <p:cNvSpPr>
+            <a:spLocks noGrp="1"/>
+          </p:cNvSpPr>
+          <p:nvPr>
+            <p:ph idx="1"/>
+          </p:nvPr>
+        </p:nvSpPr>
+        <p:spPr/>
+        <p:txBody>
+          <a:bodyPr/>
+          <a:lstStyle/>
+          <a:p>
+            <a:endParaRPr lang="en-NZ"/>
+          </a:p>
+        </p:txBody>
+      </p:sp>
+    </p:spTree>
+    <p:extLst>
+      <p:ext uri="{BB962C8B-B14F-4D97-AF65-F5344CB8AC3E}">
+        <p14:creationId xmlns:p14="http://schemas.microsoft.com/office/powerpoint/2010/main" val="4249631179"/>
+      </p:ext>
+    </p:extLst>
+  </p:cSld>
+  <p:clrMapOvr>
+    <a:masterClrMapping/>
+  </p:clrMapOvr>
+  <p:timing>
+    <p:tnLst>
+      <p:par>
+        <p:cTn id="1" dur="indefinite" restart="never" nodeType="tmRoot"/>
+      </p:par>
+    </p:tnLst>
+  </p:timing>
+</p:sld>
+</file>
+
+<file path=ppt/slides/slide7.xml><?xml version="1.0" encoding="utf-8"?>
+<p:sld xmlns:a="http://schemas.openxmlformats.org/drawingml/2006/main" xmlns:r="http://schemas.openxmlformats.org/officeDocument/2006/relationships" xmlns:p="http://schemas.openxmlformats.org/presentationml/2006/main">
+  <p:cSld>
+    <p:spTree>
+      <p:nvGrpSpPr>
+        <p:cNvPr id="1" name=""/>
+        <p:cNvGrpSpPr/>
+        <p:nvPr/>
+      </p:nvGrpSpPr>
+      <p:grpSpPr>
+        <a:xfrm>
+          <a:off x="0" y="0"/>
+          <a:ext cx="0" cy="0"/>
+          <a:chOff x="0" y="0"/>
+          <a:chExt cx="0" cy="0"/>
+        </a:xfrm>
+      </p:grpSpPr>
+      <p:sp>
+        <p:nvSpPr>
+          <p:cNvPr id="2" name="Title 1"/>
+          <p:cNvSpPr>
+            <a:spLocks noGrp="1"/>
+          </p:cNvSpPr>
+          <p:nvPr>
+            <p:ph type="ctrTitle"/>
+          </p:nvPr>
+        </p:nvSpPr>
+        <p:spPr>
+          <a:xfrm>
+            <a:off x="1390261" y="2202025"/>
+            <a:ext cx="7361227" cy="2473963"/>
+          </a:xfrm>
+        </p:spPr>
+        <p:txBody>
+          <a:bodyPr/>
+          <a:lstStyle/>
+          <a:p>
+            <a:r>
+              <a:rPr lang="en-NZ" dirty="0" smtClean="0"/>
+              <a:t>Potential Drawbacks of Expanding Employee Cybersecurity Training</a:t>
+            </a:r>
+            <a:endParaRPr lang="en-NZ" dirty="0"/>
+          </a:p>
+        </p:txBody>
+      </p:sp>
+    </p:spTree>
+    <p:extLst>
+      <p:ext uri="{BB962C8B-B14F-4D97-AF65-F5344CB8AC3E}">
+        <p14:creationId xmlns:p14="http://schemas.microsoft.com/office/powerpoint/2010/main" val="995938276"/>
+      </p:ext>
+    </p:extLst>
+  </p:cSld>
+  <p:clrMapOvr>
+    <a:masterClrMapping/>
+  </p:clrMapOvr>
+  <p:timing>
+    <p:tnLst>
+      <p:par>
+        <p:cTn id="1" dur="indefinite" restart="never" nodeType="tmRoot"/>
+      </p:par>
+    </p:tnLst>
+  </p:timing>
+</p:sld>
+</file>
+
+<file path=ppt/slides/slide8.xml><?xml version="1.0" encoding="utf-8"?>
+<p:sld xmlns:a="http://schemas.openxmlformats.org/drawingml/2006/main" xmlns:r="http://schemas.openxmlformats.org/officeDocument/2006/relationships" xmlns:p="http://schemas.openxmlformats.org/presentationml/2006/main">
+  <p:cSld>
+    <p:spTree>
+      <p:nvGrpSpPr>
+        <p:cNvPr id="1" name=""/>
+        <p:cNvGrpSpPr/>
+        <p:nvPr/>
+      </p:nvGrpSpPr>
+      <p:grpSpPr>
+        <a:xfrm>
+          <a:off x="0" y="0"/>
+          <a:ext cx="0" cy="0"/>
+          <a:chOff x="0" y="0"/>
+          <a:chExt cx="0" cy="0"/>
+        </a:xfrm>
+      </p:grpSpPr>
+      <p:sp>
+        <p:nvSpPr>
+          <p:cNvPr id="2" name="Title 1"/>
+          <p:cNvSpPr>
+            <a:spLocks noGrp="1"/>
+          </p:cNvSpPr>
+          <p:nvPr>
+            <p:ph type="title"/>
+          </p:nvPr>
+        </p:nvSpPr>
+        <p:spPr/>
+        <p:txBody>
+          <a:bodyPr/>
+          <a:lstStyle/>
+          <a:p>
+            <a:r>
+              <a:rPr lang="en-NZ" dirty="0" smtClean="0"/>
+              <a:t>Costs/Monetary Factors</a:t>
+            </a:r>
+            <a:endParaRPr lang="en-NZ" dirty="0"/>
+          </a:p>
+        </p:txBody>
+      </p:sp>
+      <p:sp>
+        <p:nvSpPr>
+          <p:cNvPr id="3" name="Content Placeholder 2"/>
+          <p:cNvSpPr>
+            <a:spLocks noGrp="1"/>
+          </p:cNvSpPr>
+          <p:nvPr>
+            <p:ph idx="1"/>
+          </p:nvPr>
+        </p:nvSpPr>
+        <p:spPr/>
+        <p:txBody>
+          <a:bodyPr/>
+          <a:lstStyle/>
+          <a:p>
+            <a:endParaRPr lang="en-NZ"/>
+          </a:p>
+        </p:txBody>
+      </p:sp>
+    </p:spTree>
+    <p:extLst>
+      <p:ext uri="{BB962C8B-B14F-4D97-AF65-F5344CB8AC3E}">
+        <p14:creationId xmlns:p14="http://schemas.microsoft.com/office/powerpoint/2010/main" val="2287486213"/>
+      </p:ext>
+    </p:extLst>
+  </p:cSld>
+  <p:clrMapOvr>
+    <a:masterClrMapping/>
+  </p:clrMapOvr>
+  <p:timing>
+    <p:tnLst>
+      <p:par>
+        <p:cTn id="1" dur="indefinite" restart="never" nodeType="tmRoot"/>
+      </p:par>
+    </p:tnLst>
+  </p:timing>
+</p:sld>
+</file>
+
+<file path=ppt/slides/slide9.xml><?xml version="1.0" encoding="utf-8"?>
+<p:sld xmlns:a="http://schemas.openxmlformats.org/drawingml/2006/main" xmlns:r="http://schemas.openxmlformats.org/officeDocument/2006/relationships" xmlns:p="http://schemas.openxmlformats.org/presentationml/2006/main">
+  <p:cSld>
+    <p:spTree>
+      <p:nvGrpSpPr>
+        <p:cNvPr id="1" name=""/>
+        <p:cNvGrpSpPr/>
+        <p:nvPr/>
+      </p:nvGrpSpPr>
+      <p:grpSpPr>
+        <a:xfrm>
+          <a:off x="0" y="0"/>
+          <a:ext cx="0" cy="0"/>
+          <a:chOff x="0" y="0"/>
+          <a:chExt cx="0" cy="0"/>
+        </a:xfrm>
+      </p:grpSpPr>
+      <p:sp>
+        <p:nvSpPr>
+          <p:cNvPr id="2" name="Title 1"/>
+          <p:cNvSpPr>
+            <a:spLocks noGrp="1"/>
+          </p:cNvSpPr>
+          <p:nvPr>
+            <p:ph type="title"/>
+          </p:nvPr>
+        </p:nvSpPr>
+        <p:spPr/>
+        <p:txBody>
+          <a:bodyPr/>
+          <a:lstStyle/>
+          <a:p>
+            <a:r>
+              <a:rPr lang="en-NZ" dirty="0" smtClean="0"/>
+              <a:t>Administrative Bottlenecks</a:t>
+            </a:r>
+            <a:endParaRPr lang="en-NZ" dirty="0"/>
+          </a:p>
+        </p:txBody>
+      </p:sp>
+      <p:sp>
+        <p:nvSpPr>
+          <p:cNvPr id="3" name="Content Placeholder 2"/>
+          <p:cNvSpPr>
+            <a:spLocks noGrp="1"/>
+          </p:cNvSpPr>
+          <p:nvPr>
+            <p:ph idx="1"/>
+          </p:nvPr>
+        </p:nvSpPr>
+        <p:spPr/>
+        <p:txBody>
+          <a:bodyPr/>
+          <a:lstStyle/>
+          <a:p>
+            <a:endParaRPr lang="en-NZ"/>
+          </a:p>
+        </p:txBody>
+      </p:sp>
+    </p:spTree>
+    <p:extLst>
+      <p:ext uri="{BB962C8B-B14F-4D97-AF65-F5344CB8AC3E}">
+        <p14:creationId xmlns:p14="http://schemas.microsoft.com/office/powerpoint/2010/main" val="2075863526"/>
+      </p:ext>
+    </p:extLst>
+  </p:cSld>
+  <p:clrMapOvr>
+    <a:masterClrMapping/>
+  </p:clrMapOvr>
+  <p:timing>
+    <p:tnLst>
+      <p:par>
+        <p:cTn id="1" dur="indefinite" restart="never" nodeType="tmRoot"/>
+      </p:par>
+    </p:tnLst>
+  </p:timing>
 </p:sld>
 </file>
 
 <file path=ppt/theme/theme1.xml><?xml version="1.0" encoding="utf-8"?>
-<a:theme xmlns:a="http://schemas.openxmlformats.org/drawingml/2006/main" name="Office Theme">
+<a:theme xmlns:a="http://schemas.openxmlformats.org/drawingml/2006/main" name="Facet">
   <a:themeElements>
-    <a:clrScheme name="Office">
+    <a:clrScheme name="Facet">
       <a:dk1>
         <a:sysClr val="windowText" lastClr="000000"/>
       </a:dk1>
@@ -3026,52 +6738,52 @@
         <a:sysClr val="window" lastClr="FFFFFF"/>
       </a:lt1>
       <a:dk2>
-        <a:srgbClr val="44546A"/>
+        <a:srgbClr val="2C3C43"/>
       </a:dk2>
       <a:lt2>
-        <a:srgbClr val="E7E6E6"/>
+        <a:srgbClr val="EBEBEB"/>
       </a:lt2>
       <a:accent1>
-        <a:srgbClr val="5B9BD5"/>
+        <a:srgbClr val="90C226"/>
       </a:accent1>
       <a:accent2>
-        <a:srgbClr val="ED7D31"/>
+        <a:srgbClr val="54A021"/>
       </a:accent2>
       <a:accent3>
-        <a:srgbClr val="A5A5A5"/>
+        <a:srgbClr val="E6B91E"/>
       </a:accent3>
       <a:accent4>
-        <a:srgbClr val="FFC000"/>
+        <a:srgbClr val="E76618"/>
       </a:accent4>
       <a:accent5>
-        <a:srgbClr val="4472C4"/>
+        <a:srgbClr val="C42F1A"/>
       </a:accent5>
       <a:accent6>
-        <a:srgbClr val="70AD47"/>
+        <a:srgbClr val="918655"/>
       </a:accent6>
       <a:hlink>
-        <a:srgbClr val="0563C1"/>
+        <a:srgbClr val="99CA3C"/>
       </a:hlink>
       <a:folHlink>
-        <a:srgbClr val="954F72"/>
+        <a:srgbClr val="B9D181"/>
       </a:folHlink>
     </a:clrScheme>
-    <a:fontScheme name="Office">
+    <a:fontScheme name="Facet">
       <a:majorFont>
-        <a:latin typeface="Calibri Light" panose="020F0302020204030204"/>
+        <a:latin typeface="Trebuchet MS" panose="020B0603020202020204"/>
         <a:ea typeface=""/>
         <a:cs typeface=""/>
-        <a:font script="Jpan" typeface="游ゴシック Light"/>
+        <a:font script="Jpan" typeface="メイリオ"/>
         <a:font script="Hang" typeface="맑은 고딕"/>
-        <a:font script="Hans" typeface="等线 Light"/>
-        <a:font script="Hant" typeface="新細明體"/>
-        <a:font script="Arab" typeface="Times New Roman"/>
-        <a:font script="Hebr" typeface="Times New Roman"/>
-        <a:font script="Thai" typeface="Angsana New"/>
+        <a:font script="Hans" typeface="方正姚体"/>
+        <a:font script="Hant" typeface="微軟正黑體"/>
+        <a:font script="Arab" typeface="Tahoma"/>
+        <a:font script="Hebr" typeface="Arial"/>
+        <a:font script="Thai" typeface="Cordia New"/>
         <a:font script="Ethi" typeface="Nyala"/>
         <a:font script="Beng" typeface="Vrinda"/>
         <a:font script="Gujr" typeface="Shruti"/>
-        <a:font script="Khmr" typeface="MoolBoran"/>
+        <a:font script="Khmr" typeface="DaunPenh"/>
         <a:font script="Knda" typeface="Tunga"/>
         <a:font script="Guru" typeface="Raavi"/>
         <a:font script="Cans" typeface="Euphemia"/>
@@ -3088,21 +6800,21 @@
         <a:font script="Laoo" typeface="DokChampa"/>
         <a:font script="Sinh" typeface="Iskoola Pota"/>
         <a:font script="Mong" typeface="Mongolian Baiti"/>
-        <a:font script="Viet" typeface="Times New Roman"/>
+        <a:font script="Viet" typeface="Tahoma"/>
         <a:font script="Uigh" typeface="Microsoft Uighur"/>
         <a:font script="Geor" typeface="Sylfaen"/>
       </a:majorFont>
       <a:minorFont>
-        <a:latin typeface="Calibri" panose="020F0502020204030204"/>
+        <a:latin typeface="Trebuchet MS" panose="020B0603020202020204"/>
         <a:ea typeface=""/>
         <a:cs typeface=""/>
-        <a:font script="Jpan" typeface="游ゴシック"/>
-        <a:font script="Hang" typeface="맑은 고딕"/>
-        <a:font script="Hans" typeface="等线"/>
-        <a:font script="Hant" typeface="新細明體"/>
-        <a:font script="Arab" typeface="Arial"/>
-        <a:font script="Hebr" typeface="Arial"/>
-        <a:font script="Thai" typeface="Cordia New"/>
+        <a:font script="Jpan" typeface="メイリオ"/>
+        <a:font script="Hang" typeface="HY그래픽M"/>
+        <a:font script="Hans" typeface="华文新魏"/>
+        <a:font script="Hant" typeface="微軟正黑體"/>
+        <a:font script="Arab" typeface="Tahoma"/>
+        <a:font script="Hebr" typeface="Gisha"/>
+        <a:font script="Thai" typeface="IrisUPC"/>
         <a:font script="Ethi" typeface="Nyala"/>
         <a:font script="Beng" typeface="Vrinda"/>
         <a:font script="Gujr" typeface="Shruti"/>
@@ -3128,7 +6840,7 @@
         <a:font script="Geor" typeface="Sylfaen"/>
       </a:minorFont>
     </a:fontScheme>
-    <a:fmtScheme name="Office">
+    <a:fmtScheme name="Facet">
       <a:fillStyleLst>
         <a:solidFill>
           <a:schemeClr val="phClr"/>
@@ -3137,23 +6849,13 @@
           <a:gsLst>
             <a:gs pos="0">
               <a:schemeClr val="phClr">
+                <a:tint val="65000"/>
                 <a:lumMod val="110000"/>
-                <a:satMod val="105000"/>
-                <a:tint val="67000"/>
               </a:schemeClr>
             </a:gs>
-            <a:gs pos="50000">
+            <a:gs pos="88000">
               <a:schemeClr val="phClr">
-                <a:lumMod val="105000"/>
-                <a:satMod val="103000"/>
-                <a:tint val="73000"/>
-              </a:schemeClr>
-            </a:gs>
-            <a:gs pos="100000">
-              <a:schemeClr val="phClr">
-                <a:lumMod val="105000"/>
-                <a:satMod val="109000"/>
-                <a:tint val="81000"/>
+                <a:tint val="90000"/>
               </a:schemeClr>
             </a:gs>
           </a:gsLst>
@@ -3163,23 +6865,14 @@
           <a:gsLst>
             <a:gs pos="0">
               <a:schemeClr val="phClr">
-                <a:satMod val="103000"/>
-                <a:lumMod val="102000"/>
-                <a:tint val="94000"/>
+                <a:tint val="96000"/>
+                <a:lumMod val="100000"/>
               </a:schemeClr>
             </a:gs>
-            <a:gs pos="50000">
+            <a:gs pos="78000">
               <a:schemeClr val="phClr">
-                <a:satMod val="110000"/>
-                <a:lumMod val="100000"/>
-                <a:shade val="100000"/>
-              </a:schemeClr>
-            </a:gs>
-            <a:gs pos="100000">
-              <a:schemeClr val="phClr">
-                <a:lumMod val="99000"/>
-                <a:satMod val="120000"/>
-                <a:shade val="78000"/>
+                <a:shade val="94000"/>
+                <a:lumMod val="94000"/>
               </a:schemeClr>
             </a:gs>
           </a:gsLst>
@@ -3187,26 +6880,23 @@
         </a:gradFill>
       </a:fillStyleLst>
       <a:lnStyleLst>
-        <a:ln w="6350" cap="flat" cmpd="sng" algn="ctr">
+        <a:ln w="12700" cap="rnd" cmpd="sng" algn="ctr">
           <a:solidFill>
             <a:schemeClr val="phClr"/>
           </a:solidFill>
           <a:prstDash val="solid"/>
-          <a:miter lim="800000"/>
         </a:ln>
-        <a:ln w="12700" cap="flat" cmpd="sng" algn="ctr">
+        <a:ln w="19050" cap="rnd" cmpd="sng" algn="ctr">
           <a:solidFill>
             <a:schemeClr val="phClr"/>
           </a:solidFill>
           <a:prstDash val="solid"/>
-          <a:miter lim="800000"/>
         </a:ln>
-        <a:ln w="19050" cap="flat" cmpd="sng" algn="ctr">
+        <a:ln w="25400" cap="rnd" cmpd="sng" algn="ctr">
           <a:solidFill>
             <a:schemeClr val="phClr"/>
           </a:solidFill>
           <a:prstDash val="solid"/>
-          <a:miter lim="800000"/>
         </a:ln>
       </a:lnStyleLst>
       <a:effectStyleLst>
@@ -3214,54 +6904,72 @@
           <a:effectLst/>
         </a:effectStyle>
         <a:effectStyle>
-          <a:effectLst/>
+          <a:effectLst>
+            <a:outerShdw blurRad="38100" dist="25400" dir="5400000" rotWithShape="0">
+              <a:srgbClr val="000000">
+                <a:alpha val="35000"/>
+              </a:srgbClr>
+            </a:outerShdw>
+          </a:effectLst>
         </a:effectStyle>
         <a:effectStyle>
           <a:effectLst>
-            <a:outerShdw blurRad="57150" dist="19050" dir="5400000" algn="ctr" rotWithShape="0">
+            <a:outerShdw blurRad="50800" dist="38100" dir="5400000" rotWithShape="0">
               <a:srgbClr val="000000">
-                <a:alpha val="63000"/>
+                <a:alpha val="35000"/>
               </a:srgbClr>
             </a:outerShdw>
           </a:effectLst>
+          <a:scene3d>
+            <a:camera prst="orthographicFront">
+              <a:rot lat="0" lon="0" rev="0"/>
+            </a:camera>
+            <a:lightRig rig="threePt" dir="tl"/>
+          </a:scene3d>
+          <a:sp3d prstMaterial="plastic">
+            <a:bevelT w="0" h="0"/>
+          </a:sp3d>
         </a:effectStyle>
       </a:effectStyleLst>
       <a:bgFillStyleLst>
         <a:solidFill>
           <a:schemeClr val="phClr"/>
         </a:solidFill>
-        <a:solidFill>
-          <a:schemeClr val="phClr">
-            <a:tint val="95000"/>
-            <a:satMod val="170000"/>
-          </a:schemeClr>
-        </a:solidFill>
         <a:gradFill rotWithShape="1">
           <a:gsLst>
             <a:gs pos="0">
               <a:schemeClr val="phClr">
-                <a:tint val="93000"/>
-                <a:satMod val="150000"/>
-                <a:shade val="98000"/>
-                <a:lumMod val="102000"/>
+                <a:tint val="90000"/>
+                <a:lumMod val="104000"/>
               </a:schemeClr>
             </a:gs>
-            <a:gs pos="50000">
+            <a:gs pos="94000">
               <a:schemeClr val="phClr">
-                <a:tint val="98000"/>
-                <a:satMod val="130000"/>
-                <a:shade val="90000"/>
-                <a:lumMod val="103000"/>
+                <a:shade val="96000"/>
+                <a:lumMod val="82000"/>
+              </a:schemeClr>
+            </a:gs>
+          </a:gsLst>
+          <a:lin ang="5400000" scaled="0"/>
+        </a:gradFill>
+        <a:gradFill rotWithShape="1">
+          <a:gsLst>
+            <a:gs pos="0">
+              <a:schemeClr val="phClr">
+                <a:tint val="90000"/>
+                <a:lumMod val="110000"/>
               </a:schemeClr>
             </a:gs>
             <a:gs pos="100000">
               <a:schemeClr val="phClr">
-                <a:shade val="63000"/>
-                <a:satMod val="120000"/>
+                <a:shade val="94000"/>
+                <a:lumMod val="96000"/>
               </a:schemeClr>
             </a:gs>
           </a:gsLst>
-          <a:lin ang="5400000" scaled="0"/>
+          <a:path path="circle">
+            <a:fillToRect l="50000" t="50000" r="100000" b="100000"/>
+          </a:path>
         </a:gradFill>
       </a:bgFillStyleLst>
     </a:fmtScheme>
@@ -3270,7 +6978,7 @@
   <a:extraClrSchemeLst/>
   <a:extLst>
     <a:ext uri="{05A4C25C-085E-4340-85A3-A5531E510DB2}">
-      <thm15:themeFamily xmlns:thm15="http://schemas.microsoft.com/office/thememl/2012/main" name="Office Theme" id="{62F939B6-93AF-4DB8-9C6B-D6C7DFDC589F}" vid="{4A3C46E8-61CC-4603-A589-7422A47A8E4A}"/>
+      <thm15:themeFamily xmlns:thm15="http://schemas.microsoft.com/office/thememl/2012/main" name="Facet" id="{C0C680CD-088A-49FC-A102-D699147F32B2}" vid="{CFBC31BA-B70F-4F30-BCAA-4F3011E16C4D}"/>
     </a:ext>
   </a:extLst>
 </a:theme>
